--- a/2024_8_21_庾小齐-有源移相器.pptx
+++ b/2024_8_21_庾小齐-有源移相器.pptx
@@ -5,29 +5,33 @@
     <p:sldMasterId id="2147483648" r:id="rId1"/>
   </p:sldMasterIdLst>
   <p:notesMasterIdLst>
-    <p:notesMasterId r:id="rId17"/>
+    <p:notesMasterId r:id="rId21"/>
   </p:notesMasterIdLst>
   <p:sldIdLst>
     <p:sldId id="580" r:id="rId2"/>
     <p:sldId id="334" r:id="rId3"/>
     <p:sldId id="564" r:id="rId4"/>
     <p:sldId id="589" r:id="rId5"/>
-    <p:sldId id="598" r:id="rId6"/>
-    <p:sldId id="617" r:id="rId7"/>
-    <p:sldId id="609" r:id="rId8"/>
-    <p:sldId id="610" r:id="rId9"/>
-    <p:sldId id="611" r:id="rId10"/>
-    <p:sldId id="612" r:id="rId11"/>
-    <p:sldId id="613" r:id="rId12"/>
-    <p:sldId id="614" r:id="rId13"/>
-    <p:sldId id="615" r:id="rId14"/>
-    <p:sldId id="616" r:id="rId15"/>
-    <p:sldId id="261" r:id="rId16"/>
+    <p:sldId id="617" r:id="rId6"/>
+    <p:sldId id="609" r:id="rId7"/>
+    <p:sldId id="598" r:id="rId8"/>
+    <p:sldId id="618" r:id="rId9"/>
+    <p:sldId id="619" r:id="rId10"/>
+    <p:sldId id="610" r:id="rId11"/>
+    <p:sldId id="611" r:id="rId12"/>
+    <p:sldId id="620" r:id="rId13"/>
+    <p:sldId id="613" r:id="rId14"/>
+    <p:sldId id="621" r:id="rId15"/>
+    <p:sldId id="622" r:id="rId16"/>
+    <p:sldId id="614" r:id="rId17"/>
+    <p:sldId id="615" r:id="rId18"/>
+    <p:sldId id="616" r:id="rId19"/>
+    <p:sldId id="261" r:id="rId20"/>
   </p:sldIdLst>
   <p:sldSz cx="9144000" cy="5143500" type="screen16x9"/>
   <p:notesSz cx="6858000" cy="9144000"/>
   <p:custDataLst>
-    <p:tags r:id="rId18"/>
+    <p:tags r:id="rId22"/>
   </p:custDataLst>
   <p:defaultTextStyle>
     <a:defPPr>
@@ -594,7 +598,7 @@
     </p:spTree>
     <p:extLst>
       <p:ext uri="{BB962C8B-B14F-4D97-AF65-F5344CB8AC3E}">
-        <p14:creationId xmlns:p14="http://schemas.microsoft.com/office/powerpoint/2010/main" val="1510116317"/>
+        <p14:creationId xmlns:p14="http://schemas.microsoft.com/office/powerpoint/2010/main" val="3474010842"/>
       </p:ext>
     </p:extLst>
   </p:cSld>
@@ -655,7 +659,7 @@
     </p:spTree>
     <p:extLst>
       <p:ext uri="{BB962C8B-B14F-4D97-AF65-F5344CB8AC3E}">
-        <p14:creationId xmlns:p14="http://schemas.microsoft.com/office/powerpoint/2010/main" val="2830383481"/>
+        <p14:creationId xmlns:p14="http://schemas.microsoft.com/office/powerpoint/2010/main" val="12284329"/>
       </p:ext>
     </p:extLst>
   </p:cSld>
@@ -716,6 +720,250 @@
     </p:spTree>
     <p:extLst>
       <p:ext uri="{BB962C8B-B14F-4D97-AF65-F5344CB8AC3E}">
+        <p14:creationId xmlns:p14="http://schemas.microsoft.com/office/powerpoint/2010/main" val="1510116317"/>
+      </p:ext>
+    </p:extLst>
+  </p:cSld>
+  <p:clrMapOvr>
+    <a:masterClrMapping/>
+  </p:clrMapOvr>
+</p:notes>
+</file>
+
+<file path=ppt/notesSlides/notesSlide13.xml><?xml version="1.0" encoding="utf-8"?>
+<p:notes xmlns:a="http://schemas.openxmlformats.org/drawingml/2006/main" xmlns:r="http://schemas.openxmlformats.org/officeDocument/2006/relationships" xmlns:p="http://schemas.openxmlformats.org/presentationml/2006/main">
+  <p:cSld>
+    <p:spTree>
+      <p:nvGrpSpPr>
+        <p:cNvPr id="1" name=""/>
+        <p:cNvGrpSpPr/>
+        <p:nvPr/>
+      </p:nvGrpSpPr>
+      <p:grpSpPr>
+        <a:xfrm>
+          <a:off x="0" y="0"/>
+          <a:ext cx="0" cy="0"/>
+          <a:chOff x="0" y="0"/>
+          <a:chExt cx="0" cy="0"/>
+        </a:xfrm>
+      </p:grpSpPr>
+      <p:sp>
+        <p:nvSpPr>
+          <p:cNvPr id="2" name="幻灯片图像占位符 1"/>
+          <p:cNvSpPr>
+            <a:spLocks noGrp="1" noRot="1" noChangeAspect="1"/>
+          </p:cNvSpPr>
+          <p:nvPr>
+            <p:ph type="sldImg" idx="2"/>
+          </p:nvPr>
+        </p:nvSpPr>
+        <p:spPr/>
+      </p:sp>
+      <p:sp>
+        <p:nvSpPr>
+          <p:cNvPr id="3" name="文本占位符 2"/>
+          <p:cNvSpPr>
+            <a:spLocks noGrp="1"/>
+          </p:cNvSpPr>
+          <p:nvPr>
+            <p:ph type="body" idx="3"/>
+          </p:nvPr>
+        </p:nvSpPr>
+        <p:spPr/>
+        <p:txBody>
+          <a:bodyPr/>
+          <a:lstStyle/>
+          <a:p>
+            <a:endParaRPr lang="zh-CN" altLang="en-US" dirty="0"/>
+          </a:p>
+        </p:txBody>
+      </p:sp>
+    </p:spTree>
+    <p:extLst>
+      <p:ext uri="{BB962C8B-B14F-4D97-AF65-F5344CB8AC3E}">
+        <p14:creationId xmlns:p14="http://schemas.microsoft.com/office/powerpoint/2010/main" val="959766966"/>
+      </p:ext>
+    </p:extLst>
+  </p:cSld>
+  <p:clrMapOvr>
+    <a:masterClrMapping/>
+  </p:clrMapOvr>
+</p:notes>
+</file>
+
+<file path=ppt/notesSlides/notesSlide14.xml><?xml version="1.0" encoding="utf-8"?>
+<p:notes xmlns:a="http://schemas.openxmlformats.org/drawingml/2006/main" xmlns:r="http://schemas.openxmlformats.org/officeDocument/2006/relationships" xmlns:p="http://schemas.openxmlformats.org/presentationml/2006/main">
+  <p:cSld>
+    <p:spTree>
+      <p:nvGrpSpPr>
+        <p:cNvPr id="1" name=""/>
+        <p:cNvGrpSpPr/>
+        <p:nvPr/>
+      </p:nvGrpSpPr>
+      <p:grpSpPr>
+        <a:xfrm>
+          <a:off x="0" y="0"/>
+          <a:ext cx="0" cy="0"/>
+          <a:chOff x="0" y="0"/>
+          <a:chExt cx="0" cy="0"/>
+        </a:xfrm>
+      </p:grpSpPr>
+      <p:sp>
+        <p:nvSpPr>
+          <p:cNvPr id="2" name="幻灯片图像占位符 1"/>
+          <p:cNvSpPr>
+            <a:spLocks noGrp="1" noRot="1" noChangeAspect="1"/>
+          </p:cNvSpPr>
+          <p:nvPr>
+            <p:ph type="sldImg" idx="2"/>
+          </p:nvPr>
+        </p:nvSpPr>
+        <p:spPr/>
+      </p:sp>
+      <p:sp>
+        <p:nvSpPr>
+          <p:cNvPr id="3" name="文本占位符 2"/>
+          <p:cNvSpPr>
+            <a:spLocks noGrp="1"/>
+          </p:cNvSpPr>
+          <p:nvPr>
+            <p:ph type="body" idx="3"/>
+          </p:nvPr>
+        </p:nvSpPr>
+        <p:spPr/>
+        <p:txBody>
+          <a:bodyPr/>
+          <a:lstStyle/>
+          <a:p>
+            <a:endParaRPr lang="zh-CN" altLang="en-US"/>
+          </a:p>
+        </p:txBody>
+      </p:sp>
+    </p:spTree>
+    <p:extLst>
+      <p:ext uri="{BB962C8B-B14F-4D97-AF65-F5344CB8AC3E}">
+        <p14:creationId xmlns:p14="http://schemas.microsoft.com/office/powerpoint/2010/main" val="3516842280"/>
+      </p:ext>
+    </p:extLst>
+  </p:cSld>
+  <p:clrMapOvr>
+    <a:masterClrMapping/>
+  </p:clrMapOvr>
+</p:notes>
+</file>
+
+<file path=ppt/notesSlides/notesSlide15.xml><?xml version="1.0" encoding="utf-8"?>
+<p:notes xmlns:a="http://schemas.openxmlformats.org/drawingml/2006/main" xmlns:r="http://schemas.openxmlformats.org/officeDocument/2006/relationships" xmlns:p="http://schemas.openxmlformats.org/presentationml/2006/main">
+  <p:cSld>
+    <p:spTree>
+      <p:nvGrpSpPr>
+        <p:cNvPr id="1" name=""/>
+        <p:cNvGrpSpPr/>
+        <p:nvPr/>
+      </p:nvGrpSpPr>
+      <p:grpSpPr>
+        <a:xfrm>
+          <a:off x="0" y="0"/>
+          <a:ext cx="0" cy="0"/>
+          <a:chOff x="0" y="0"/>
+          <a:chExt cx="0" cy="0"/>
+        </a:xfrm>
+      </p:grpSpPr>
+      <p:sp>
+        <p:nvSpPr>
+          <p:cNvPr id="2" name="幻灯片图像占位符 1"/>
+          <p:cNvSpPr>
+            <a:spLocks noGrp="1" noRot="1" noChangeAspect="1"/>
+          </p:cNvSpPr>
+          <p:nvPr>
+            <p:ph type="sldImg" idx="2"/>
+          </p:nvPr>
+        </p:nvSpPr>
+        <p:spPr/>
+      </p:sp>
+      <p:sp>
+        <p:nvSpPr>
+          <p:cNvPr id="3" name="文本占位符 2"/>
+          <p:cNvSpPr>
+            <a:spLocks noGrp="1"/>
+          </p:cNvSpPr>
+          <p:nvPr>
+            <p:ph type="body" idx="3"/>
+          </p:nvPr>
+        </p:nvSpPr>
+        <p:spPr/>
+        <p:txBody>
+          <a:bodyPr/>
+          <a:lstStyle/>
+          <a:p>
+            <a:endParaRPr lang="zh-CN" altLang="en-US" dirty="0"/>
+          </a:p>
+        </p:txBody>
+      </p:sp>
+    </p:spTree>
+    <p:extLst>
+      <p:ext uri="{BB962C8B-B14F-4D97-AF65-F5344CB8AC3E}">
+        <p14:creationId xmlns:p14="http://schemas.microsoft.com/office/powerpoint/2010/main" val="2830383481"/>
+      </p:ext>
+    </p:extLst>
+  </p:cSld>
+  <p:clrMapOvr>
+    <a:masterClrMapping/>
+  </p:clrMapOvr>
+</p:notes>
+</file>
+
+<file path=ppt/notesSlides/notesSlide16.xml><?xml version="1.0" encoding="utf-8"?>
+<p:notes xmlns:a="http://schemas.openxmlformats.org/drawingml/2006/main" xmlns:r="http://schemas.openxmlformats.org/officeDocument/2006/relationships" xmlns:p="http://schemas.openxmlformats.org/presentationml/2006/main">
+  <p:cSld>
+    <p:spTree>
+      <p:nvGrpSpPr>
+        <p:cNvPr id="1" name=""/>
+        <p:cNvGrpSpPr/>
+        <p:nvPr/>
+      </p:nvGrpSpPr>
+      <p:grpSpPr>
+        <a:xfrm>
+          <a:off x="0" y="0"/>
+          <a:ext cx="0" cy="0"/>
+          <a:chOff x="0" y="0"/>
+          <a:chExt cx="0" cy="0"/>
+        </a:xfrm>
+      </p:grpSpPr>
+      <p:sp>
+        <p:nvSpPr>
+          <p:cNvPr id="2" name="幻灯片图像占位符 1"/>
+          <p:cNvSpPr>
+            <a:spLocks noGrp="1" noRot="1" noChangeAspect="1"/>
+          </p:cNvSpPr>
+          <p:nvPr>
+            <p:ph type="sldImg" idx="2"/>
+          </p:nvPr>
+        </p:nvSpPr>
+        <p:spPr/>
+      </p:sp>
+      <p:sp>
+        <p:nvSpPr>
+          <p:cNvPr id="3" name="文本占位符 2"/>
+          <p:cNvSpPr>
+            <a:spLocks noGrp="1"/>
+          </p:cNvSpPr>
+          <p:nvPr>
+            <p:ph type="body" idx="3"/>
+          </p:nvPr>
+        </p:nvSpPr>
+        <p:spPr/>
+        <p:txBody>
+          <a:bodyPr/>
+          <a:lstStyle/>
+          <a:p>
+            <a:endParaRPr lang="zh-CN" altLang="en-US" dirty="0"/>
+          </a:p>
+        </p:txBody>
+      </p:sp>
+    </p:spTree>
+    <p:extLst>
+      <p:ext uri="{BB962C8B-B14F-4D97-AF65-F5344CB8AC3E}">
         <p14:creationId xmlns:p14="http://schemas.microsoft.com/office/powerpoint/2010/main" val="366918747"/>
       </p:ext>
     </p:extLst>
@@ -726,7 +974,7 @@
 </p:notes>
 </file>
 
-<file path=ppt/notesSlides/notesSlide13.xml><?xml version="1.0" encoding="utf-8"?>
+<file path=ppt/notesSlides/notesSlide17.xml><?xml version="1.0" encoding="utf-8"?>
 <p:notes xmlns:a="http://schemas.openxmlformats.org/drawingml/2006/main" xmlns:r="http://schemas.openxmlformats.org/officeDocument/2006/relationships" xmlns:p="http://schemas.openxmlformats.org/presentationml/2006/main">
   <p:cSld>
     <p:spTree>
@@ -955,7 +1203,7 @@
     </p:spTree>
     <p:extLst>
       <p:ext uri="{BB962C8B-B14F-4D97-AF65-F5344CB8AC3E}">
-        <p14:creationId xmlns:p14="http://schemas.microsoft.com/office/powerpoint/2010/main" val="4164801418"/>
+        <p14:creationId xmlns:p14="http://schemas.microsoft.com/office/powerpoint/2010/main" val="378751114"/>
       </p:ext>
     </p:extLst>
   </p:cSld>
@@ -1016,7 +1264,7 @@
     </p:spTree>
     <p:extLst>
       <p:ext uri="{BB962C8B-B14F-4D97-AF65-F5344CB8AC3E}">
-        <p14:creationId xmlns:p14="http://schemas.microsoft.com/office/powerpoint/2010/main" val="378751114"/>
+        <p14:creationId xmlns:p14="http://schemas.microsoft.com/office/powerpoint/2010/main" val="2546567837"/>
       </p:ext>
     </p:extLst>
   </p:cSld>
@@ -1077,7 +1325,7 @@
     </p:spTree>
     <p:extLst>
       <p:ext uri="{BB962C8B-B14F-4D97-AF65-F5344CB8AC3E}">
-        <p14:creationId xmlns:p14="http://schemas.microsoft.com/office/powerpoint/2010/main" val="2546567837"/>
+        <p14:creationId xmlns:p14="http://schemas.microsoft.com/office/powerpoint/2010/main" val="4164801418"/>
       </p:ext>
     </p:extLst>
   </p:cSld>
@@ -1131,14 +1379,14 @@
           <a:bodyPr/>
           <a:lstStyle/>
           <a:p>
-            <a:endParaRPr lang="zh-CN" altLang="en-US" dirty="0"/>
+            <a:endParaRPr lang="zh-CN" altLang="en-US"/>
           </a:p>
         </p:txBody>
       </p:sp>
     </p:spTree>
     <p:extLst>
       <p:ext uri="{BB962C8B-B14F-4D97-AF65-F5344CB8AC3E}">
-        <p14:creationId xmlns:p14="http://schemas.microsoft.com/office/powerpoint/2010/main" val="1030536915"/>
+        <p14:creationId xmlns:p14="http://schemas.microsoft.com/office/powerpoint/2010/main" val="663197536"/>
       </p:ext>
     </p:extLst>
   </p:cSld>
@@ -1192,14 +1440,14 @@
           <a:bodyPr/>
           <a:lstStyle/>
           <a:p>
-            <a:endParaRPr lang="zh-CN" altLang="en-US" dirty="0"/>
+            <a:endParaRPr lang="zh-CN" altLang="en-US"/>
           </a:p>
         </p:txBody>
       </p:sp>
     </p:spTree>
     <p:extLst>
       <p:ext uri="{BB962C8B-B14F-4D97-AF65-F5344CB8AC3E}">
-        <p14:creationId xmlns:p14="http://schemas.microsoft.com/office/powerpoint/2010/main" val="3474010842"/>
+        <p14:creationId xmlns:p14="http://schemas.microsoft.com/office/powerpoint/2010/main" val="2281976861"/>
       </p:ext>
     </p:extLst>
   </p:cSld>
@@ -1260,7 +1508,7 @@
     </p:spTree>
     <p:extLst>
       <p:ext uri="{BB962C8B-B14F-4D97-AF65-F5344CB8AC3E}">
-        <p14:creationId xmlns:p14="http://schemas.microsoft.com/office/powerpoint/2010/main" val="400913549"/>
+        <p14:creationId xmlns:p14="http://schemas.microsoft.com/office/powerpoint/2010/main" val="1030536915"/>
       </p:ext>
     </p:extLst>
   </p:cSld>
@@ -3835,7 +4083,7 @@
             </a:r>
             <a:r>
               <a:rPr lang="en-US" altLang="zh-CN" sz="1400" dirty="0"/>
-              <a:t>7</a:t>
+              <a:t>8</a:t>
             </a:r>
             <a:r>
               <a:rPr lang="zh-CN" altLang="en-US" sz="1400" dirty="0"/>
@@ -3843,7 +4091,7 @@
             </a:r>
             <a:r>
               <a:rPr lang="en-US" altLang="zh-CN" sz="1400" dirty="0"/>
-              <a:t>12</a:t>
+              <a:t>21</a:t>
             </a:r>
             <a:r>
               <a:rPr lang="zh-CN" altLang="en-US" sz="1400" dirty="0"/>
@@ -3917,10 +4165,10 @@
       </p:sp>
       <p:sp>
         <p:nvSpPr>
-          <p:cNvPr id="12" name="文本框 11">
+          <p:cNvPr id="2" name="文本框 1">
             <a:extLst>
               <a:ext uri="{FF2B5EF4-FFF2-40B4-BE49-F238E27FC236}">
-                <a16:creationId xmlns:a16="http://schemas.microsoft.com/office/drawing/2014/main" id="{46C0A91C-422F-4045-9155-5F96ADE7BC03}"/>
+                <a16:creationId xmlns:a16="http://schemas.microsoft.com/office/drawing/2014/main" id="{060BAA82-8D83-74B0-3317-45D6DE6DE65A}"/>
               </a:ext>
             </a:extLst>
           </p:cNvPr>
@@ -3929,8 +4177,8 @@
         </p:nvSpPr>
         <p:spPr>
           <a:xfrm>
-            <a:off x="1568" y="810455"/>
-            <a:ext cx="8407846" cy="276999"/>
+            <a:off x="179512" y="835660"/>
+            <a:ext cx="7788304" cy="276999"/>
           </a:xfrm>
           <a:prstGeom prst="rect">
             <a:avLst/>
@@ -3945,7 +4193,7 @@
           <a:p>
             <a:r>
               <a:rPr lang="zh-CN" altLang="en-US" sz="1200" b="1" dirty="0"/>
-              <a:t>利用仿真工具实现输入输出匹配：</a:t>
+              <a:t>测量差分输入与差分输出端口的阻抗：</a:t>
             </a:r>
             <a:endParaRPr lang="en-US" altLang="zh-CN" sz="1200" b="1" dirty="0"/>
           </a:p>
@@ -3953,10 +4201,10 @@
       </p:sp>
       <p:pic>
         <p:nvPicPr>
-          <p:cNvPr id="5" name="图片 4">
+          <p:cNvPr id="3" name="图片 2">
             <a:extLst>
               <a:ext uri="{FF2B5EF4-FFF2-40B4-BE49-F238E27FC236}">
-                <a16:creationId xmlns:a16="http://schemas.microsoft.com/office/drawing/2014/main" id="{83512907-80E7-45B6-9A18-F3575B0ED7E0}"/>
+                <a16:creationId xmlns:a16="http://schemas.microsoft.com/office/drawing/2014/main" id="{61EB74C5-7113-DF1E-EBBE-BDD2416386A3}"/>
               </a:ext>
             </a:extLst>
           </p:cNvPr>
@@ -3973,8 +4221,8 @@
         </p:blipFill>
         <p:spPr>
           <a:xfrm>
-            <a:off x="5678919" y="254480"/>
-            <a:ext cx="3376768" cy="1699948"/>
+            <a:off x="323528" y="1376743"/>
+            <a:ext cx="3594780" cy="2448272"/>
           </a:xfrm>
           <a:prstGeom prst="rect">
             <a:avLst/>
@@ -3983,10 +4231,10 @@
       </p:pic>
       <p:pic>
         <p:nvPicPr>
-          <p:cNvPr id="9" name="图片 8">
+          <p:cNvPr id="4" name="图片 3">
             <a:extLst>
               <a:ext uri="{FF2B5EF4-FFF2-40B4-BE49-F238E27FC236}">
-                <a16:creationId xmlns:a16="http://schemas.microsoft.com/office/drawing/2014/main" id="{F7536940-9250-4A29-B560-465A61F252D8}"/>
+                <a16:creationId xmlns:a16="http://schemas.microsoft.com/office/drawing/2014/main" id="{7744E993-971A-608B-B38E-F29F3FCEF86F}"/>
               </a:ext>
             </a:extLst>
           </p:cNvPr>
@@ -4003,240 +4251,18 @@
         </p:blipFill>
         <p:spPr>
           <a:xfrm>
-            <a:off x="0" y="1635646"/>
-            <a:ext cx="5537827" cy="2525343"/>
+            <a:off x="4671367" y="1401187"/>
+            <a:ext cx="3801005" cy="2210108"/>
           </a:xfrm>
           <a:prstGeom prst="rect">
             <a:avLst/>
           </a:prstGeom>
         </p:spPr>
       </p:pic>
-      <p:pic>
-        <p:nvPicPr>
-          <p:cNvPr id="7" name="图片 6">
-            <a:extLst>
-              <a:ext uri="{FF2B5EF4-FFF2-40B4-BE49-F238E27FC236}">
-                <a16:creationId xmlns:a16="http://schemas.microsoft.com/office/drawing/2014/main" id="{91D9DA79-D631-46FB-B701-3CC693911EC1}"/>
-              </a:ext>
-            </a:extLst>
-          </p:cNvPr>
-          <p:cNvPicPr>
-            <a:picLocks noChangeAspect="1"/>
-          </p:cNvPicPr>
-          <p:nvPr/>
-        </p:nvPicPr>
-        <p:blipFill>
-          <a:blip r:embed="rId6"/>
-          <a:stretch>
-            <a:fillRect/>
-          </a:stretch>
-        </p:blipFill>
-        <p:spPr>
-          <a:xfrm>
-            <a:off x="5738651" y="2801896"/>
-            <a:ext cx="3281380" cy="1699948"/>
-          </a:xfrm>
-          <a:prstGeom prst="rect">
-            <a:avLst/>
-          </a:prstGeom>
-        </p:spPr>
-      </p:pic>
-      <p:sp>
-        <p:nvSpPr>
-          <p:cNvPr id="8" name="椭圆 7">
-            <a:extLst>
-              <a:ext uri="{FF2B5EF4-FFF2-40B4-BE49-F238E27FC236}">
-                <a16:creationId xmlns:a16="http://schemas.microsoft.com/office/drawing/2014/main" id="{AF16A8AE-BCE4-4C9B-97F0-43F5772EEFC2}"/>
-              </a:ext>
-            </a:extLst>
-          </p:cNvPr>
-          <p:cNvSpPr/>
-          <p:nvPr/>
-        </p:nvSpPr>
-        <p:spPr>
-          <a:xfrm>
-            <a:off x="179512" y="3147814"/>
-            <a:ext cx="144016" cy="144016"/>
-          </a:xfrm>
-          <a:prstGeom prst="ellipse">
-            <a:avLst/>
-          </a:prstGeom>
-          <a:noFill/>
-          <a:ln>
-            <a:solidFill>
-              <a:srgbClr val="FF0000"/>
-            </a:solidFill>
-          </a:ln>
-        </p:spPr>
-        <p:style>
-          <a:lnRef idx="2">
-            <a:schemeClr val="accent1">
-              <a:shade val="50000"/>
-            </a:schemeClr>
-          </a:lnRef>
-          <a:fillRef idx="1">
-            <a:schemeClr val="accent1"/>
-          </a:fillRef>
-          <a:effectRef idx="0">
-            <a:schemeClr val="accent1"/>
-          </a:effectRef>
-          <a:fontRef idx="minor">
-            <a:schemeClr val="lt1"/>
-          </a:fontRef>
-        </p:style>
-        <p:txBody>
-          <a:bodyPr rtlCol="0" anchor="ctr"/>
-          <a:lstStyle/>
-          <a:p>
-            <a:pPr algn="ctr"/>
-            <a:endParaRPr lang="zh-CN" altLang="en-US"/>
-          </a:p>
-        </p:txBody>
-      </p:sp>
-      <p:cxnSp>
-        <p:nvCxnSpPr>
-          <p:cNvPr id="11" name="直接箭头连接符 10">
-            <a:extLst>
-              <a:ext uri="{FF2B5EF4-FFF2-40B4-BE49-F238E27FC236}">
-                <a16:creationId xmlns:a16="http://schemas.microsoft.com/office/drawing/2014/main" id="{B63E09D8-4207-4C3D-8494-E4BE5B6035F0}"/>
-              </a:ext>
-            </a:extLst>
-          </p:cNvPr>
-          <p:cNvCxnSpPr>
-            <a:stCxn id="8" idx="6"/>
-          </p:cNvCxnSpPr>
-          <p:nvPr/>
-        </p:nvCxnSpPr>
-        <p:spPr>
-          <a:xfrm>
-            <a:off x="323528" y="3219822"/>
-            <a:ext cx="5393811" cy="1080120"/>
-          </a:xfrm>
-          <a:prstGeom prst="straightConnector1">
-            <a:avLst/>
-          </a:prstGeom>
-          <a:ln w="19050">
-            <a:solidFill>
-              <a:srgbClr val="FF0000"/>
-            </a:solidFill>
-            <a:tailEnd type="triangle"/>
-          </a:ln>
-        </p:spPr>
-        <p:style>
-          <a:lnRef idx="1">
-            <a:schemeClr val="accent1"/>
-          </a:lnRef>
-          <a:fillRef idx="0">
-            <a:schemeClr val="accent1"/>
-          </a:fillRef>
-          <a:effectRef idx="0">
-            <a:schemeClr val="accent1"/>
-          </a:effectRef>
-          <a:fontRef idx="minor">
-            <a:schemeClr val="tx1"/>
-          </a:fontRef>
-        </p:style>
-      </p:cxnSp>
-      <p:sp>
-        <p:nvSpPr>
-          <p:cNvPr id="14" name="椭圆 13">
-            <a:extLst>
-              <a:ext uri="{FF2B5EF4-FFF2-40B4-BE49-F238E27FC236}">
-                <a16:creationId xmlns:a16="http://schemas.microsoft.com/office/drawing/2014/main" id="{F3650D14-F808-41EB-8F29-2D983CC040E1}"/>
-              </a:ext>
-            </a:extLst>
-          </p:cNvPr>
-          <p:cNvSpPr/>
-          <p:nvPr/>
-        </p:nvSpPr>
-        <p:spPr>
-          <a:xfrm>
-            <a:off x="5148064" y="2116367"/>
-            <a:ext cx="144016" cy="144016"/>
-          </a:xfrm>
-          <a:prstGeom prst="ellipse">
-            <a:avLst/>
-          </a:prstGeom>
-          <a:noFill/>
-          <a:ln>
-            <a:solidFill>
-              <a:srgbClr val="FF0000"/>
-            </a:solidFill>
-          </a:ln>
-        </p:spPr>
-        <p:style>
-          <a:lnRef idx="2">
-            <a:schemeClr val="accent1">
-              <a:shade val="50000"/>
-            </a:schemeClr>
-          </a:lnRef>
-          <a:fillRef idx="1">
-            <a:schemeClr val="accent1"/>
-          </a:fillRef>
-          <a:effectRef idx="0">
-            <a:schemeClr val="accent1"/>
-          </a:effectRef>
-          <a:fontRef idx="minor">
-            <a:schemeClr val="lt1"/>
-          </a:fontRef>
-        </p:style>
-        <p:txBody>
-          <a:bodyPr rtlCol="0" anchor="ctr"/>
-          <a:lstStyle/>
-          <a:p>
-            <a:pPr algn="ctr"/>
-            <a:endParaRPr lang="zh-CN" altLang="en-US"/>
-          </a:p>
-        </p:txBody>
-      </p:sp>
-      <p:cxnSp>
-        <p:nvCxnSpPr>
-          <p:cNvPr id="15" name="直接箭头连接符 14">
-            <a:extLst>
-              <a:ext uri="{FF2B5EF4-FFF2-40B4-BE49-F238E27FC236}">
-                <a16:creationId xmlns:a16="http://schemas.microsoft.com/office/drawing/2014/main" id="{842641B9-856C-4D7A-9F01-0B55511FC0A3}"/>
-              </a:ext>
-            </a:extLst>
-          </p:cNvPr>
-          <p:cNvCxnSpPr>
-            <a:cxnSpLocks/>
-          </p:cNvCxnSpPr>
-          <p:nvPr/>
-        </p:nvCxnSpPr>
-        <p:spPr>
-          <a:xfrm flipV="1">
-            <a:off x="5255415" y="1643429"/>
-            <a:ext cx="423504" cy="483241"/>
-          </a:xfrm>
-          <a:prstGeom prst="straightConnector1">
-            <a:avLst/>
-          </a:prstGeom>
-          <a:ln w="19050">
-            <a:solidFill>
-              <a:srgbClr val="FF0000"/>
-            </a:solidFill>
-            <a:tailEnd type="triangle"/>
-          </a:ln>
-        </p:spPr>
-        <p:style>
-          <a:lnRef idx="1">
-            <a:schemeClr val="accent1"/>
-          </a:lnRef>
-          <a:fillRef idx="0">
-            <a:schemeClr val="accent1"/>
-          </a:fillRef>
-          <a:effectRef idx="0">
-            <a:schemeClr val="accent1"/>
-          </a:effectRef>
-          <a:fontRef idx="minor">
-            <a:schemeClr val="tx1"/>
-          </a:fontRef>
-        </p:style>
-      </p:cxnSp>
     </p:spTree>
     <p:extLst>
       <p:ext uri="{BB962C8B-B14F-4D97-AF65-F5344CB8AC3E}">
-        <p14:creationId xmlns:p14="http://schemas.microsoft.com/office/powerpoint/2010/main" val="2912828404"/>
+        <p14:creationId xmlns:p14="http://schemas.microsoft.com/office/powerpoint/2010/main" val="4058568381"/>
       </p:ext>
     </p:extLst>
   </p:cSld>
@@ -4315,8 +4341,8 @@
         </p:nvSpPr>
         <p:spPr>
           <a:xfrm>
-            <a:off x="1568" y="810455"/>
-            <a:ext cx="8407846" cy="276999"/>
+            <a:off x="35496" y="697160"/>
+            <a:ext cx="5940152" cy="276999"/>
           </a:xfrm>
           <a:prstGeom prst="rect">
             <a:avLst/>
@@ -4331,62 +4357,18 @@
           <a:p>
             <a:r>
               <a:rPr lang="zh-CN" altLang="en-US" sz="1200" b="1" dirty="0"/>
-              <a:t>利用仿真工具实现输入输出匹配：</a:t>
+              <a:t>利用变压器实现阻抗匹配：</a:t>
             </a:r>
             <a:endParaRPr lang="en-US" altLang="zh-CN" sz="1200" b="1" dirty="0"/>
           </a:p>
         </p:txBody>
       </p:sp>
-      <p:sp>
-        <p:nvSpPr>
-          <p:cNvPr id="13" name="文本框 12">
+      <p:pic>
+        <p:nvPicPr>
+          <p:cNvPr id="5" name="图片 4">
             <a:extLst>
               <a:ext uri="{FF2B5EF4-FFF2-40B4-BE49-F238E27FC236}">
-                <a16:creationId xmlns:a16="http://schemas.microsoft.com/office/drawing/2014/main" id="{2CA9CDA1-3120-401A-ACA4-A49409DEB073}"/>
-              </a:ext>
-            </a:extLst>
-          </p:cNvPr>
-          <p:cNvSpPr txBox="1"/>
-          <p:nvPr/>
-        </p:nvSpPr>
-        <p:spPr>
-          <a:xfrm>
-            <a:off x="2590021" y="937849"/>
-            <a:ext cx="936104" cy="276999"/>
-          </a:xfrm>
-          <a:prstGeom prst="rect">
-            <a:avLst/>
-          </a:prstGeom>
-          <a:noFill/>
-        </p:spPr>
-        <p:txBody>
-          <a:bodyPr wrap="square" rtlCol="0">
-            <a:spAutoFit/>
-          </a:bodyPr>
-          <a:lstStyle/>
-          <a:p>
-            <a:r>
-              <a:rPr lang="zh-CN" altLang="en-US" sz="1200" b="1" dirty="0">
-                <a:solidFill>
-                  <a:srgbClr val="FF0000"/>
-                </a:solidFill>
-              </a:rPr>
-              <a:t>输入阻抗</a:t>
-            </a:r>
-            <a:endParaRPr lang="en-US" altLang="zh-CN" sz="1200" b="1" dirty="0">
-              <a:solidFill>
-                <a:srgbClr val="FF0000"/>
-              </a:solidFill>
-            </a:endParaRPr>
-          </a:p>
-        </p:txBody>
-      </p:sp>
-      <p:pic>
-        <p:nvPicPr>
-          <p:cNvPr id="3" name="图片 2">
-            <a:extLst>
-              <a:ext uri="{FF2B5EF4-FFF2-40B4-BE49-F238E27FC236}">
-                <a16:creationId xmlns:a16="http://schemas.microsoft.com/office/drawing/2014/main" id="{2619CF92-2E49-48D3-8BAF-A11121246A39}"/>
+                <a16:creationId xmlns:a16="http://schemas.microsoft.com/office/drawing/2014/main" id="{8AECF295-4701-A424-7B2C-A4DA67D684AB}"/>
               </a:ext>
             </a:extLst>
           </p:cNvPr>
@@ -4403,140 +4385,8 @@
         </p:blipFill>
         <p:spPr>
           <a:xfrm>
-            <a:off x="6551471" y="1233276"/>
-            <a:ext cx="2584188" cy="3053486"/>
-          </a:xfrm>
-          <a:prstGeom prst="rect">
-            <a:avLst/>
-          </a:prstGeom>
-        </p:spPr>
-      </p:pic>
-      <p:sp>
-        <p:nvSpPr>
-          <p:cNvPr id="16" name="文本框 15">
-            <a:extLst>
-              <a:ext uri="{FF2B5EF4-FFF2-40B4-BE49-F238E27FC236}">
-                <a16:creationId xmlns:a16="http://schemas.microsoft.com/office/drawing/2014/main" id="{428BEA41-058A-4FEC-B9FB-85612B5029A4}"/>
-              </a:ext>
-            </a:extLst>
-          </p:cNvPr>
-          <p:cNvSpPr txBox="1"/>
-          <p:nvPr/>
-        </p:nvSpPr>
-        <p:spPr>
-          <a:xfrm>
-            <a:off x="7567806" y="1048780"/>
-            <a:ext cx="936104" cy="276999"/>
-          </a:xfrm>
-          <a:prstGeom prst="rect">
-            <a:avLst/>
-          </a:prstGeom>
-          <a:noFill/>
-        </p:spPr>
-        <p:txBody>
-          <a:bodyPr wrap="square" rtlCol="0">
-            <a:spAutoFit/>
-          </a:bodyPr>
-          <a:lstStyle/>
-          <a:p>
-            <a:r>
-              <a:rPr lang="zh-CN" altLang="en-US" sz="1200" b="1" dirty="0">
-                <a:solidFill>
-                  <a:srgbClr val="FF0000"/>
-                </a:solidFill>
-              </a:rPr>
-              <a:t>输出阻抗</a:t>
-            </a:r>
-            <a:endParaRPr lang="en-US" altLang="zh-CN" sz="1200" b="1" dirty="0">
-              <a:solidFill>
-                <a:srgbClr val="FF0000"/>
-              </a:solidFill>
-            </a:endParaRPr>
-          </a:p>
-        </p:txBody>
-      </p:sp>
-      <p:pic>
-        <p:nvPicPr>
-          <p:cNvPr id="4" name="图片 3">
-            <a:extLst>
-              <a:ext uri="{FF2B5EF4-FFF2-40B4-BE49-F238E27FC236}">
-                <a16:creationId xmlns:a16="http://schemas.microsoft.com/office/drawing/2014/main" id="{BE9C363E-4297-4ED4-AB53-92A3B75D3E65}"/>
-              </a:ext>
-            </a:extLst>
-          </p:cNvPr>
-          <p:cNvPicPr>
-            <a:picLocks noChangeAspect="1"/>
-          </p:cNvPicPr>
-          <p:nvPr/>
-        </p:nvPicPr>
-        <p:blipFill>
-          <a:blip r:embed="rId5"/>
-          <a:stretch>
-            <a:fillRect/>
-          </a:stretch>
-        </p:blipFill>
-        <p:spPr>
-          <a:xfrm>
-            <a:off x="1765979" y="1233276"/>
-            <a:ext cx="2584189" cy="3099769"/>
-          </a:xfrm>
-          <a:prstGeom prst="rect">
-            <a:avLst/>
-          </a:prstGeom>
-        </p:spPr>
-      </p:pic>
-      <p:pic>
-        <p:nvPicPr>
-          <p:cNvPr id="17" name="图片 16">
-            <a:extLst>
-              <a:ext uri="{FF2B5EF4-FFF2-40B4-BE49-F238E27FC236}">
-                <a16:creationId xmlns:a16="http://schemas.microsoft.com/office/drawing/2014/main" id="{881420BC-2E83-46C7-BE1F-B6E29315B3F8}"/>
-              </a:ext>
-            </a:extLst>
-          </p:cNvPr>
-          <p:cNvPicPr>
-            <a:picLocks noChangeAspect="1"/>
-          </p:cNvPicPr>
-          <p:nvPr/>
-        </p:nvPicPr>
-        <p:blipFill rotWithShape="1">
-          <a:blip r:embed="rId6"/>
-          <a:srcRect r="52194"/>
-          <a:stretch/>
-        </p:blipFill>
-        <p:spPr>
-          <a:xfrm>
-            <a:off x="57406" y="1779662"/>
-            <a:ext cx="1568682" cy="1699948"/>
-          </a:xfrm>
-          <a:prstGeom prst="rect">
-            <a:avLst/>
-          </a:prstGeom>
-        </p:spPr>
-      </p:pic>
-      <p:pic>
-        <p:nvPicPr>
-          <p:cNvPr id="18" name="图片 17">
-            <a:extLst>
-              <a:ext uri="{FF2B5EF4-FFF2-40B4-BE49-F238E27FC236}">
-                <a16:creationId xmlns:a16="http://schemas.microsoft.com/office/drawing/2014/main" id="{AE53BB2A-20C0-4586-8778-D747344A267B}"/>
-              </a:ext>
-            </a:extLst>
-          </p:cNvPr>
-          <p:cNvPicPr>
-            <a:picLocks noChangeAspect="1"/>
-          </p:cNvPicPr>
-          <p:nvPr/>
-        </p:nvPicPr>
-        <p:blipFill rotWithShape="1">
-          <a:blip r:embed="rId7"/>
-          <a:srcRect l="55938"/>
-          <a:stretch/>
-        </p:blipFill>
-        <p:spPr>
-          <a:xfrm>
-            <a:off x="4932040" y="2099875"/>
-            <a:ext cx="1487881" cy="1699948"/>
+            <a:off x="838825" y="955428"/>
+            <a:ext cx="7665085" cy="4156628"/>
           </a:xfrm>
           <a:prstGeom prst="rect">
             <a:avLst/>
@@ -4546,7 +4396,7 @@
     </p:spTree>
     <p:extLst>
       <p:ext uri="{BB962C8B-B14F-4D97-AF65-F5344CB8AC3E}">
-        <p14:creationId xmlns:p14="http://schemas.microsoft.com/office/powerpoint/2010/main" val="1695036963"/>
+        <p14:creationId xmlns:p14="http://schemas.microsoft.com/office/powerpoint/2010/main" val="1514289381"/>
       </p:ext>
     </p:extLst>
   </p:cSld>
@@ -4625,8 +4475,8 @@
         </p:nvSpPr>
         <p:spPr>
           <a:xfrm>
-            <a:off x="1568" y="810455"/>
-            <a:ext cx="8407846" cy="276999"/>
+            <a:off x="1054930" y="986247"/>
+            <a:ext cx="2664296" cy="276999"/>
           </a:xfrm>
           <a:prstGeom prst="rect">
             <a:avLst/>
@@ -4641,53 +4491,17 @@
           <a:p>
             <a:r>
               <a:rPr lang="zh-CN" altLang="en-US" sz="1200" b="1" dirty="0"/>
-              <a:t>利用仿真工具实现输入输出匹配：</a:t>
+              <a:t>在</a:t>
+            </a:r>
+            <a:r>
+              <a:rPr lang="en-US" altLang="zh-CN" sz="1200" b="1" dirty="0"/>
+              <a:t>19GHz</a:t>
+            </a:r>
+            <a:r>
+              <a:rPr lang="zh-CN" altLang="en-US" sz="1200" b="1" dirty="0"/>
+              <a:t>频点处，变压器巴伦性能</a:t>
             </a:r>
             <a:endParaRPr lang="en-US" altLang="zh-CN" sz="1200" b="1" dirty="0"/>
-          </a:p>
-        </p:txBody>
-      </p:sp>
-      <p:sp>
-        <p:nvSpPr>
-          <p:cNvPr id="13" name="文本框 12">
-            <a:extLst>
-              <a:ext uri="{FF2B5EF4-FFF2-40B4-BE49-F238E27FC236}">
-                <a16:creationId xmlns:a16="http://schemas.microsoft.com/office/drawing/2014/main" id="{2CA9CDA1-3120-401A-ACA4-A49409DEB073}"/>
-              </a:ext>
-            </a:extLst>
-          </p:cNvPr>
-          <p:cNvSpPr txBox="1"/>
-          <p:nvPr/>
-        </p:nvSpPr>
-        <p:spPr>
-          <a:xfrm>
-            <a:off x="2267744" y="810455"/>
-            <a:ext cx="936104" cy="276999"/>
-          </a:xfrm>
-          <a:prstGeom prst="rect">
-            <a:avLst/>
-          </a:prstGeom>
-          <a:noFill/>
-        </p:spPr>
-        <p:txBody>
-          <a:bodyPr wrap="square" rtlCol="0">
-            <a:spAutoFit/>
-          </a:bodyPr>
-          <a:lstStyle/>
-          <a:p>
-            <a:r>
-              <a:rPr lang="zh-CN" altLang="en-US" sz="1200" b="1" dirty="0">
-                <a:solidFill>
-                  <a:srgbClr val="FF0000"/>
-                </a:solidFill>
-              </a:rPr>
-              <a:t>输入匹配</a:t>
-            </a:r>
-            <a:endParaRPr lang="en-US" altLang="zh-CN" sz="1200" b="1" dirty="0">
-              <a:solidFill>
-                <a:srgbClr val="FF0000"/>
-              </a:solidFill>
-            </a:endParaRPr>
           </a:p>
         </p:txBody>
       </p:sp>
@@ -4696,7 +4510,7 @@
           <p:cNvPr id="2" name="图片 1">
             <a:extLst>
               <a:ext uri="{FF2B5EF4-FFF2-40B4-BE49-F238E27FC236}">
-                <a16:creationId xmlns:a16="http://schemas.microsoft.com/office/drawing/2014/main" id="{9B67F057-AF9E-485C-985C-9AA72D565AF5}"/>
+                <a16:creationId xmlns:a16="http://schemas.microsoft.com/office/drawing/2014/main" id="{202B35F9-611E-54E3-F137-48E25C7FE159}"/>
               </a:ext>
             </a:extLst>
           </p:cNvPr>
@@ -4713,8 +4527,8 @@
         </p:blipFill>
         <p:spPr>
           <a:xfrm>
-            <a:off x="118532" y="1171076"/>
-            <a:ext cx="3290311" cy="1152128"/>
+            <a:off x="-35614" y="1263246"/>
+            <a:ext cx="2351582" cy="1584176"/>
           </a:xfrm>
           <a:prstGeom prst="rect">
             <a:avLst/>
@@ -4723,10 +4537,10 @@
       </p:pic>
       <p:pic>
         <p:nvPicPr>
-          <p:cNvPr id="7" name="图片 6">
+          <p:cNvPr id="3" name="图片 2">
             <a:extLst>
               <a:ext uri="{FF2B5EF4-FFF2-40B4-BE49-F238E27FC236}">
-                <a16:creationId xmlns:a16="http://schemas.microsoft.com/office/drawing/2014/main" id="{E53F42B6-E573-4795-A793-DA83B95CC615}"/>
+                <a16:creationId xmlns:a16="http://schemas.microsoft.com/office/drawing/2014/main" id="{716F844B-3721-EE13-1A9F-425E92B4D40A}"/>
               </a:ext>
             </a:extLst>
           </p:cNvPr>
@@ -4743,8 +4557,8 @@
         </p:blipFill>
         <p:spPr>
           <a:xfrm>
-            <a:off x="277973" y="2427734"/>
-            <a:ext cx="2971428" cy="2490476"/>
+            <a:off x="2220419" y="1281337"/>
+            <a:ext cx="2351581" cy="1526543"/>
           </a:xfrm>
           <a:prstGeom prst="rect">
             <a:avLst/>
@@ -4753,10 +4567,10 @@
       </p:pic>
       <p:pic>
         <p:nvPicPr>
-          <p:cNvPr id="14" name="图片 13">
+          <p:cNvPr id="4" name="图片 3">
             <a:extLst>
               <a:ext uri="{FF2B5EF4-FFF2-40B4-BE49-F238E27FC236}">
-                <a16:creationId xmlns:a16="http://schemas.microsoft.com/office/drawing/2014/main" id="{B192742B-B93D-4EE9-9A73-A57D0DEA6121}"/>
+                <a16:creationId xmlns:a16="http://schemas.microsoft.com/office/drawing/2014/main" id="{C356F60B-0756-C30E-9597-30D3715CB981}"/>
               </a:ext>
             </a:extLst>
           </p:cNvPr>
@@ -4773,8 +4587,202 @@
         </p:blipFill>
         <p:spPr>
           <a:xfrm>
-            <a:off x="3851920" y="1638935"/>
-            <a:ext cx="4876142" cy="2497175"/>
+            <a:off x="-35614" y="2940141"/>
+            <a:ext cx="2406714" cy="1490497"/>
+          </a:xfrm>
+          <a:prstGeom prst="rect">
+            <a:avLst/>
+          </a:prstGeom>
+        </p:spPr>
+      </p:pic>
+      <p:pic>
+        <p:nvPicPr>
+          <p:cNvPr id="7" name="图片 6">
+            <a:extLst>
+              <a:ext uri="{FF2B5EF4-FFF2-40B4-BE49-F238E27FC236}">
+                <a16:creationId xmlns:a16="http://schemas.microsoft.com/office/drawing/2014/main" id="{6DC51389-0C0A-4C00-7894-793A5232E9C7}"/>
+              </a:ext>
+            </a:extLst>
+          </p:cNvPr>
+          <p:cNvPicPr>
+            <a:picLocks noChangeAspect="1"/>
+          </p:cNvPicPr>
+          <p:nvPr/>
+        </p:nvPicPr>
+        <p:blipFill>
+          <a:blip r:embed="rId7"/>
+          <a:stretch>
+            <a:fillRect/>
+          </a:stretch>
+        </p:blipFill>
+        <p:spPr>
+          <a:xfrm>
+            <a:off x="2265615" y="2922117"/>
+            <a:ext cx="2418916" cy="1526544"/>
+          </a:xfrm>
+          <a:prstGeom prst="rect">
+            <a:avLst/>
+          </a:prstGeom>
+        </p:spPr>
+      </p:pic>
+      <p:pic>
+        <p:nvPicPr>
+          <p:cNvPr id="8" name="图片 7">
+            <a:extLst>
+              <a:ext uri="{FF2B5EF4-FFF2-40B4-BE49-F238E27FC236}">
+                <a16:creationId xmlns:a16="http://schemas.microsoft.com/office/drawing/2014/main" id="{89874243-65B5-EDD8-3DAB-1D6521BD036B}"/>
+              </a:ext>
+            </a:extLst>
+          </p:cNvPr>
+          <p:cNvPicPr>
+            <a:picLocks noChangeAspect="1"/>
+          </p:cNvPicPr>
+          <p:nvPr/>
+        </p:nvPicPr>
+        <p:blipFill>
+          <a:blip r:embed="rId8"/>
+          <a:stretch>
+            <a:fillRect/>
+          </a:stretch>
+        </p:blipFill>
+        <p:spPr>
+          <a:xfrm>
+            <a:off x="4753032" y="1289395"/>
+            <a:ext cx="2221927" cy="1424187"/>
+          </a:xfrm>
+          <a:prstGeom prst="rect">
+            <a:avLst/>
+          </a:prstGeom>
+        </p:spPr>
+      </p:pic>
+      <p:sp>
+        <p:nvSpPr>
+          <p:cNvPr id="9" name="文本框 8">
+            <a:extLst>
+              <a:ext uri="{FF2B5EF4-FFF2-40B4-BE49-F238E27FC236}">
+                <a16:creationId xmlns:a16="http://schemas.microsoft.com/office/drawing/2014/main" id="{D839820E-868B-A9D4-EEBC-53F6E0B65EAC}"/>
+              </a:ext>
+            </a:extLst>
+          </p:cNvPr>
+          <p:cNvSpPr txBox="1"/>
+          <p:nvPr/>
+        </p:nvSpPr>
+        <p:spPr>
+          <a:xfrm>
+            <a:off x="5148064" y="984108"/>
+            <a:ext cx="2664296" cy="276999"/>
+          </a:xfrm>
+          <a:prstGeom prst="rect">
+            <a:avLst/>
+          </a:prstGeom>
+          <a:noFill/>
+        </p:spPr>
+        <p:txBody>
+          <a:bodyPr wrap="square" rtlCol="0">
+            <a:spAutoFit/>
+          </a:bodyPr>
+          <a:lstStyle/>
+          <a:p>
+            <a:r>
+              <a:rPr lang="zh-CN" altLang="en-US" sz="1200" b="1" dirty="0"/>
+              <a:t>在</a:t>
+            </a:r>
+            <a:r>
+              <a:rPr lang="en-US" altLang="zh-CN" sz="1200" b="1" dirty="0"/>
+              <a:t>10-31GHz</a:t>
+            </a:r>
+            <a:r>
+              <a:rPr lang="zh-CN" altLang="en-US" sz="1200" b="1" dirty="0"/>
+              <a:t>频段，变压器巴伦性能</a:t>
+            </a:r>
+            <a:endParaRPr lang="en-US" altLang="zh-CN" sz="1200" b="1" dirty="0"/>
+          </a:p>
+        </p:txBody>
+      </p:sp>
+      <p:pic>
+        <p:nvPicPr>
+          <p:cNvPr id="10" name="图片 9">
+            <a:extLst>
+              <a:ext uri="{FF2B5EF4-FFF2-40B4-BE49-F238E27FC236}">
+                <a16:creationId xmlns:a16="http://schemas.microsoft.com/office/drawing/2014/main" id="{7CFC5F21-7244-F218-231A-42D83BA7314F}"/>
+              </a:ext>
+            </a:extLst>
+          </p:cNvPr>
+          <p:cNvPicPr>
+            <a:picLocks noChangeAspect="1"/>
+          </p:cNvPicPr>
+          <p:nvPr/>
+        </p:nvPicPr>
+        <p:blipFill>
+          <a:blip r:embed="rId9"/>
+          <a:stretch>
+            <a:fillRect/>
+          </a:stretch>
+        </p:blipFill>
+        <p:spPr>
+          <a:xfrm>
+            <a:off x="7005338" y="1307028"/>
+            <a:ext cx="2138662" cy="1424187"/>
+          </a:xfrm>
+          <a:prstGeom prst="rect">
+            <a:avLst/>
+          </a:prstGeom>
+        </p:spPr>
+      </p:pic>
+      <p:pic>
+        <p:nvPicPr>
+          <p:cNvPr id="11" name="图片 10">
+            <a:extLst>
+              <a:ext uri="{FF2B5EF4-FFF2-40B4-BE49-F238E27FC236}">
+                <a16:creationId xmlns:a16="http://schemas.microsoft.com/office/drawing/2014/main" id="{A02BD0E3-0520-3CC6-CEA7-01155AC156BB}"/>
+              </a:ext>
+            </a:extLst>
+          </p:cNvPr>
+          <p:cNvPicPr>
+            <a:picLocks noChangeAspect="1"/>
+          </p:cNvPicPr>
+          <p:nvPr/>
+        </p:nvPicPr>
+        <p:blipFill>
+          <a:blip r:embed="rId10"/>
+          <a:stretch>
+            <a:fillRect/>
+          </a:stretch>
+        </p:blipFill>
+        <p:spPr>
+          <a:xfrm>
+            <a:off x="4723592" y="2847422"/>
+            <a:ext cx="2361046" cy="1539587"/>
+          </a:xfrm>
+          <a:prstGeom prst="rect">
+            <a:avLst/>
+          </a:prstGeom>
+        </p:spPr>
+      </p:pic>
+      <p:pic>
+        <p:nvPicPr>
+          <p:cNvPr id="13" name="图片 12">
+            <a:extLst>
+              <a:ext uri="{FF2B5EF4-FFF2-40B4-BE49-F238E27FC236}">
+                <a16:creationId xmlns:a16="http://schemas.microsoft.com/office/drawing/2014/main" id="{C41E432E-C5C9-9D48-4A3D-2321F9B5C5E1}"/>
+              </a:ext>
+            </a:extLst>
+          </p:cNvPr>
+          <p:cNvPicPr>
+            <a:picLocks noChangeAspect="1"/>
+          </p:cNvPicPr>
+          <p:nvPr/>
+        </p:nvPicPr>
+        <p:blipFill>
+          <a:blip r:embed="rId11"/>
+          <a:stretch>
+            <a:fillRect/>
+          </a:stretch>
+        </p:blipFill>
+        <p:spPr>
+          <a:xfrm>
+            <a:off x="6950439" y="2893343"/>
+            <a:ext cx="2248460" cy="1424187"/>
           </a:xfrm>
           <a:prstGeom prst="rect">
             <a:avLst/>
@@ -4784,7 +4792,7 @@
     </p:spTree>
     <p:extLst>
       <p:ext uri="{BB962C8B-B14F-4D97-AF65-F5344CB8AC3E}">
-        <p14:creationId xmlns:p14="http://schemas.microsoft.com/office/powerpoint/2010/main" val="3159111142"/>
+        <p14:creationId xmlns:p14="http://schemas.microsoft.com/office/powerpoint/2010/main" val="2582120572"/>
       </p:ext>
     </p:extLst>
   </p:cSld>
@@ -4863,7 +4871,7 @@
         </p:nvSpPr>
         <p:spPr>
           <a:xfrm>
-            <a:off x="1568" y="810455"/>
+            <a:off x="0" y="780921"/>
             <a:ext cx="8407846" cy="276999"/>
           </a:xfrm>
           <a:prstGeom prst="rect">
@@ -4879,47 +4887,63 @@
           <a:p>
             <a:r>
               <a:rPr lang="zh-CN" altLang="en-US" sz="1200" b="1" dirty="0"/>
-              <a:t>利用仿真工具实现输入输出匹配：</a:t>
-            </a:r>
-            <a:endParaRPr lang="en-US" altLang="zh-CN" sz="1200" b="1" dirty="0"/>
-          </a:p>
-        </p:txBody>
-      </p:sp>
-      <p:sp>
-        <p:nvSpPr>
-          <p:cNvPr id="13" name="文本框 12">
-            <a:extLst>
-              <a:ext uri="{FF2B5EF4-FFF2-40B4-BE49-F238E27FC236}">
-                <a16:creationId xmlns:a16="http://schemas.microsoft.com/office/drawing/2014/main" id="{2CA9CDA1-3120-401A-ACA4-A49409DEB073}"/>
-              </a:ext>
-            </a:extLst>
-          </p:cNvPr>
-          <p:cNvSpPr txBox="1"/>
-          <p:nvPr/>
-        </p:nvSpPr>
-        <p:spPr>
-          <a:xfrm>
-            <a:off x="2267744" y="810455"/>
-            <a:ext cx="936104" cy="276999"/>
-          </a:xfrm>
-          <a:prstGeom prst="rect">
-            <a:avLst/>
-          </a:prstGeom>
-          <a:noFill/>
-        </p:spPr>
-        <p:txBody>
-          <a:bodyPr wrap="square" rtlCol="0">
-            <a:spAutoFit/>
-          </a:bodyPr>
-          <a:lstStyle/>
-          <a:p>
+              <a:t>完成匹配后的电路原理图：</a:t>
+            </a:r>
             <a:r>
               <a:rPr lang="zh-CN" altLang="en-US" sz="1200" b="1" dirty="0">
                 <a:solidFill>
                   <a:srgbClr val="FF0000"/>
                 </a:solidFill>
               </a:rPr>
-              <a:t>输出匹配</a:t>
+              <a:t>输入巴伦</a:t>
+            </a:r>
+            <a:r>
+              <a:rPr lang="en-US" altLang="zh-CN" sz="1200" b="1" dirty="0">
+                <a:solidFill>
+                  <a:srgbClr val="FF0000"/>
+                </a:solidFill>
+              </a:rPr>
+              <a:t>+</a:t>
+            </a:r>
+            <a:r>
+              <a:rPr lang="zh-CN" altLang="en-US" sz="1200" b="1" dirty="0">
+                <a:solidFill>
+                  <a:srgbClr val="FF0000"/>
+                </a:solidFill>
+              </a:rPr>
+              <a:t>正交信号生成单元</a:t>
+            </a:r>
+            <a:r>
+              <a:rPr lang="en-US" altLang="zh-CN" sz="1200" b="1" dirty="0">
+                <a:solidFill>
+                  <a:srgbClr val="FF0000"/>
+                </a:solidFill>
+              </a:rPr>
+              <a:t>+</a:t>
+            </a:r>
+            <a:r>
+              <a:rPr lang="zh-CN" altLang="en-US" sz="1200" b="1" dirty="0">
+                <a:solidFill>
+                  <a:srgbClr val="FF0000"/>
+                </a:solidFill>
+              </a:rPr>
+              <a:t>矢量合成单元</a:t>
+            </a:r>
+            <a:r>
+              <a:rPr lang="en-US" altLang="zh-CN" sz="1200" b="1" dirty="0">
+                <a:solidFill>
+                  <a:srgbClr val="FF0000"/>
+                </a:solidFill>
+              </a:rPr>
+              <a:t>+</a:t>
+            </a:r>
+            <a:r>
+              <a:rPr lang="zh-CN" altLang="en-US" sz="1200" b="1" dirty="0">
+                <a:solidFill>
+                  <a:srgbClr val="FF0000"/>
+                </a:solidFill>
+              </a:rPr>
+              <a:t>输出巴伦</a:t>
             </a:r>
             <a:endParaRPr lang="en-US" altLang="zh-CN" sz="1200" b="1" dirty="0">
               <a:solidFill>
@@ -4934,7 +4958,7 @@
           <p:cNvPr id="2" name="图片 1">
             <a:extLst>
               <a:ext uri="{FF2B5EF4-FFF2-40B4-BE49-F238E27FC236}">
-                <a16:creationId xmlns:a16="http://schemas.microsoft.com/office/drawing/2014/main" id="{9B67F057-AF9E-485C-985C-9AA72D565AF5}"/>
+                <a16:creationId xmlns:a16="http://schemas.microsoft.com/office/drawing/2014/main" id="{172E246A-0234-27D5-6ED2-A83D7104FA2C}"/>
               </a:ext>
             </a:extLst>
           </p:cNvPr>
@@ -4951,68 +4975,8 @@
         </p:blipFill>
         <p:spPr>
           <a:xfrm>
-            <a:off x="118532" y="1171076"/>
-            <a:ext cx="3290311" cy="1152128"/>
-          </a:xfrm>
-          <a:prstGeom prst="rect">
-            <a:avLst/>
-          </a:prstGeom>
-        </p:spPr>
-      </p:pic>
-      <p:pic>
-        <p:nvPicPr>
-          <p:cNvPr id="3" name="图片 2">
-            <a:extLst>
-              <a:ext uri="{FF2B5EF4-FFF2-40B4-BE49-F238E27FC236}">
-                <a16:creationId xmlns:a16="http://schemas.microsoft.com/office/drawing/2014/main" id="{2A4A63BF-B687-47A6-B967-862CBD39BE08}"/>
-              </a:ext>
-            </a:extLst>
-          </p:cNvPr>
-          <p:cNvPicPr>
-            <a:picLocks noChangeAspect="1"/>
-          </p:cNvPicPr>
-          <p:nvPr/>
-        </p:nvPicPr>
-        <p:blipFill>
-          <a:blip r:embed="rId5"/>
-          <a:stretch>
-            <a:fillRect/>
-          </a:stretch>
-        </p:blipFill>
-        <p:spPr>
-          <a:xfrm>
-            <a:off x="268332" y="2394984"/>
-            <a:ext cx="2990710" cy="2622622"/>
-          </a:xfrm>
-          <a:prstGeom prst="rect">
-            <a:avLst/>
-          </a:prstGeom>
-        </p:spPr>
-      </p:pic>
-      <p:pic>
-        <p:nvPicPr>
-          <p:cNvPr id="10" name="图片 9">
-            <a:extLst>
-              <a:ext uri="{FF2B5EF4-FFF2-40B4-BE49-F238E27FC236}">
-                <a16:creationId xmlns:a16="http://schemas.microsoft.com/office/drawing/2014/main" id="{6B38AEFB-5CAB-445A-AB34-83061FEA16EF}"/>
-              </a:ext>
-            </a:extLst>
-          </p:cNvPr>
-          <p:cNvPicPr>
-            <a:picLocks noChangeAspect="1"/>
-          </p:cNvPicPr>
-          <p:nvPr/>
-        </p:nvPicPr>
-        <p:blipFill>
-          <a:blip r:embed="rId6"/>
-          <a:stretch>
-            <a:fillRect/>
-          </a:stretch>
-        </p:blipFill>
-        <p:spPr>
-          <a:xfrm>
-            <a:off x="3779912" y="1507697"/>
-            <a:ext cx="5019092" cy="2213580"/>
+            <a:off x="287524" y="1131590"/>
+            <a:ext cx="8568952" cy="3478427"/>
           </a:xfrm>
           <a:prstGeom prst="rect">
             <a:avLst/>
@@ -5022,7 +4986,7 @@
     </p:spTree>
     <p:extLst>
       <p:ext uri="{BB962C8B-B14F-4D97-AF65-F5344CB8AC3E}">
-        <p14:creationId xmlns:p14="http://schemas.microsoft.com/office/powerpoint/2010/main" val="3902333145"/>
+        <p14:creationId xmlns:p14="http://schemas.microsoft.com/office/powerpoint/2010/main" val="1695036963"/>
       </p:ext>
     </p:extLst>
   </p:cSld>
@@ -5101,6 +5065,989 @@
         </p:nvSpPr>
         <p:spPr>
           <a:xfrm>
+            <a:off x="87515" y="804280"/>
+            <a:ext cx="8407846" cy="276999"/>
+          </a:xfrm>
+          <a:prstGeom prst="rect">
+            <a:avLst/>
+          </a:prstGeom>
+          <a:noFill/>
+        </p:spPr>
+        <p:txBody>
+          <a:bodyPr wrap="square" rtlCol="0">
+            <a:spAutoFit/>
+          </a:bodyPr>
+          <a:lstStyle/>
+          <a:p>
+            <a:r>
+              <a:rPr lang="zh-CN" altLang="en-US" sz="1200" b="1" dirty="0"/>
+              <a:t>完成匹配后的电路性能：</a:t>
+            </a:r>
+            <a:endParaRPr lang="en-US" altLang="zh-CN" sz="1200" b="1" dirty="0">
+              <a:solidFill>
+                <a:srgbClr val="FF0000"/>
+              </a:solidFill>
+            </a:endParaRPr>
+          </a:p>
+        </p:txBody>
+      </p:sp>
+      <p:pic>
+        <p:nvPicPr>
+          <p:cNvPr id="3" name="图片 2">
+            <a:extLst>
+              <a:ext uri="{FF2B5EF4-FFF2-40B4-BE49-F238E27FC236}">
+                <a16:creationId xmlns:a16="http://schemas.microsoft.com/office/drawing/2014/main" id="{D67B630C-F27C-A071-39BD-582AC495B85C}"/>
+              </a:ext>
+            </a:extLst>
+          </p:cNvPr>
+          <p:cNvPicPr>
+            <a:picLocks noChangeAspect="1"/>
+          </p:cNvPicPr>
+          <p:nvPr/>
+        </p:nvPicPr>
+        <p:blipFill>
+          <a:blip r:embed="rId4"/>
+          <a:stretch>
+            <a:fillRect/>
+          </a:stretch>
+        </p:blipFill>
+        <p:spPr>
+          <a:xfrm>
+            <a:off x="215823" y="1374646"/>
+            <a:ext cx="2547552" cy="1656184"/>
+          </a:xfrm>
+          <a:prstGeom prst="rect">
+            <a:avLst/>
+          </a:prstGeom>
+        </p:spPr>
+      </p:pic>
+      <p:pic>
+        <p:nvPicPr>
+          <p:cNvPr id="4" name="图片 3">
+            <a:extLst>
+              <a:ext uri="{FF2B5EF4-FFF2-40B4-BE49-F238E27FC236}">
+                <a16:creationId xmlns:a16="http://schemas.microsoft.com/office/drawing/2014/main" id="{D0C053E6-DB7E-EDA1-BBC4-E1D6158D1100}"/>
+              </a:ext>
+            </a:extLst>
+          </p:cNvPr>
+          <p:cNvPicPr>
+            <a:picLocks noChangeAspect="1"/>
+          </p:cNvPicPr>
+          <p:nvPr/>
+        </p:nvPicPr>
+        <p:blipFill>
+          <a:blip r:embed="rId5"/>
+          <a:stretch>
+            <a:fillRect/>
+          </a:stretch>
+        </p:blipFill>
+        <p:spPr>
+          <a:xfrm>
+            <a:off x="3059832" y="1131590"/>
+            <a:ext cx="2623081" cy="1937308"/>
+          </a:xfrm>
+          <a:prstGeom prst="rect">
+            <a:avLst/>
+          </a:prstGeom>
+        </p:spPr>
+      </p:pic>
+      <p:pic>
+        <p:nvPicPr>
+          <p:cNvPr id="5" name="图片 4">
+            <a:extLst>
+              <a:ext uri="{FF2B5EF4-FFF2-40B4-BE49-F238E27FC236}">
+                <a16:creationId xmlns:a16="http://schemas.microsoft.com/office/drawing/2014/main" id="{2CB45775-CAB6-62EB-FD4B-A9011DA03ECC}"/>
+              </a:ext>
+            </a:extLst>
+          </p:cNvPr>
+          <p:cNvPicPr>
+            <a:picLocks noChangeAspect="1"/>
+          </p:cNvPicPr>
+          <p:nvPr/>
+        </p:nvPicPr>
+        <p:blipFill>
+          <a:blip r:embed="rId6"/>
+          <a:stretch>
+            <a:fillRect/>
+          </a:stretch>
+        </p:blipFill>
+        <p:spPr>
+          <a:xfrm>
+            <a:off x="6012160" y="1316080"/>
+            <a:ext cx="2645341" cy="1773315"/>
+          </a:xfrm>
+          <a:prstGeom prst="rect">
+            <a:avLst/>
+          </a:prstGeom>
+        </p:spPr>
+      </p:pic>
+      <p:pic>
+        <p:nvPicPr>
+          <p:cNvPr id="7" name="图片 6">
+            <a:extLst>
+              <a:ext uri="{FF2B5EF4-FFF2-40B4-BE49-F238E27FC236}">
+                <a16:creationId xmlns:a16="http://schemas.microsoft.com/office/drawing/2014/main" id="{18697F3B-50ED-50DA-DA7D-0BAA4EC13A8D}"/>
+              </a:ext>
+            </a:extLst>
+          </p:cNvPr>
+          <p:cNvPicPr>
+            <a:picLocks noChangeAspect="1"/>
+          </p:cNvPicPr>
+          <p:nvPr/>
+        </p:nvPicPr>
+        <p:blipFill>
+          <a:blip r:embed="rId7"/>
+          <a:stretch>
+            <a:fillRect/>
+          </a:stretch>
+        </p:blipFill>
+        <p:spPr>
+          <a:xfrm>
+            <a:off x="2891735" y="3190016"/>
+            <a:ext cx="2624375" cy="1711549"/>
+          </a:xfrm>
+          <a:prstGeom prst="rect">
+            <a:avLst/>
+          </a:prstGeom>
+        </p:spPr>
+      </p:pic>
+      <p:pic>
+        <p:nvPicPr>
+          <p:cNvPr id="8" name="图片 7">
+            <a:extLst>
+              <a:ext uri="{FF2B5EF4-FFF2-40B4-BE49-F238E27FC236}">
+                <a16:creationId xmlns:a16="http://schemas.microsoft.com/office/drawing/2014/main" id="{7533C21E-4480-9A46-06E4-629E241BC015}"/>
+              </a:ext>
+            </a:extLst>
+          </p:cNvPr>
+          <p:cNvPicPr>
+            <a:picLocks noChangeAspect="1"/>
+          </p:cNvPicPr>
+          <p:nvPr/>
+        </p:nvPicPr>
+        <p:blipFill>
+          <a:blip r:embed="rId8"/>
+          <a:stretch>
+            <a:fillRect/>
+          </a:stretch>
+        </p:blipFill>
+        <p:spPr>
+          <a:xfrm>
+            <a:off x="5974230" y="3190016"/>
+            <a:ext cx="2721199" cy="1818146"/>
+          </a:xfrm>
+          <a:prstGeom prst="rect">
+            <a:avLst/>
+          </a:prstGeom>
+        </p:spPr>
+      </p:pic>
+      <p:sp>
+        <p:nvSpPr>
+          <p:cNvPr id="9" name="文本框 8">
+            <a:extLst>
+              <a:ext uri="{FF2B5EF4-FFF2-40B4-BE49-F238E27FC236}">
+                <a16:creationId xmlns:a16="http://schemas.microsoft.com/office/drawing/2014/main" id="{A17FC462-C673-2294-020B-9AFDCD447615}"/>
+              </a:ext>
+            </a:extLst>
+          </p:cNvPr>
+          <p:cNvSpPr txBox="1"/>
+          <p:nvPr/>
+        </p:nvSpPr>
+        <p:spPr>
+          <a:xfrm>
+            <a:off x="1057551" y="1122852"/>
+            <a:ext cx="864096" cy="261610"/>
+          </a:xfrm>
+          <a:prstGeom prst="rect">
+            <a:avLst/>
+          </a:prstGeom>
+          <a:noFill/>
+        </p:spPr>
+        <p:txBody>
+          <a:bodyPr wrap="square" rtlCol="0">
+            <a:spAutoFit/>
+          </a:bodyPr>
+          <a:lstStyle/>
+          <a:p>
+            <a:r>
+              <a:rPr lang="en-US" altLang="zh-CN" sz="1100" b="1" dirty="0"/>
+              <a:t>Phase(S21)</a:t>
+            </a:r>
+            <a:endParaRPr lang="en-US" altLang="zh-CN" sz="1100" b="1" dirty="0">
+              <a:solidFill>
+                <a:srgbClr val="FF0000"/>
+              </a:solidFill>
+            </a:endParaRPr>
+          </a:p>
+        </p:txBody>
+      </p:sp>
+      <p:sp>
+        <p:nvSpPr>
+          <p:cNvPr id="10" name="文本框 9">
+            <a:extLst>
+              <a:ext uri="{FF2B5EF4-FFF2-40B4-BE49-F238E27FC236}">
+                <a16:creationId xmlns:a16="http://schemas.microsoft.com/office/drawing/2014/main" id="{D686C17A-0B2D-E92C-F187-CCB446D0FF77}"/>
+              </a:ext>
+            </a:extLst>
+          </p:cNvPr>
+          <p:cNvSpPr txBox="1"/>
+          <p:nvPr/>
+        </p:nvSpPr>
+        <p:spPr>
+          <a:xfrm>
+            <a:off x="3919933" y="1108247"/>
+            <a:ext cx="1080120" cy="261610"/>
+          </a:xfrm>
+          <a:prstGeom prst="rect">
+            <a:avLst/>
+          </a:prstGeom>
+          <a:noFill/>
+        </p:spPr>
+        <p:txBody>
+          <a:bodyPr wrap="square" rtlCol="0">
+            <a:spAutoFit/>
+          </a:bodyPr>
+          <a:lstStyle/>
+          <a:p>
+            <a:r>
+              <a:rPr lang="en-US" altLang="zh-CN" sz="1100" b="1" dirty="0"/>
+              <a:t>Phase shifting</a:t>
+            </a:r>
+            <a:endParaRPr lang="en-US" altLang="zh-CN" sz="1100" b="1" dirty="0">
+              <a:solidFill>
+                <a:srgbClr val="FF0000"/>
+              </a:solidFill>
+            </a:endParaRPr>
+          </a:p>
+        </p:txBody>
+      </p:sp>
+    </p:spTree>
+    <p:extLst>
+      <p:ext uri="{BB962C8B-B14F-4D97-AF65-F5344CB8AC3E}">
+        <p14:creationId xmlns:p14="http://schemas.microsoft.com/office/powerpoint/2010/main" val="1998682170"/>
+      </p:ext>
+    </p:extLst>
+  </p:cSld>
+  <p:clrMapOvr>
+    <a:masterClrMapping/>
+  </p:clrMapOvr>
+</p:sld>
+</file>
+
+<file path=ppt/slides/slide15.xml><?xml version="1.0" encoding="utf-8"?>
+<p:sld xmlns:a="http://schemas.openxmlformats.org/drawingml/2006/main" xmlns:r="http://schemas.openxmlformats.org/officeDocument/2006/relationships" xmlns:p="http://schemas.openxmlformats.org/presentationml/2006/main">
+  <p:cSld>
+    <p:spTree>
+      <p:nvGrpSpPr>
+        <p:cNvPr id="1" name=""/>
+        <p:cNvGrpSpPr/>
+        <p:nvPr/>
+      </p:nvGrpSpPr>
+      <p:grpSpPr>
+        <a:xfrm>
+          <a:off x="0" y="0"/>
+          <a:ext cx="0" cy="0"/>
+          <a:chOff x="0" y="0"/>
+          <a:chExt cx="0" cy="0"/>
+        </a:xfrm>
+      </p:grpSpPr>
+      <p:sp>
+        <p:nvSpPr>
+          <p:cNvPr id="6" name="标题 5"/>
+          <p:cNvSpPr>
+            <a:spLocks noGrp="1"/>
+          </p:cNvSpPr>
+          <p:nvPr>
+            <p:ph type="title"/>
+            <p:custDataLst>
+              <p:tags r:id="rId1"/>
+            </p:custDataLst>
+          </p:nvPr>
+        </p:nvSpPr>
+        <p:spPr>
+          <a:xfrm>
+            <a:off x="838825" y="241935"/>
+            <a:ext cx="7665085" cy="593725"/>
+          </a:xfrm>
+        </p:spPr>
+        <p:txBody>
+          <a:bodyPr/>
+          <a:lstStyle/>
+          <a:p>
+            <a:r>
+              <a:rPr lang="en-US" altLang="zh-CN" dirty="0">
+                <a:sym typeface="+mn-ea"/>
+              </a:rPr>
+              <a:t>3</a:t>
+            </a:r>
+            <a:r>
+              <a:rPr lang="zh-CN" altLang="en-US" dirty="0">
+                <a:sym typeface="+mn-ea"/>
+              </a:rPr>
+              <a:t>、研究进展</a:t>
+            </a:r>
+          </a:p>
+        </p:txBody>
+      </p:sp>
+      <p:sp>
+        <p:nvSpPr>
+          <p:cNvPr id="12" name="文本框 11">
+            <a:extLst>
+              <a:ext uri="{FF2B5EF4-FFF2-40B4-BE49-F238E27FC236}">
+                <a16:creationId xmlns:a16="http://schemas.microsoft.com/office/drawing/2014/main" id="{46C0A91C-422F-4045-9155-5F96ADE7BC03}"/>
+              </a:ext>
+            </a:extLst>
+          </p:cNvPr>
+          <p:cNvSpPr txBox="1"/>
+          <p:nvPr/>
+        </p:nvSpPr>
+        <p:spPr>
+          <a:xfrm>
+            <a:off x="179512" y="710999"/>
+            <a:ext cx="8407846" cy="276999"/>
+          </a:xfrm>
+          <a:prstGeom prst="rect">
+            <a:avLst/>
+          </a:prstGeom>
+          <a:noFill/>
+        </p:spPr>
+        <p:txBody>
+          <a:bodyPr wrap="square" rtlCol="0">
+            <a:spAutoFit/>
+          </a:bodyPr>
+          <a:lstStyle/>
+          <a:p>
+            <a:r>
+              <a:rPr lang="zh-CN" altLang="en-US" sz="1200" b="1" dirty="0"/>
+              <a:t>原先利用理想</a:t>
+            </a:r>
+            <a:r>
+              <a:rPr lang="en-US" altLang="zh-CN" sz="1200" b="1" dirty="0"/>
+              <a:t>TF</a:t>
+            </a:r>
+            <a:r>
+              <a:rPr lang="zh-CN" altLang="en-US" sz="1200" b="1" dirty="0"/>
+              <a:t>作为输入输出巴伦时的移相器性能：</a:t>
+            </a:r>
+            <a:endParaRPr lang="en-US" altLang="zh-CN" sz="1200" b="1" dirty="0"/>
+          </a:p>
+        </p:txBody>
+      </p:sp>
+      <p:pic>
+        <p:nvPicPr>
+          <p:cNvPr id="2" name="图片 1">
+            <a:extLst>
+              <a:ext uri="{FF2B5EF4-FFF2-40B4-BE49-F238E27FC236}">
+                <a16:creationId xmlns:a16="http://schemas.microsoft.com/office/drawing/2014/main" id="{FB098313-47B5-B330-C31E-D41CD005CB90}"/>
+              </a:ext>
+            </a:extLst>
+          </p:cNvPr>
+          <p:cNvPicPr>
+            <a:picLocks noChangeAspect="1"/>
+          </p:cNvPicPr>
+          <p:nvPr/>
+        </p:nvPicPr>
+        <p:blipFill>
+          <a:blip r:embed="rId4"/>
+          <a:stretch>
+            <a:fillRect/>
+          </a:stretch>
+        </p:blipFill>
+        <p:spPr>
+          <a:xfrm>
+            <a:off x="1" y="987998"/>
+            <a:ext cx="3059832" cy="1995200"/>
+          </a:xfrm>
+          <a:prstGeom prst="rect">
+            <a:avLst/>
+          </a:prstGeom>
+        </p:spPr>
+      </p:pic>
+      <p:pic>
+        <p:nvPicPr>
+          <p:cNvPr id="3" name="图片 2">
+            <a:extLst>
+              <a:ext uri="{FF2B5EF4-FFF2-40B4-BE49-F238E27FC236}">
+                <a16:creationId xmlns:a16="http://schemas.microsoft.com/office/drawing/2014/main" id="{556D6569-842E-F019-2932-F18D4FE4F41D}"/>
+              </a:ext>
+            </a:extLst>
+          </p:cNvPr>
+          <p:cNvPicPr>
+            <a:picLocks noChangeAspect="1"/>
+          </p:cNvPicPr>
+          <p:nvPr/>
+        </p:nvPicPr>
+        <p:blipFill rotWithShape="1">
+          <a:blip r:embed="rId5"/>
+          <a:srcRect l="8245"/>
+          <a:stretch/>
+        </p:blipFill>
+        <p:spPr>
+          <a:xfrm>
+            <a:off x="3243714" y="972887"/>
+            <a:ext cx="2984987" cy="2025422"/>
+          </a:xfrm>
+          <a:prstGeom prst="rect">
+            <a:avLst/>
+          </a:prstGeom>
+        </p:spPr>
+      </p:pic>
+      <p:pic>
+        <p:nvPicPr>
+          <p:cNvPr id="4" name="图片 3">
+            <a:extLst>
+              <a:ext uri="{FF2B5EF4-FFF2-40B4-BE49-F238E27FC236}">
+                <a16:creationId xmlns:a16="http://schemas.microsoft.com/office/drawing/2014/main" id="{31D0C105-027C-E159-32B2-8AF6E8F48FC7}"/>
+              </a:ext>
+            </a:extLst>
+          </p:cNvPr>
+          <p:cNvPicPr>
+            <a:picLocks noChangeAspect="1"/>
+          </p:cNvPicPr>
+          <p:nvPr/>
+        </p:nvPicPr>
+        <p:blipFill>
+          <a:blip r:embed="rId6"/>
+          <a:stretch>
+            <a:fillRect/>
+          </a:stretch>
+        </p:blipFill>
+        <p:spPr>
+          <a:xfrm>
+            <a:off x="6219636" y="1029608"/>
+            <a:ext cx="2875869" cy="1927526"/>
+          </a:xfrm>
+          <a:prstGeom prst="rect">
+            <a:avLst/>
+          </a:prstGeom>
+        </p:spPr>
+      </p:pic>
+      <p:pic>
+        <p:nvPicPr>
+          <p:cNvPr id="5" name="图片 4">
+            <a:extLst>
+              <a:ext uri="{FF2B5EF4-FFF2-40B4-BE49-F238E27FC236}">
+                <a16:creationId xmlns:a16="http://schemas.microsoft.com/office/drawing/2014/main" id="{9617DCF1-F1D6-BD4F-1223-B14475BB1E4B}"/>
+              </a:ext>
+            </a:extLst>
+          </p:cNvPr>
+          <p:cNvPicPr>
+            <a:picLocks noChangeAspect="1"/>
+          </p:cNvPicPr>
+          <p:nvPr/>
+        </p:nvPicPr>
+        <p:blipFill>
+          <a:blip r:embed="rId7"/>
+          <a:stretch>
+            <a:fillRect/>
+          </a:stretch>
+        </p:blipFill>
+        <p:spPr>
+          <a:xfrm>
+            <a:off x="2907271" y="3013815"/>
+            <a:ext cx="2952328" cy="1934815"/>
+          </a:xfrm>
+          <a:prstGeom prst="rect">
+            <a:avLst/>
+          </a:prstGeom>
+        </p:spPr>
+      </p:pic>
+      <p:pic>
+        <p:nvPicPr>
+          <p:cNvPr id="7" name="图片 6">
+            <a:extLst>
+              <a:ext uri="{FF2B5EF4-FFF2-40B4-BE49-F238E27FC236}">
+                <a16:creationId xmlns:a16="http://schemas.microsoft.com/office/drawing/2014/main" id="{5A22758C-EC8A-D12E-E51F-DE70DB7828AF}"/>
+              </a:ext>
+            </a:extLst>
+          </p:cNvPr>
+          <p:cNvPicPr>
+            <a:picLocks noChangeAspect="1"/>
+          </p:cNvPicPr>
+          <p:nvPr/>
+        </p:nvPicPr>
+        <p:blipFill>
+          <a:blip r:embed="rId8"/>
+          <a:stretch>
+            <a:fillRect/>
+          </a:stretch>
+        </p:blipFill>
+        <p:spPr>
+          <a:xfrm>
+            <a:off x="5987207" y="2983198"/>
+            <a:ext cx="2952328" cy="1970795"/>
+          </a:xfrm>
+          <a:prstGeom prst="rect">
+            <a:avLst/>
+          </a:prstGeom>
+        </p:spPr>
+      </p:pic>
+    </p:spTree>
+    <p:extLst>
+      <p:ext uri="{BB962C8B-B14F-4D97-AF65-F5344CB8AC3E}">
+        <p14:creationId xmlns:p14="http://schemas.microsoft.com/office/powerpoint/2010/main" val="2672400563"/>
+      </p:ext>
+    </p:extLst>
+  </p:cSld>
+  <p:clrMapOvr>
+    <a:masterClrMapping/>
+  </p:clrMapOvr>
+</p:sld>
+</file>
+
+<file path=ppt/slides/slide16.xml><?xml version="1.0" encoding="utf-8"?>
+<p:sld xmlns:a="http://schemas.openxmlformats.org/drawingml/2006/main" xmlns:r="http://schemas.openxmlformats.org/officeDocument/2006/relationships" xmlns:p="http://schemas.openxmlformats.org/presentationml/2006/main">
+  <p:cSld>
+    <p:spTree>
+      <p:nvGrpSpPr>
+        <p:cNvPr id="1" name=""/>
+        <p:cNvGrpSpPr/>
+        <p:nvPr/>
+      </p:nvGrpSpPr>
+      <p:grpSpPr>
+        <a:xfrm>
+          <a:off x="0" y="0"/>
+          <a:ext cx="0" cy="0"/>
+          <a:chOff x="0" y="0"/>
+          <a:chExt cx="0" cy="0"/>
+        </a:xfrm>
+      </p:grpSpPr>
+      <p:sp>
+        <p:nvSpPr>
+          <p:cNvPr id="6" name="标题 5"/>
+          <p:cNvSpPr>
+            <a:spLocks noGrp="1"/>
+          </p:cNvSpPr>
+          <p:nvPr>
+            <p:ph type="title"/>
+            <p:custDataLst>
+              <p:tags r:id="rId1"/>
+            </p:custDataLst>
+          </p:nvPr>
+        </p:nvSpPr>
+        <p:spPr>
+          <a:xfrm>
+            <a:off x="838825" y="241935"/>
+            <a:ext cx="7665085" cy="593725"/>
+          </a:xfrm>
+        </p:spPr>
+        <p:txBody>
+          <a:bodyPr/>
+          <a:lstStyle/>
+          <a:p>
+            <a:r>
+              <a:rPr lang="en-US" altLang="zh-CN" dirty="0">
+                <a:sym typeface="+mn-ea"/>
+              </a:rPr>
+              <a:t>3</a:t>
+            </a:r>
+            <a:r>
+              <a:rPr lang="zh-CN" altLang="en-US" dirty="0">
+                <a:sym typeface="+mn-ea"/>
+              </a:rPr>
+              <a:t>、研究进展</a:t>
+            </a:r>
+            <a:r>
+              <a:rPr lang="en-US" altLang="zh-CN" dirty="0">
+                <a:sym typeface="+mn-ea"/>
+              </a:rPr>
+              <a:t>——</a:t>
+            </a:r>
+            <a:r>
+              <a:rPr lang="zh-CN" altLang="en-US" dirty="0">
+                <a:sym typeface="+mn-ea"/>
+              </a:rPr>
+              <a:t>文献阅读</a:t>
+            </a:r>
+          </a:p>
+        </p:txBody>
+      </p:sp>
+      <p:sp>
+        <p:nvSpPr>
+          <p:cNvPr id="12" name="文本框 11">
+            <a:extLst>
+              <a:ext uri="{FF2B5EF4-FFF2-40B4-BE49-F238E27FC236}">
+                <a16:creationId xmlns:a16="http://schemas.microsoft.com/office/drawing/2014/main" id="{46C0A91C-422F-4045-9155-5F96ADE7BC03}"/>
+              </a:ext>
+            </a:extLst>
+          </p:cNvPr>
+          <p:cNvSpPr txBox="1"/>
+          <p:nvPr/>
+        </p:nvSpPr>
+        <p:spPr>
+          <a:xfrm>
+            <a:off x="0" y="847662"/>
+            <a:ext cx="8407846" cy="276999"/>
+          </a:xfrm>
+          <a:prstGeom prst="rect">
+            <a:avLst/>
+          </a:prstGeom>
+          <a:noFill/>
+        </p:spPr>
+        <p:txBody>
+          <a:bodyPr wrap="square" rtlCol="0">
+            <a:spAutoFit/>
+          </a:bodyPr>
+          <a:lstStyle/>
+          <a:p>
+            <a:r>
+              <a:rPr lang="zh-CN" altLang="en-US" sz="1200" b="1" dirty="0"/>
+              <a:t>传输线变压器：</a:t>
+            </a:r>
+            <a:endParaRPr lang="en-US" altLang="zh-CN" sz="1200" b="1" dirty="0"/>
+          </a:p>
+        </p:txBody>
+      </p:sp>
+      <p:pic>
+        <p:nvPicPr>
+          <p:cNvPr id="3" name="图片 2">
+            <a:extLst>
+              <a:ext uri="{FF2B5EF4-FFF2-40B4-BE49-F238E27FC236}">
+                <a16:creationId xmlns:a16="http://schemas.microsoft.com/office/drawing/2014/main" id="{45E60CD9-F2AF-811C-D298-B4364359100B}"/>
+              </a:ext>
+            </a:extLst>
+          </p:cNvPr>
+          <p:cNvPicPr>
+            <a:picLocks noChangeAspect="1"/>
+          </p:cNvPicPr>
+          <p:nvPr/>
+        </p:nvPicPr>
+        <p:blipFill>
+          <a:blip r:embed="rId4"/>
+          <a:stretch>
+            <a:fillRect/>
+          </a:stretch>
+        </p:blipFill>
+        <p:spPr>
+          <a:xfrm>
+            <a:off x="4572000" y="810455"/>
+            <a:ext cx="4377414" cy="707020"/>
+          </a:xfrm>
+          <a:prstGeom prst="rect">
+            <a:avLst/>
+          </a:prstGeom>
+        </p:spPr>
+      </p:pic>
+    </p:spTree>
+    <p:extLst>
+      <p:ext uri="{BB962C8B-B14F-4D97-AF65-F5344CB8AC3E}">
+        <p14:creationId xmlns:p14="http://schemas.microsoft.com/office/powerpoint/2010/main" val="3159111142"/>
+      </p:ext>
+    </p:extLst>
+  </p:cSld>
+  <p:clrMapOvr>
+    <a:masterClrMapping/>
+  </p:clrMapOvr>
+</p:sld>
+</file>
+
+<file path=ppt/slides/slide17.xml><?xml version="1.0" encoding="utf-8"?>
+<p:sld xmlns:a="http://schemas.openxmlformats.org/drawingml/2006/main" xmlns:r="http://schemas.openxmlformats.org/officeDocument/2006/relationships" xmlns:p="http://schemas.openxmlformats.org/presentationml/2006/main">
+  <p:cSld>
+    <p:spTree>
+      <p:nvGrpSpPr>
+        <p:cNvPr id="1" name=""/>
+        <p:cNvGrpSpPr/>
+        <p:nvPr/>
+      </p:nvGrpSpPr>
+      <p:grpSpPr>
+        <a:xfrm>
+          <a:off x="0" y="0"/>
+          <a:ext cx="0" cy="0"/>
+          <a:chOff x="0" y="0"/>
+          <a:chExt cx="0" cy="0"/>
+        </a:xfrm>
+      </p:grpSpPr>
+      <p:sp>
+        <p:nvSpPr>
+          <p:cNvPr id="6" name="标题 5"/>
+          <p:cNvSpPr>
+            <a:spLocks noGrp="1"/>
+          </p:cNvSpPr>
+          <p:nvPr>
+            <p:ph type="title"/>
+            <p:custDataLst>
+              <p:tags r:id="rId1"/>
+            </p:custDataLst>
+          </p:nvPr>
+        </p:nvSpPr>
+        <p:spPr>
+          <a:xfrm>
+            <a:off x="838825" y="241935"/>
+            <a:ext cx="7665085" cy="593725"/>
+          </a:xfrm>
+        </p:spPr>
+        <p:txBody>
+          <a:bodyPr/>
+          <a:lstStyle/>
+          <a:p>
+            <a:r>
+              <a:rPr lang="en-US" altLang="zh-CN" dirty="0">
+                <a:sym typeface="+mn-ea"/>
+              </a:rPr>
+              <a:t>3</a:t>
+            </a:r>
+            <a:r>
+              <a:rPr lang="zh-CN" altLang="en-US" dirty="0">
+                <a:sym typeface="+mn-ea"/>
+              </a:rPr>
+              <a:t>、研究进展</a:t>
+            </a:r>
+          </a:p>
+        </p:txBody>
+      </p:sp>
+      <p:sp>
+        <p:nvSpPr>
+          <p:cNvPr id="12" name="文本框 11">
+            <a:extLst>
+              <a:ext uri="{FF2B5EF4-FFF2-40B4-BE49-F238E27FC236}">
+                <a16:creationId xmlns:a16="http://schemas.microsoft.com/office/drawing/2014/main" id="{46C0A91C-422F-4045-9155-5F96ADE7BC03}"/>
+              </a:ext>
+            </a:extLst>
+          </p:cNvPr>
+          <p:cNvSpPr txBox="1"/>
+          <p:nvPr/>
+        </p:nvSpPr>
+        <p:spPr>
+          <a:xfrm>
+            <a:off x="1568" y="810455"/>
+            <a:ext cx="8407846" cy="276999"/>
+          </a:xfrm>
+          <a:prstGeom prst="rect">
+            <a:avLst/>
+          </a:prstGeom>
+          <a:noFill/>
+        </p:spPr>
+        <p:txBody>
+          <a:bodyPr wrap="square" rtlCol="0">
+            <a:spAutoFit/>
+          </a:bodyPr>
+          <a:lstStyle/>
+          <a:p>
+            <a:r>
+              <a:rPr lang="zh-CN" altLang="en-US" sz="1200" b="1" dirty="0"/>
+              <a:t>利用仿真工具实现输入输出匹配：</a:t>
+            </a:r>
+            <a:endParaRPr lang="en-US" altLang="zh-CN" sz="1200" b="1" dirty="0"/>
+          </a:p>
+        </p:txBody>
+      </p:sp>
+      <p:sp>
+        <p:nvSpPr>
+          <p:cNvPr id="13" name="文本框 12">
+            <a:extLst>
+              <a:ext uri="{FF2B5EF4-FFF2-40B4-BE49-F238E27FC236}">
+                <a16:creationId xmlns:a16="http://schemas.microsoft.com/office/drawing/2014/main" id="{2CA9CDA1-3120-401A-ACA4-A49409DEB073}"/>
+              </a:ext>
+            </a:extLst>
+          </p:cNvPr>
+          <p:cNvSpPr txBox="1"/>
+          <p:nvPr/>
+        </p:nvSpPr>
+        <p:spPr>
+          <a:xfrm>
+            <a:off x="2267744" y="810455"/>
+            <a:ext cx="936104" cy="276999"/>
+          </a:xfrm>
+          <a:prstGeom prst="rect">
+            <a:avLst/>
+          </a:prstGeom>
+          <a:noFill/>
+        </p:spPr>
+        <p:txBody>
+          <a:bodyPr wrap="square" rtlCol="0">
+            <a:spAutoFit/>
+          </a:bodyPr>
+          <a:lstStyle/>
+          <a:p>
+            <a:r>
+              <a:rPr lang="zh-CN" altLang="en-US" sz="1200" b="1" dirty="0">
+                <a:solidFill>
+                  <a:srgbClr val="FF0000"/>
+                </a:solidFill>
+              </a:rPr>
+              <a:t>输出匹配</a:t>
+            </a:r>
+            <a:endParaRPr lang="en-US" altLang="zh-CN" sz="1200" b="1" dirty="0">
+              <a:solidFill>
+                <a:srgbClr val="FF0000"/>
+              </a:solidFill>
+            </a:endParaRPr>
+          </a:p>
+        </p:txBody>
+      </p:sp>
+      <p:pic>
+        <p:nvPicPr>
+          <p:cNvPr id="2" name="图片 1">
+            <a:extLst>
+              <a:ext uri="{FF2B5EF4-FFF2-40B4-BE49-F238E27FC236}">
+                <a16:creationId xmlns:a16="http://schemas.microsoft.com/office/drawing/2014/main" id="{9B67F057-AF9E-485C-985C-9AA72D565AF5}"/>
+              </a:ext>
+            </a:extLst>
+          </p:cNvPr>
+          <p:cNvPicPr>
+            <a:picLocks noChangeAspect="1"/>
+          </p:cNvPicPr>
+          <p:nvPr/>
+        </p:nvPicPr>
+        <p:blipFill>
+          <a:blip r:embed="rId4"/>
+          <a:stretch>
+            <a:fillRect/>
+          </a:stretch>
+        </p:blipFill>
+        <p:spPr>
+          <a:xfrm>
+            <a:off x="118532" y="1171076"/>
+            <a:ext cx="3290311" cy="1152128"/>
+          </a:xfrm>
+          <a:prstGeom prst="rect">
+            <a:avLst/>
+          </a:prstGeom>
+        </p:spPr>
+      </p:pic>
+      <p:pic>
+        <p:nvPicPr>
+          <p:cNvPr id="3" name="图片 2">
+            <a:extLst>
+              <a:ext uri="{FF2B5EF4-FFF2-40B4-BE49-F238E27FC236}">
+                <a16:creationId xmlns:a16="http://schemas.microsoft.com/office/drawing/2014/main" id="{2A4A63BF-B687-47A6-B967-862CBD39BE08}"/>
+              </a:ext>
+            </a:extLst>
+          </p:cNvPr>
+          <p:cNvPicPr>
+            <a:picLocks noChangeAspect="1"/>
+          </p:cNvPicPr>
+          <p:nvPr/>
+        </p:nvPicPr>
+        <p:blipFill>
+          <a:blip r:embed="rId5"/>
+          <a:stretch>
+            <a:fillRect/>
+          </a:stretch>
+        </p:blipFill>
+        <p:spPr>
+          <a:xfrm>
+            <a:off x="268332" y="2394984"/>
+            <a:ext cx="2990710" cy="2622622"/>
+          </a:xfrm>
+          <a:prstGeom prst="rect">
+            <a:avLst/>
+          </a:prstGeom>
+        </p:spPr>
+      </p:pic>
+      <p:pic>
+        <p:nvPicPr>
+          <p:cNvPr id="10" name="图片 9">
+            <a:extLst>
+              <a:ext uri="{FF2B5EF4-FFF2-40B4-BE49-F238E27FC236}">
+                <a16:creationId xmlns:a16="http://schemas.microsoft.com/office/drawing/2014/main" id="{6B38AEFB-5CAB-445A-AB34-83061FEA16EF}"/>
+              </a:ext>
+            </a:extLst>
+          </p:cNvPr>
+          <p:cNvPicPr>
+            <a:picLocks noChangeAspect="1"/>
+          </p:cNvPicPr>
+          <p:nvPr/>
+        </p:nvPicPr>
+        <p:blipFill>
+          <a:blip r:embed="rId6"/>
+          <a:stretch>
+            <a:fillRect/>
+          </a:stretch>
+        </p:blipFill>
+        <p:spPr>
+          <a:xfrm>
+            <a:off x="3779912" y="1507697"/>
+            <a:ext cx="5019092" cy="2213580"/>
+          </a:xfrm>
+          <a:prstGeom prst="rect">
+            <a:avLst/>
+          </a:prstGeom>
+        </p:spPr>
+      </p:pic>
+    </p:spTree>
+    <p:extLst>
+      <p:ext uri="{BB962C8B-B14F-4D97-AF65-F5344CB8AC3E}">
+        <p14:creationId xmlns:p14="http://schemas.microsoft.com/office/powerpoint/2010/main" val="3902333145"/>
+      </p:ext>
+    </p:extLst>
+  </p:cSld>
+  <p:clrMapOvr>
+    <a:masterClrMapping/>
+  </p:clrMapOvr>
+</p:sld>
+</file>
+
+<file path=ppt/slides/slide18.xml><?xml version="1.0" encoding="utf-8"?>
+<p:sld xmlns:a="http://schemas.openxmlformats.org/drawingml/2006/main" xmlns:r="http://schemas.openxmlformats.org/officeDocument/2006/relationships" xmlns:p="http://schemas.openxmlformats.org/presentationml/2006/main">
+  <p:cSld>
+    <p:spTree>
+      <p:nvGrpSpPr>
+        <p:cNvPr id="1" name=""/>
+        <p:cNvGrpSpPr/>
+        <p:nvPr/>
+      </p:nvGrpSpPr>
+      <p:grpSpPr>
+        <a:xfrm>
+          <a:off x="0" y="0"/>
+          <a:ext cx="0" cy="0"/>
+          <a:chOff x="0" y="0"/>
+          <a:chExt cx="0" cy="0"/>
+        </a:xfrm>
+      </p:grpSpPr>
+      <p:sp>
+        <p:nvSpPr>
+          <p:cNvPr id="6" name="标题 5"/>
+          <p:cNvSpPr>
+            <a:spLocks noGrp="1"/>
+          </p:cNvSpPr>
+          <p:nvPr>
+            <p:ph type="title"/>
+            <p:custDataLst>
+              <p:tags r:id="rId1"/>
+            </p:custDataLst>
+          </p:nvPr>
+        </p:nvSpPr>
+        <p:spPr>
+          <a:xfrm>
+            <a:off x="838825" y="241935"/>
+            <a:ext cx="7665085" cy="593725"/>
+          </a:xfrm>
+        </p:spPr>
+        <p:txBody>
+          <a:bodyPr/>
+          <a:lstStyle/>
+          <a:p>
+            <a:r>
+              <a:rPr lang="en-US" altLang="zh-CN" dirty="0">
+                <a:sym typeface="+mn-ea"/>
+              </a:rPr>
+              <a:t>3</a:t>
+            </a:r>
+            <a:r>
+              <a:rPr lang="zh-CN" altLang="en-US" dirty="0">
+                <a:sym typeface="+mn-ea"/>
+              </a:rPr>
+              <a:t>、研究进展</a:t>
+            </a:r>
+          </a:p>
+        </p:txBody>
+      </p:sp>
+      <p:sp>
+        <p:nvSpPr>
+          <p:cNvPr id="12" name="文本框 11">
+            <a:extLst>
+              <a:ext uri="{FF2B5EF4-FFF2-40B4-BE49-F238E27FC236}">
+                <a16:creationId xmlns:a16="http://schemas.microsoft.com/office/drawing/2014/main" id="{46C0A91C-422F-4045-9155-5F96ADE7BC03}"/>
+              </a:ext>
+            </a:extLst>
+          </p:cNvPr>
+          <p:cNvSpPr txBox="1"/>
+          <p:nvPr/>
+        </p:nvSpPr>
+        <p:spPr>
+          <a:xfrm>
             <a:off x="1568" y="810455"/>
             <a:ext cx="8407846" cy="276999"/>
           </a:xfrm>
@@ -5196,7 +6143,7 @@
 </p:sld>
 </file>
 
-<file path=ppt/slides/slide15.xml><?xml version="1.0" encoding="utf-8"?>
+<file path=ppt/slides/slide19.xml><?xml version="1.0" encoding="utf-8"?>
 <p:sld xmlns:a="http://schemas.openxmlformats.org/drawingml/2006/main" xmlns:r="http://schemas.openxmlformats.org/officeDocument/2006/relationships" xmlns:p="http://schemas.openxmlformats.org/presentationml/2006/main">
   <p:cSld>
     <p:spTree>
@@ -6252,7 +7199,119 @@
       </p:grpSpPr>
       <p:sp>
         <p:nvSpPr>
-          <p:cNvPr id="6" name="标题 5"/>
+          <p:cNvPr id="12" name="文本框 11">
+            <a:extLst>
+              <a:ext uri="{FF2B5EF4-FFF2-40B4-BE49-F238E27FC236}">
+                <a16:creationId xmlns:a16="http://schemas.microsoft.com/office/drawing/2014/main" id="{46C0A91C-422F-4045-9155-5F96ADE7BC03}"/>
+              </a:ext>
+            </a:extLst>
+          </p:cNvPr>
+          <p:cNvSpPr txBox="1"/>
+          <p:nvPr/>
+        </p:nvSpPr>
+        <p:spPr>
+          <a:xfrm>
+            <a:off x="96064" y="841101"/>
+            <a:ext cx="8407846" cy="276999"/>
+          </a:xfrm>
+          <a:prstGeom prst="rect">
+            <a:avLst/>
+          </a:prstGeom>
+          <a:noFill/>
+        </p:spPr>
+        <p:txBody>
+          <a:bodyPr wrap="square" rtlCol="0">
+            <a:spAutoFit/>
+          </a:bodyPr>
+          <a:lstStyle/>
+          <a:p>
+            <a:r>
+              <a:rPr lang="zh-CN" altLang="en-US" sz="1200" b="1" dirty="0"/>
+              <a:t>正交信号生成电路</a:t>
+            </a:r>
+            <a:r>
+              <a:rPr lang="en-US" altLang="zh-CN" sz="1200" b="1" dirty="0"/>
+              <a:t>+</a:t>
+            </a:r>
+            <a:r>
+              <a:rPr lang="zh-CN" altLang="en-US" sz="1200" b="1" dirty="0"/>
+              <a:t>矢量合成电路功能复现：采用</a:t>
+            </a:r>
+            <a:r>
+              <a:rPr lang="en-US" altLang="zh-CN" sz="1200" b="1" dirty="0"/>
+              <a:t>Type I</a:t>
+            </a:r>
+            <a:r>
+              <a:rPr lang="zh-CN" altLang="en-US" sz="1200" b="1" dirty="0"/>
+              <a:t>型多相滤波器</a:t>
+            </a:r>
+            <a:r>
+              <a:rPr lang="en-US" altLang="zh-CN" sz="1200" b="1" dirty="0"/>
+              <a:t>——</a:t>
+            </a:r>
+            <a:r>
+              <a:rPr lang="zh-CN" altLang="en-US" sz="1200" b="1" dirty="0">
+                <a:solidFill>
+                  <a:srgbClr val="FF0000"/>
+                </a:solidFill>
+              </a:rPr>
+              <a:t>全频段相位精确相差</a:t>
+            </a:r>
+            <a:r>
+              <a:rPr lang="en-US" altLang="zh-CN" sz="1200" b="1" dirty="0">
+                <a:solidFill>
+                  <a:srgbClr val="FF0000"/>
+                </a:solidFill>
+              </a:rPr>
+              <a:t>90°</a:t>
+            </a:r>
+            <a:r>
+              <a:rPr lang="zh-CN" altLang="en-US" sz="1200" b="1" dirty="0"/>
+              <a:t>。</a:t>
+            </a:r>
+            <a:endParaRPr lang="en-US" altLang="zh-CN" sz="1200" b="1" dirty="0"/>
+          </a:p>
+        </p:txBody>
+      </p:sp>
+      <p:pic>
+        <p:nvPicPr>
+          <p:cNvPr id="9" name="图片 8">
+            <a:extLst>
+              <a:ext uri="{FF2B5EF4-FFF2-40B4-BE49-F238E27FC236}">
+                <a16:creationId xmlns:a16="http://schemas.microsoft.com/office/drawing/2014/main" id="{ABBA4EFF-54AE-847F-397A-BC27AFFFC1F3}"/>
+              </a:ext>
+            </a:extLst>
+          </p:cNvPr>
+          <p:cNvPicPr>
+            <a:picLocks noChangeAspect="1"/>
+          </p:cNvPicPr>
+          <p:nvPr/>
+        </p:nvPicPr>
+        <p:blipFill>
+          <a:blip r:embed="rId4"/>
+          <a:stretch>
+            <a:fillRect/>
+          </a:stretch>
+        </p:blipFill>
+        <p:spPr>
+          <a:xfrm>
+            <a:off x="546341" y="1096881"/>
+            <a:ext cx="7985131" cy="3641355"/>
+          </a:xfrm>
+          <a:prstGeom prst="rect">
+            <a:avLst/>
+          </a:prstGeom>
+        </p:spPr>
+      </p:pic>
+      <p:sp>
+        <p:nvSpPr>
+          <p:cNvPr id="10" name="标题 5">
+            <a:extLst>
+              <a:ext uri="{FF2B5EF4-FFF2-40B4-BE49-F238E27FC236}">
+                <a16:creationId xmlns:a16="http://schemas.microsoft.com/office/drawing/2014/main" id="{35FD2E7B-E3AD-1713-1EAA-406F42076997}"/>
+              </a:ext>
+            </a:extLst>
+          </p:cNvPr>
           <p:cNvSpPr>
             <a:spLocks noGrp="1"/>
           </p:cNvSpPr>
@@ -6288,87 +7347,10 @@
           </a:p>
         </p:txBody>
       </p:sp>
-      <p:sp>
-        <p:nvSpPr>
-          <p:cNvPr id="12" name="文本框 11">
-            <a:extLst>
-              <a:ext uri="{FF2B5EF4-FFF2-40B4-BE49-F238E27FC236}">
-                <a16:creationId xmlns:a16="http://schemas.microsoft.com/office/drawing/2014/main" id="{46C0A91C-422F-4045-9155-5F96ADE7BC03}"/>
-              </a:ext>
-            </a:extLst>
-          </p:cNvPr>
-          <p:cNvSpPr txBox="1"/>
-          <p:nvPr/>
-        </p:nvSpPr>
-        <p:spPr>
-          <a:xfrm>
-            <a:off x="96064" y="841101"/>
-            <a:ext cx="8407846" cy="830997"/>
-          </a:xfrm>
-          <a:prstGeom prst="rect">
-            <a:avLst/>
-          </a:prstGeom>
-          <a:noFill/>
-        </p:spPr>
-        <p:txBody>
-          <a:bodyPr wrap="square" rtlCol="0">
-            <a:spAutoFit/>
-          </a:bodyPr>
-          <a:lstStyle/>
-          <a:p>
-            <a:r>
-              <a:rPr lang="zh-CN" altLang="en-US" sz="1200" b="1" dirty="0"/>
-              <a:t>项目进展：</a:t>
-            </a:r>
-            <a:endParaRPr lang="en-US" altLang="zh-CN" sz="1200" b="1" dirty="0"/>
-          </a:p>
-          <a:p>
-            <a:pPr marL="171450" indent="-171450">
-              <a:buFont typeface="Arial" panose="020B0604020202020204" pitchFamily="34" charset="0"/>
-              <a:buChar char="•"/>
-            </a:pPr>
-            <a:r>
-              <a:rPr lang="zh-CN" altLang="en-US" sz="1200" b="1" dirty="0"/>
-              <a:t>学习变压器原理，并学会使用</a:t>
-            </a:r>
-            <a:r>
-              <a:rPr lang="en-US" altLang="zh-CN" sz="1200" b="1" dirty="0"/>
-              <a:t>Transformer</a:t>
-            </a:r>
-            <a:r>
-              <a:rPr lang="zh-CN" altLang="en-US" sz="1200" b="1" dirty="0"/>
-              <a:t>进行阻抗匹配。</a:t>
-            </a:r>
-            <a:endParaRPr lang="en-US" altLang="zh-CN" sz="1200" b="1" dirty="0"/>
-          </a:p>
-          <a:p>
-            <a:endParaRPr lang="en-US" altLang="zh-CN" sz="1200" b="1" dirty="0"/>
-          </a:p>
-          <a:p>
-            <a:pPr marL="171450" indent="-171450">
-              <a:buFont typeface="Arial" panose="020B0604020202020204" pitchFamily="34" charset="0"/>
-              <a:buChar char="•"/>
-            </a:pPr>
-            <a:r>
-              <a:rPr lang="zh-CN" altLang="en-US" sz="1200" b="1" dirty="0"/>
-              <a:t>阅读进行宽带匹配的文章，学习传输线变压器及</a:t>
-            </a:r>
-            <a:r>
-              <a:rPr lang="en-US" altLang="zh-CN" sz="1200" b="1" dirty="0"/>
-              <a:t>Marchand Balun</a:t>
-            </a:r>
-            <a:r>
-              <a:rPr lang="zh-CN" altLang="en-US" sz="1200" b="1" dirty="0"/>
-              <a:t>的原理。</a:t>
-            </a:r>
-            <a:endParaRPr lang="en-US" altLang="zh-CN" sz="1200" b="1" dirty="0"/>
-          </a:p>
-        </p:txBody>
-      </p:sp>
     </p:spTree>
     <p:extLst>
       <p:ext uri="{BB962C8B-B14F-4D97-AF65-F5344CB8AC3E}">
-        <p14:creationId xmlns:p14="http://schemas.microsoft.com/office/powerpoint/2010/main" val="1720966132"/>
+        <p14:creationId xmlns:p14="http://schemas.microsoft.com/office/powerpoint/2010/main" val="1768462699"/>
       </p:ext>
     </p:extLst>
   </p:cSld>
@@ -6447,7 +7429,7 @@
         </p:nvSpPr>
         <p:spPr>
           <a:xfrm>
-            <a:off x="96064" y="841101"/>
+            <a:off x="179512" y="710999"/>
             <a:ext cx="8407846" cy="276999"/>
           </a:xfrm>
           <a:prstGeom prst="rect">
@@ -6511,10 +7493,10 @@
       </p:sp>
       <p:pic>
         <p:nvPicPr>
-          <p:cNvPr id="9" name="图片 8">
+          <p:cNvPr id="2" name="图片 1">
             <a:extLst>
               <a:ext uri="{FF2B5EF4-FFF2-40B4-BE49-F238E27FC236}">
-                <a16:creationId xmlns:a16="http://schemas.microsoft.com/office/drawing/2014/main" id="{ABBA4EFF-54AE-847F-397A-BC27AFFFC1F3}"/>
+                <a16:creationId xmlns:a16="http://schemas.microsoft.com/office/drawing/2014/main" id="{FB098313-47B5-B330-C31E-D41CD005CB90}"/>
               </a:ext>
             </a:extLst>
           </p:cNvPr>
@@ -6531,18 +7513,217 @@
         </p:blipFill>
         <p:spPr>
           <a:xfrm>
-            <a:off x="546341" y="1096881"/>
-            <a:ext cx="7985131" cy="3641355"/>
+            <a:off x="1" y="987998"/>
+            <a:ext cx="3059832" cy="1995200"/>
           </a:xfrm>
           <a:prstGeom prst="rect">
             <a:avLst/>
           </a:prstGeom>
         </p:spPr>
       </p:pic>
+      <p:pic>
+        <p:nvPicPr>
+          <p:cNvPr id="3" name="图片 2">
+            <a:extLst>
+              <a:ext uri="{FF2B5EF4-FFF2-40B4-BE49-F238E27FC236}">
+                <a16:creationId xmlns:a16="http://schemas.microsoft.com/office/drawing/2014/main" id="{556D6569-842E-F019-2932-F18D4FE4F41D}"/>
+              </a:ext>
+            </a:extLst>
+          </p:cNvPr>
+          <p:cNvPicPr>
+            <a:picLocks noChangeAspect="1"/>
+          </p:cNvPicPr>
+          <p:nvPr/>
+        </p:nvPicPr>
+        <p:blipFill rotWithShape="1">
+          <a:blip r:embed="rId5"/>
+          <a:srcRect l="8245"/>
+          <a:stretch/>
+        </p:blipFill>
+        <p:spPr>
+          <a:xfrm>
+            <a:off x="3243714" y="972887"/>
+            <a:ext cx="2984987" cy="2025422"/>
+          </a:xfrm>
+          <a:prstGeom prst="rect">
+            <a:avLst/>
+          </a:prstGeom>
+        </p:spPr>
+      </p:pic>
+      <p:pic>
+        <p:nvPicPr>
+          <p:cNvPr id="4" name="图片 3">
+            <a:extLst>
+              <a:ext uri="{FF2B5EF4-FFF2-40B4-BE49-F238E27FC236}">
+                <a16:creationId xmlns:a16="http://schemas.microsoft.com/office/drawing/2014/main" id="{31D0C105-027C-E159-32B2-8AF6E8F48FC7}"/>
+              </a:ext>
+            </a:extLst>
+          </p:cNvPr>
+          <p:cNvPicPr>
+            <a:picLocks noChangeAspect="1"/>
+          </p:cNvPicPr>
+          <p:nvPr/>
+        </p:nvPicPr>
+        <p:blipFill>
+          <a:blip r:embed="rId6"/>
+          <a:stretch>
+            <a:fillRect/>
+          </a:stretch>
+        </p:blipFill>
+        <p:spPr>
+          <a:xfrm>
+            <a:off x="6219636" y="1029608"/>
+            <a:ext cx="2875869" cy="1927526"/>
+          </a:xfrm>
+          <a:prstGeom prst="rect">
+            <a:avLst/>
+          </a:prstGeom>
+        </p:spPr>
+      </p:pic>
+      <p:pic>
+        <p:nvPicPr>
+          <p:cNvPr id="5" name="图片 4">
+            <a:extLst>
+              <a:ext uri="{FF2B5EF4-FFF2-40B4-BE49-F238E27FC236}">
+                <a16:creationId xmlns:a16="http://schemas.microsoft.com/office/drawing/2014/main" id="{9617DCF1-F1D6-BD4F-1223-B14475BB1E4B}"/>
+              </a:ext>
+            </a:extLst>
+          </p:cNvPr>
+          <p:cNvPicPr>
+            <a:picLocks noChangeAspect="1"/>
+          </p:cNvPicPr>
+          <p:nvPr/>
+        </p:nvPicPr>
+        <p:blipFill>
+          <a:blip r:embed="rId7"/>
+          <a:stretch>
+            <a:fillRect/>
+          </a:stretch>
+        </p:blipFill>
+        <p:spPr>
+          <a:xfrm>
+            <a:off x="2907271" y="3013815"/>
+            <a:ext cx="2952328" cy="1934815"/>
+          </a:xfrm>
+          <a:prstGeom prst="rect">
+            <a:avLst/>
+          </a:prstGeom>
+        </p:spPr>
+      </p:pic>
+      <p:pic>
+        <p:nvPicPr>
+          <p:cNvPr id="7" name="图片 6">
+            <a:extLst>
+              <a:ext uri="{FF2B5EF4-FFF2-40B4-BE49-F238E27FC236}">
+                <a16:creationId xmlns:a16="http://schemas.microsoft.com/office/drawing/2014/main" id="{5A22758C-EC8A-D12E-E51F-DE70DB7828AF}"/>
+              </a:ext>
+            </a:extLst>
+          </p:cNvPr>
+          <p:cNvPicPr>
+            <a:picLocks noChangeAspect="1"/>
+          </p:cNvPicPr>
+          <p:nvPr/>
+        </p:nvPicPr>
+        <p:blipFill>
+          <a:blip r:embed="rId8"/>
+          <a:stretch>
+            <a:fillRect/>
+          </a:stretch>
+        </p:blipFill>
+        <p:spPr>
+          <a:xfrm>
+            <a:off x="5987207" y="2983198"/>
+            <a:ext cx="2952328" cy="1970795"/>
+          </a:xfrm>
+          <a:prstGeom prst="rect">
+            <a:avLst/>
+          </a:prstGeom>
+        </p:spPr>
+      </p:pic>
+      <p:sp>
+        <p:nvSpPr>
+          <p:cNvPr id="8" name="文本框 7">
+            <a:extLst>
+              <a:ext uri="{FF2B5EF4-FFF2-40B4-BE49-F238E27FC236}">
+                <a16:creationId xmlns:a16="http://schemas.microsoft.com/office/drawing/2014/main" id="{3239B03F-9C7B-10EF-8ED0-8D4CB533EBAD}"/>
+              </a:ext>
+            </a:extLst>
+          </p:cNvPr>
+          <p:cNvSpPr txBox="1"/>
+          <p:nvPr/>
+        </p:nvSpPr>
+        <p:spPr>
+          <a:xfrm>
+            <a:off x="0" y="3523345"/>
+            <a:ext cx="2952328" cy="430887"/>
+          </a:xfrm>
+          <a:prstGeom prst="rect">
+            <a:avLst/>
+          </a:prstGeom>
+          <a:noFill/>
+        </p:spPr>
+        <p:txBody>
+          <a:bodyPr wrap="square" rtlCol="0">
+            <a:spAutoFit/>
+          </a:bodyPr>
+          <a:lstStyle/>
+          <a:p>
+            <a:r>
+              <a:rPr lang="zh-CN" altLang="en-US" sz="1100" b="1" dirty="0"/>
+              <a:t>参数扫描过程中控制</a:t>
+            </a:r>
+            <a:r>
+              <a:rPr lang="en-US" altLang="zh-CN" sz="1100" b="1" dirty="0">
+                <a:solidFill>
+                  <a:srgbClr val="FF0000"/>
+                </a:solidFill>
+              </a:rPr>
+              <a:t>I_I+I_Q=8mA</a:t>
+            </a:r>
+            <a:r>
+              <a:rPr lang="zh-CN" altLang="en-US" sz="1100" b="1" dirty="0"/>
+              <a:t>，将</a:t>
+            </a:r>
+            <a:r>
+              <a:rPr lang="en-US" altLang="zh-CN" sz="1100" b="1" dirty="0"/>
+              <a:t>I_I</a:t>
+            </a:r>
+            <a:r>
+              <a:rPr lang="zh-CN" altLang="en-US" sz="1100" b="1" dirty="0"/>
+              <a:t>从</a:t>
+            </a:r>
+            <a:r>
+              <a:rPr lang="en-US" altLang="zh-CN" sz="1100" b="1" dirty="0"/>
+              <a:t>0mA</a:t>
+            </a:r>
+            <a:r>
+              <a:rPr lang="zh-CN" altLang="en-US" sz="1100" b="1" dirty="0"/>
+              <a:t>扫描至</a:t>
+            </a:r>
+            <a:r>
+              <a:rPr lang="en-US" altLang="zh-CN" sz="1100" b="1" dirty="0"/>
+              <a:t>8mA</a:t>
+            </a:r>
+            <a:r>
+              <a:rPr lang="zh-CN" altLang="en-US" sz="1100" b="1" dirty="0"/>
+              <a:t>，每次扫描间隔为</a:t>
+            </a:r>
+            <a:r>
+              <a:rPr lang="en-US" altLang="zh-CN" sz="1100" b="1" dirty="0"/>
+              <a:t>0.1mA</a:t>
+            </a:r>
+            <a:r>
+              <a:rPr lang="zh-CN" altLang="en-US" sz="1100" b="1" dirty="0"/>
+              <a:t>。</a:t>
+            </a:r>
+            <a:endParaRPr lang="en-US" altLang="zh-CN" sz="1100" b="1" dirty="0"/>
+          </a:p>
+        </p:txBody>
+      </p:sp>
     </p:spTree>
     <p:extLst>
       <p:ext uri="{BB962C8B-B14F-4D97-AF65-F5344CB8AC3E}">
-        <p14:creationId xmlns:p14="http://schemas.microsoft.com/office/powerpoint/2010/main" val="1768462699"/>
+        <p14:creationId xmlns:p14="http://schemas.microsoft.com/office/powerpoint/2010/main" val="777872697"/>
       </p:ext>
     </p:extLst>
   </p:cSld>
@@ -6621,8 +7802,8 @@
         </p:nvSpPr>
         <p:spPr>
           <a:xfrm>
-            <a:off x="179512" y="710999"/>
-            <a:ext cx="8407846" cy="276999"/>
+            <a:off x="96064" y="841101"/>
+            <a:ext cx="8407846" cy="1200329"/>
           </a:xfrm>
           <a:prstGeom prst="rect">
             <a:avLst/>
@@ -6637,285 +7818,75 @@
           <a:p>
             <a:r>
               <a:rPr lang="zh-CN" altLang="en-US" sz="1200" b="1" dirty="0"/>
-              <a:t>正交信号生成电路</a:t>
+              <a:t>项目进展：</a:t>
+            </a:r>
+            <a:endParaRPr lang="en-US" altLang="zh-CN" sz="1200" b="1" dirty="0"/>
+          </a:p>
+          <a:p>
+            <a:pPr marL="171450" indent="-171450">
+              <a:buFont typeface="Arial" panose="020B0604020202020204" pitchFamily="34" charset="0"/>
+              <a:buChar char="•"/>
+            </a:pPr>
+            <a:r>
+              <a:rPr lang="zh-CN" altLang="en-US" sz="1200" b="1" dirty="0"/>
+              <a:t>学习变压器原理，并学会使用</a:t>
             </a:r>
             <a:r>
               <a:rPr lang="en-US" altLang="zh-CN" sz="1200" b="1" dirty="0"/>
-              <a:t>+</a:t>
+              <a:t>Transformer</a:t>
             </a:r>
             <a:r>
               <a:rPr lang="zh-CN" altLang="en-US" sz="1200" b="1" dirty="0"/>
-              <a:t>矢量合成电路功能复现：采用</a:t>
+              <a:t>进行阻抗匹配。</a:t>
+            </a:r>
+            <a:endParaRPr lang="en-US" altLang="zh-CN" sz="1200" b="1" dirty="0"/>
+          </a:p>
+          <a:p>
+            <a:endParaRPr lang="en-US" altLang="zh-CN" sz="1200" b="1" dirty="0"/>
+          </a:p>
+          <a:p>
+            <a:pPr marL="171450" indent="-171450">
+              <a:buFont typeface="Arial" panose="020B0604020202020204" pitchFamily="34" charset="0"/>
+              <a:buChar char="•"/>
+            </a:pPr>
+            <a:r>
+              <a:rPr lang="zh-CN" altLang="en-US" sz="1200" b="1" dirty="0"/>
+              <a:t>阅读进行宽带匹配的文章，学习传输线变压器及</a:t>
             </a:r>
             <a:r>
               <a:rPr lang="en-US" altLang="zh-CN" sz="1200" b="1" dirty="0"/>
-              <a:t>Type I</a:t>
+              <a:t>Marchand Balun</a:t>
             </a:r>
             <a:r>
               <a:rPr lang="zh-CN" altLang="en-US" sz="1200" b="1" dirty="0"/>
-              <a:t>型多相滤波器</a:t>
-            </a:r>
-            <a:r>
-              <a:rPr lang="en-US" altLang="zh-CN" sz="1200" b="1" dirty="0"/>
-              <a:t>——</a:t>
-            </a:r>
-            <a:r>
-              <a:rPr lang="zh-CN" altLang="en-US" sz="1200" b="1" dirty="0">
-                <a:solidFill>
-                  <a:srgbClr val="FF0000"/>
-                </a:solidFill>
-              </a:rPr>
-              <a:t>全频段相位精确相差</a:t>
-            </a:r>
-            <a:r>
-              <a:rPr lang="en-US" altLang="zh-CN" sz="1200" b="1" dirty="0">
-                <a:solidFill>
-                  <a:srgbClr val="FF0000"/>
-                </a:solidFill>
-              </a:rPr>
-              <a:t>90°</a:t>
-            </a:r>
+              <a:t>的原理。</a:t>
+            </a:r>
+            <a:endParaRPr lang="en-US" altLang="zh-CN" sz="1200" b="1" dirty="0"/>
+          </a:p>
+          <a:p>
+            <a:pPr marL="171450" indent="-171450">
+              <a:buFont typeface="Arial" panose="020B0604020202020204" pitchFamily="34" charset="0"/>
+              <a:buChar char="•"/>
+            </a:pPr>
+            <a:endParaRPr lang="en-US" altLang="zh-CN" sz="1200" b="1" dirty="0"/>
+          </a:p>
+          <a:p>
+            <a:pPr marL="171450" indent="-171450">
+              <a:buFont typeface="Arial" panose="020B0604020202020204" pitchFamily="34" charset="0"/>
+              <a:buChar char="•"/>
+            </a:pPr>
             <a:r>
               <a:rPr lang="zh-CN" altLang="en-US" sz="1200" b="1" dirty="0"/>
-              <a:t>。</a:t>
+              <a:t>利用变压器实现输入巴伦与输出巴伦设计，并实现输入与输出匹配。</a:t>
             </a:r>
             <a:endParaRPr lang="en-US" altLang="zh-CN" sz="1200" b="1" dirty="0"/>
-          </a:p>
-        </p:txBody>
-      </p:sp>
-      <p:pic>
-        <p:nvPicPr>
-          <p:cNvPr id="2" name="图片 1">
-            <a:extLst>
-              <a:ext uri="{FF2B5EF4-FFF2-40B4-BE49-F238E27FC236}">
-                <a16:creationId xmlns:a16="http://schemas.microsoft.com/office/drawing/2014/main" id="{FB098313-47B5-B330-C31E-D41CD005CB90}"/>
-              </a:ext>
-            </a:extLst>
-          </p:cNvPr>
-          <p:cNvPicPr>
-            <a:picLocks noChangeAspect="1"/>
-          </p:cNvPicPr>
-          <p:nvPr/>
-        </p:nvPicPr>
-        <p:blipFill>
-          <a:blip r:embed="rId4"/>
-          <a:stretch>
-            <a:fillRect/>
-          </a:stretch>
-        </p:blipFill>
-        <p:spPr>
-          <a:xfrm>
-            <a:off x="1" y="987998"/>
-            <a:ext cx="3059832" cy="1995200"/>
-          </a:xfrm>
-          <a:prstGeom prst="rect">
-            <a:avLst/>
-          </a:prstGeom>
-        </p:spPr>
-      </p:pic>
-      <p:pic>
-        <p:nvPicPr>
-          <p:cNvPr id="3" name="图片 2">
-            <a:extLst>
-              <a:ext uri="{FF2B5EF4-FFF2-40B4-BE49-F238E27FC236}">
-                <a16:creationId xmlns:a16="http://schemas.microsoft.com/office/drawing/2014/main" id="{556D6569-842E-F019-2932-F18D4FE4F41D}"/>
-              </a:ext>
-            </a:extLst>
-          </p:cNvPr>
-          <p:cNvPicPr>
-            <a:picLocks noChangeAspect="1"/>
-          </p:cNvPicPr>
-          <p:nvPr/>
-        </p:nvPicPr>
-        <p:blipFill rotWithShape="1">
-          <a:blip r:embed="rId5"/>
-          <a:srcRect l="8245"/>
-          <a:stretch/>
-        </p:blipFill>
-        <p:spPr>
-          <a:xfrm>
-            <a:off x="3243714" y="972887"/>
-            <a:ext cx="2984987" cy="2025422"/>
-          </a:xfrm>
-          <a:prstGeom prst="rect">
-            <a:avLst/>
-          </a:prstGeom>
-        </p:spPr>
-      </p:pic>
-      <p:pic>
-        <p:nvPicPr>
-          <p:cNvPr id="4" name="图片 3">
-            <a:extLst>
-              <a:ext uri="{FF2B5EF4-FFF2-40B4-BE49-F238E27FC236}">
-                <a16:creationId xmlns:a16="http://schemas.microsoft.com/office/drawing/2014/main" id="{31D0C105-027C-E159-32B2-8AF6E8F48FC7}"/>
-              </a:ext>
-            </a:extLst>
-          </p:cNvPr>
-          <p:cNvPicPr>
-            <a:picLocks noChangeAspect="1"/>
-          </p:cNvPicPr>
-          <p:nvPr/>
-        </p:nvPicPr>
-        <p:blipFill>
-          <a:blip r:embed="rId6"/>
-          <a:stretch>
-            <a:fillRect/>
-          </a:stretch>
-        </p:blipFill>
-        <p:spPr>
-          <a:xfrm>
-            <a:off x="6219636" y="1029608"/>
-            <a:ext cx="2875869" cy="1927526"/>
-          </a:xfrm>
-          <a:prstGeom prst="rect">
-            <a:avLst/>
-          </a:prstGeom>
-        </p:spPr>
-      </p:pic>
-      <p:pic>
-        <p:nvPicPr>
-          <p:cNvPr id="5" name="图片 4">
-            <a:extLst>
-              <a:ext uri="{FF2B5EF4-FFF2-40B4-BE49-F238E27FC236}">
-                <a16:creationId xmlns:a16="http://schemas.microsoft.com/office/drawing/2014/main" id="{9617DCF1-F1D6-BD4F-1223-B14475BB1E4B}"/>
-              </a:ext>
-            </a:extLst>
-          </p:cNvPr>
-          <p:cNvPicPr>
-            <a:picLocks noChangeAspect="1"/>
-          </p:cNvPicPr>
-          <p:nvPr/>
-        </p:nvPicPr>
-        <p:blipFill>
-          <a:blip r:embed="rId7"/>
-          <a:stretch>
-            <a:fillRect/>
-          </a:stretch>
-        </p:blipFill>
-        <p:spPr>
-          <a:xfrm>
-            <a:off x="2907271" y="3013815"/>
-            <a:ext cx="2952328" cy="1934815"/>
-          </a:xfrm>
-          <a:prstGeom prst="rect">
-            <a:avLst/>
-          </a:prstGeom>
-        </p:spPr>
-      </p:pic>
-      <p:pic>
-        <p:nvPicPr>
-          <p:cNvPr id="7" name="图片 6">
-            <a:extLst>
-              <a:ext uri="{FF2B5EF4-FFF2-40B4-BE49-F238E27FC236}">
-                <a16:creationId xmlns:a16="http://schemas.microsoft.com/office/drawing/2014/main" id="{5A22758C-EC8A-D12E-E51F-DE70DB7828AF}"/>
-              </a:ext>
-            </a:extLst>
-          </p:cNvPr>
-          <p:cNvPicPr>
-            <a:picLocks noChangeAspect="1"/>
-          </p:cNvPicPr>
-          <p:nvPr/>
-        </p:nvPicPr>
-        <p:blipFill>
-          <a:blip r:embed="rId8"/>
-          <a:stretch>
-            <a:fillRect/>
-          </a:stretch>
-        </p:blipFill>
-        <p:spPr>
-          <a:xfrm>
-            <a:off x="5987207" y="2983198"/>
-            <a:ext cx="2952328" cy="1970795"/>
-          </a:xfrm>
-          <a:prstGeom prst="rect">
-            <a:avLst/>
-          </a:prstGeom>
-        </p:spPr>
-      </p:pic>
-      <p:sp>
-        <p:nvSpPr>
-          <p:cNvPr id="8" name="文本框 7">
-            <a:extLst>
-              <a:ext uri="{FF2B5EF4-FFF2-40B4-BE49-F238E27FC236}">
-                <a16:creationId xmlns:a16="http://schemas.microsoft.com/office/drawing/2014/main" id="{3239B03F-9C7B-10EF-8ED0-8D4CB533EBAD}"/>
-              </a:ext>
-            </a:extLst>
-          </p:cNvPr>
-          <p:cNvSpPr txBox="1"/>
-          <p:nvPr/>
-        </p:nvSpPr>
-        <p:spPr>
-          <a:xfrm>
-            <a:off x="0" y="3523345"/>
-            <a:ext cx="2952328" cy="430887"/>
-          </a:xfrm>
-          <a:prstGeom prst="rect">
-            <a:avLst/>
-          </a:prstGeom>
-          <a:noFill/>
-        </p:spPr>
-        <p:txBody>
-          <a:bodyPr wrap="square" rtlCol="0">
-            <a:spAutoFit/>
-          </a:bodyPr>
-          <a:lstStyle/>
-          <a:p>
-            <a:r>
-              <a:rPr lang="zh-CN" altLang="en-US" sz="1100" b="1" dirty="0"/>
-              <a:t>参数扫描过程中控制</a:t>
-            </a:r>
-            <a:r>
-              <a:rPr lang="en-US" altLang="zh-CN" sz="1100" b="1" dirty="0">
-                <a:solidFill>
-                  <a:srgbClr val="FF0000"/>
-                </a:solidFill>
-              </a:rPr>
-              <a:t>I_I+I_Q=8mA</a:t>
-            </a:r>
-            <a:r>
-              <a:rPr lang="zh-CN" altLang="en-US" sz="1100" b="1" dirty="0"/>
-              <a:t>，将</a:t>
-            </a:r>
-            <a:r>
-              <a:rPr lang="en-US" altLang="zh-CN" sz="1100" b="1" dirty="0"/>
-              <a:t>I_I</a:t>
-            </a:r>
-            <a:r>
-              <a:rPr lang="zh-CN" altLang="en-US" sz="1100" b="1" dirty="0"/>
-              <a:t>从</a:t>
-            </a:r>
-            <a:r>
-              <a:rPr lang="en-US" altLang="zh-CN" sz="1100" b="1" dirty="0"/>
-              <a:t>0mA</a:t>
-            </a:r>
-            <a:r>
-              <a:rPr lang="zh-CN" altLang="en-US" sz="1100" b="1" dirty="0"/>
-              <a:t>扫描至</a:t>
-            </a:r>
-            <a:r>
-              <a:rPr lang="en-US" altLang="zh-CN" sz="1100" b="1" dirty="0"/>
-              <a:t>8mA</a:t>
-            </a:r>
-            <a:r>
-              <a:rPr lang="zh-CN" altLang="en-US" sz="1100" b="1" dirty="0"/>
-              <a:t>，每次扫描间隔为</a:t>
-            </a:r>
-            <a:r>
-              <a:rPr lang="en-US" altLang="zh-CN" sz="1100" b="1" dirty="0"/>
-              <a:t>0.1mA</a:t>
-            </a:r>
-            <a:r>
-              <a:rPr lang="zh-CN" altLang="en-US" sz="1100" b="1" dirty="0"/>
-              <a:t>。</a:t>
-            </a:r>
-            <a:endParaRPr lang="en-US" altLang="zh-CN" sz="1100" b="1" dirty="0"/>
           </a:p>
         </p:txBody>
       </p:sp>
     </p:spTree>
     <p:extLst>
       <p:ext uri="{BB962C8B-B14F-4D97-AF65-F5344CB8AC3E}">
-        <p14:creationId xmlns:p14="http://schemas.microsoft.com/office/powerpoint/2010/main" val="777872697"/>
+        <p14:creationId xmlns:p14="http://schemas.microsoft.com/office/powerpoint/2010/main" val="1720966132"/>
       </p:ext>
     </p:extLst>
   </p:cSld>
@@ -6994,8 +7965,8 @@
         </p:nvSpPr>
         <p:spPr>
           <a:xfrm>
-            <a:off x="0" y="789686"/>
-            <a:ext cx="8407846" cy="276999"/>
+            <a:off x="96064" y="841101"/>
+            <a:ext cx="7788304" cy="276999"/>
           </a:xfrm>
           <a:prstGeom prst="rect">
             <a:avLst/>
@@ -7010,23 +7981,19 @@
           <a:p>
             <a:r>
               <a:rPr lang="zh-CN" altLang="en-US" sz="1200" b="1" dirty="0"/>
-              <a:t>当前研究问题：</a:t>
-            </a:r>
-            <a:r>
-              <a:rPr lang="en-US" altLang="zh-CN" sz="1200" b="1" dirty="0"/>
-              <a:t>Type I</a:t>
+              <a:t>变压器原理：利用磁耦合原理实现能量和信号传输的多端电路器件。主要的功能有</a:t>
+            </a:r>
+            <a:r>
+              <a:rPr lang="zh-CN" altLang="en-US" sz="1200" b="1" dirty="0">
+                <a:solidFill>
+                  <a:srgbClr val="FF0000"/>
+                </a:solidFill>
+              </a:rPr>
+              <a:t>变换电压、电流与变换阻抗</a:t>
             </a:r>
             <a:r>
               <a:rPr lang="zh-CN" altLang="en-US" sz="1200" b="1" dirty="0"/>
-              <a:t>型</a:t>
-            </a:r>
-            <a:r>
-              <a:rPr lang="en-US" altLang="zh-CN" sz="1200" b="1" dirty="0"/>
-              <a:t>2</a:t>
-            </a:r>
-            <a:r>
-              <a:rPr lang="zh-CN" altLang="en-US" sz="1200" b="1" dirty="0"/>
-              <a:t>阶多相滤波器与矢量合成单元级联后，差分输入与差分输出端没有进行匹配。</a:t>
+              <a:t>。</a:t>
             </a:r>
             <a:endParaRPr lang="en-US" altLang="zh-CN" sz="1200" b="1" dirty="0"/>
           </a:p>
@@ -7034,10 +8001,10 @@
       </p:sp>
       <p:pic>
         <p:nvPicPr>
-          <p:cNvPr id="10" name="图片 9">
+          <p:cNvPr id="4" name="图片 3">
             <a:extLst>
               <a:ext uri="{FF2B5EF4-FFF2-40B4-BE49-F238E27FC236}">
-                <a16:creationId xmlns:a16="http://schemas.microsoft.com/office/drawing/2014/main" id="{52FE7BB9-B9E6-43C9-9D3E-1444D47F1DB5}"/>
+                <a16:creationId xmlns:a16="http://schemas.microsoft.com/office/drawing/2014/main" id="{F789A813-B956-0CA4-DBEC-01A3C1734DB4}"/>
               </a:ext>
             </a:extLst>
           </p:cNvPr>
@@ -7054,20 +8021,71 @@
         </p:blipFill>
         <p:spPr>
           <a:xfrm>
-            <a:off x="6444207" y="1167086"/>
-            <a:ext cx="2511881" cy="1646167"/>
+            <a:off x="6084168" y="1158849"/>
+            <a:ext cx="2665422" cy="1656184"/>
           </a:xfrm>
           <a:prstGeom prst="rect">
             <a:avLst/>
           </a:prstGeom>
         </p:spPr>
       </p:pic>
+      <p:sp>
+        <p:nvSpPr>
+          <p:cNvPr id="5" name="文本框 4">
+            <a:extLst>
+              <a:ext uri="{FF2B5EF4-FFF2-40B4-BE49-F238E27FC236}">
+                <a16:creationId xmlns:a16="http://schemas.microsoft.com/office/drawing/2014/main" id="{5800ED52-0EA6-686C-AF72-7E72A849BEB9}"/>
+              </a:ext>
+            </a:extLst>
+          </p:cNvPr>
+          <p:cNvSpPr txBox="1"/>
+          <p:nvPr/>
+        </p:nvSpPr>
+        <p:spPr>
+          <a:xfrm>
+            <a:off x="245801" y="1203598"/>
+            <a:ext cx="5628064" cy="461665"/>
+          </a:xfrm>
+          <a:prstGeom prst="rect">
+            <a:avLst/>
+          </a:prstGeom>
+          <a:noFill/>
+        </p:spPr>
+        <p:txBody>
+          <a:bodyPr wrap="square" rtlCol="0">
+            <a:spAutoFit/>
+          </a:bodyPr>
+          <a:lstStyle/>
+          <a:p>
+            <a:r>
+              <a:rPr lang="zh-CN" altLang="en-US" sz="1200" b="1" dirty="0"/>
+              <a:t>互感：</a:t>
+            </a:r>
+            <a:r>
+              <a:rPr lang="zh-CN" altLang="en-US" sz="1200" dirty="0"/>
+              <a:t>每当交流电流流过初级线圈时，次级线圈将在磁场的作用下感应出电压。</a:t>
+            </a:r>
+            <a:endParaRPr lang="en-US" altLang="zh-CN" sz="1200" dirty="0"/>
+          </a:p>
+          <a:p>
+            <a:r>
+              <a:rPr lang="zh-CN" altLang="en-US" sz="1200" b="1" dirty="0"/>
+              <a:t>自感：</a:t>
+            </a:r>
+            <a:r>
+              <a:rPr lang="zh-CN" altLang="en-US" sz="1200" dirty="0"/>
+              <a:t>当流过线圈自身的电流发生变化时，线圈本身也会产生出感应电动势。</a:t>
+            </a:r>
+            <a:endParaRPr lang="en-US" altLang="zh-CN" sz="1200" b="1" dirty="0"/>
+          </a:p>
+        </p:txBody>
+      </p:sp>
       <p:pic>
         <p:nvPicPr>
-          <p:cNvPr id="11" name="图片 10">
+          <p:cNvPr id="7" name="图片 6">
             <a:extLst>
               <a:ext uri="{FF2B5EF4-FFF2-40B4-BE49-F238E27FC236}">
-                <a16:creationId xmlns:a16="http://schemas.microsoft.com/office/drawing/2014/main" id="{1733E3DD-A8C6-49FA-A3E3-A1E8D349524A}"/>
+                <a16:creationId xmlns:a16="http://schemas.microsoft.com/office/drawing/2014/main" id="{B0AB74A3-C79F-DC54-FC11-B6DCA65B3AD7}"/>
               </a:ext>
             </a:extLst>
           </p:cNvPr>
@@ -7084,72 +8102,20 @@
         </p:blipFill>
         <p:spPr>
           <a:xfrm>
-            <a:off x="6444208" y="2931790"/>
-            <a:ext cx="2511881" cy="1676779"/>
+            <a:off x="1547664" y="1751854"/>
+            <a:ext cx="657317" cy="685896"/>
           </a:xfrm>
           <a:prstGeom prst="rect">
             <a:avLst/>
           </a:prstGeom>
         </p:spPr>
       </p:pic>
-      <p:sp>
-        <p:nvSpPr>
-          <p:cNvPr id="13" name="文本框 12">
+      <p:pic>
+        <p:nvPicPr>
+          <p:cNvPr id="8" name="图片 7">
             <a:extLst>
               <a:ext uri="{FF2B5EF4-FFF2-40B4-BE49-F238E27FC236}">
-                <a16:creationId xmlns:a16="http://schemas.microsoft.com/office/drawing/2014/main" id="{5A5EA490-2BA3-4B07-8597-04E93AA3C14E}"/>
-              </a:ext>
-            </a:extLst>
-          </p:cNvPr>
-          <p:cNvSpPr txBox="1"/>
-          <p:nvPr/>
-        </p:nvSpPr>
-        <p:spPr>
-          <a:xfrm>
-            <a:off x="0" y="1162532"/>
-            <a:ext cx="6300192" cy="276999"/>
-          </a:xfrm>
-          <a:prstGeom prst="rect">
-            <a:avLst/>
-          </a:prstGeom>
-          <a:noFill/>
-        </p:spPr>
-        <p:txBody>
-          <a:bodyPr wrap="square" rtlCol="0">
-            <a:spAutoFit/>
-          </a:bodyPr>
-          <a:lstStyle/>
-          <a:p>
-            <a:r>
-              <a:rPr lang="zh-CN" altLang="en-US" sz="1200" b="1" dirty="0"/>
-              <a:t>输入宽带巴伦：</a:t>
-            </a:r>
-            <a:r>
-              <a:rPr lang="en-US" altLang="zh-CN" sz="1200" b="1" dirty="0"/>
-              <a:t>Marchand Balun——</a:t>
-            </a:r>
-            <a:r>
-              <a:rPr lang="zh-CN" altLang="en-US" sz="1200" b="1" dirty="0">
-                <a:solidFill>
-                  <a:srgbClr val="FF0000"/>
-                </a:solidFill>
-              </a:rPr>
-              <a:t>实现匹配的同时，进行单端转差分</a:t>
-            </a:r>
-            <a:endParaRPr lang="en-US" altLang="zh-CN" sz="1200" b="1" dirty="0">
-              <a:solidFill>
-                <a:srgbClr val="FF0000"/>
-              </a:solidFill>
-            </a:endParaRPr>
-          </a:p>
-        </p:txBody>
-      </p:sp>
-      <p:pic>
-        <p:nvPicPr>
-          <p:cNvPr id="9" name="图片 8">
-            <a:extLst>
-              <a:ext uri="{FF2B5EF4-FFF2-40B4-BE49-F238E27FC236}">
-                <a16:creationId xmlns:a16="http://schemas.microsoft.com/office/drawing/2014/main" id="{CD44F504-8621-46A9-816D-783B593622DC}"/>
+                <a16:creationId xmlns:a16="http://schemas.microsoft.com/office/drawing/2014/main" id="{9C7CDF59-EE99-ACC1-5888-68C4F2084EF5}"/>
               </a:ext>
             </a:extLst>
           </p:cNvPr>
@@ -7166,8 +8132,8 @@
         </p:blipFill>
         <p:spPr>
           <a:xfrm>
-            <a:off x="2195736" y="1455538"/>
-            <a:ext cx="3006826" cy="1178968"/>
+            <a:off x="4056865" y="1742328"/>
+            <a:ext cx="695422" cy="695422"/>
           </a:xfrm>
           <a:prstGeom prst="rect">
             <a:avLst/>
@@ -7176,10 +8142,10 @@
       </p:pic>
       <p:sp>
         <p:nvSpPr>
-          <p:cNvPr id="14" name="文本框 13">
+          <p:cNvPr id="10" name="文本框 9">
             <a:extLst>
               <a:ext uri="{FF2B5EF4-FFF2-40B4-BE49-F238E27FC236}">
-                <a16:creationId xmlns:a16="http://schemas.microsoft.com/office/drawing/2014/main" id="{B7C78972-4B2D-4FE0-A3BA-D63F8CB52239}"/>
+                <a16:creationId xmlns:a16="http://schemas.microsoft.com/office/drawing/2014/main" id="{9B03F0A4-6B5F-3798-F426-9078AED3E22E}"/>
               </a:ext>
             </a:extLst>
           </p:cNvPr>
@@ -7188,8 +8154,8 @@
         </p:nvSpPr>
         <p:spPr>
           <a:xfrm>
-            <a:off x="0" y="2620881"/>
-            <a:ext cx="4887333" cy="276999"/>
+            <a:off x="386249" y="1940913"/>
+            <a:ext cx="1161415" cy="307777"/>
           </a:xfrm>
           <a:prstGeom prst="rect">
             <a:avLst/>
@@ -7197,45 +8163,61 @@
           <a:noFill/>
         </p:spPr>
         <p:txBody>
-          <a:bodyPr wrap="square" rtlCol="0">
+          <a:bodyPr wrap="square">
             <a:spAutoFit/>
           </a:bodyPr>
           <a:lstStyle/>
           <a:p>
             <a:r>
-              <a:rPr lang="zh-CN" altLang="en-US" sz="1200" b="1" dirty="0"/>
-              <a:t>输出巴伦：由两个</a:t>
-            </a:r>
-            <a:r>
-              <a:rPr lang="en-US" altLang="zh-CN" sz="1200" b="1" dirty="0"/>
-              <a:t>NMOS</a:t>
-            </a:r>
-            <a:r>
-              <a:rPr lang="zh-CN" altLang="en-US" sz="1200" b="1" dirty="0"/>
-              <a:t>构成</a:t>
-            </a:r>
-            <a:r>
-              <a:rPr lang="en-US" altLang="zh-CN" sz="1200" b="1" dirty="0"/>
-              <a:t>——</a:t>
-            </a:r>
-            <a:r>
-              <a:rPr lang="zh-CN" altLang="en-US" sz="1200" b="1" dirty="0">
-                <a:solidFill>
-                  <a:srgbClr val="FF0000"/>
-                </a:solidFill>
-              </a:rPr>
-              <a:t>实现匹配的同时，进行差分转单端</a:t>
-            </a:r>
-            <a:endParaRPr lang="en-US" altLang="zh-CN" sz="1200" b="1" dirty="0"/>
+              <a:rPr lang="zh-CN" altLang="en-US" sz="1400" b="1" dirty="0"/>
+              <a:t>自感电动势</a:t>
+            </a:r>
+            <a:endParaRPr lang="zh-CN" altLang="en-US" sz="1400" dirty="0"/>
+          </a:p>
+        </p:txBody>
+      </p:sp>
+      <p:sp>
+        <p:nvSpPr>
+          <p:cNvPr id="11" name="文本框 10">
+            <a:extLst>
+              <a:ext uri="{FF2B5EF4-FFF2-40B4-BE49-F238E27FC236}">
+                <a16:creationId xmlns:a16="http://schemas.microsoft.com/office/drawing/2014/main" id="{857DE547-5EC8-CE6C-E277-495B2F841973}"/>
+              </a:ext>
+            </a:extLst>
+          </p:cNvPr>
+          <p:cNvSpPr txBox="1"/>
+          <p:nvPr/>
+        </p:nvSpPr>
+        <p:spPr>
+          <a:xfrm>
+            <a:off x="2954413" y="1957776"/>
+            <a:ext cx="1161415" cy="307777"/>
+          </a:xfrm>
+          <a:prstGeom prst="rect">
+            <a:avLst/>
+          </a:prstGeom>
+          <a:noFill/>
+        </p:spPr>
+        <p:txBody>
+          <a:bodyPr wrap="square">
+            <a:spAutoFit/>
+          </a:bodyPr>
+          <a:lstStyle/>
+          <a:p>
+            <a:r>
+              <a:rPr lang="zh-CN" altLang="en-US" sz="1400" b="1" dirty="0"/>
+              <a:t>互感电动势</a:t>
+            </a:r>
+            <a:endParaRPr lang="zh-CN" altLang="en-US" sz="1400" dirty="0"/>
           </a:p>
         </p:txBody>
       </p:sp>
       <p:pic>
         <p:nvPicPr>
-          <p:cNvPr id="15" name="图片 14">
+          <p:cNvPr id="13" name="图片 12">
             <a:extLst>
               <a:ext uri="{FF2B5EF4-FFF2-40B4-BE49-F238E27FC236}">
-                <a16:creationId xmlns:a16="http://schemas.microsoft.com/office/drawing/2014/main" id="{9F53CAEC-098A-4F48-9D47-64C22D2F8649}"/>
+                <a16:creationId xmlns:a16="http://schemas.microsoft.com/office/drawing/2014/main" id="{A7FF1124-A65E-40C1-B586-2D68EDED25B5}"/>
               </a:ext>
             </a:extLst>
           </p:cNvPr>
@@ -7252,50 +8234,20 @@
         </p:blipFill>
         <p:spPr>
           <a:xfrm>
-            <a:off x="4829353" y="2276865"/>
-            <a:ext cx="1034447" cy="1242029"/>
+            <a:off x="1016796" y="2999311"/>
+            <a:ext cx="2054870" cy="1303088"/>
           </a:xfrm>
           <a:prstGeom prst="rect">
             <a:avLst/>
           </a:prstGeom>
         </p:spPr>
       </p:pic>
-      <p:pic>
-        <p:nvPicPr>
-          <p:cNvPr id="16" name="图片 15">
+      <p:sp>
+        <p:nvSpPr>
+          <p:cNvPr id="16" name="箭头: 右 15">
             <a:extLst>
               <a:ext uri="{FF2B5EF4-FFF2-40B4-BE49-F238E27FC236}">
-                <a16:creationId xmlns:a16="http://schemas.microsoft.com/office/drawing/2014/main" id="{DD97FE36-3B9B-4BE0-9C56-F141922FBC50}"/>
-              </a:ext>
-            </a:extLst>
-          </p:cNvPr>
-          <p:cNvPicPr>
-            <a:picLocks noChangeAspect="1"/>
-          </p:cNvPicPr>
-          <p:nvPr/>
-        </p:nvPicPr>
-        <p:blipFill>
-          <a:blip r:embed="rId8"/>
-          <a:stretch>
-            <a:fillRect/>
-          </a:stretch>
-        </p:blipFill>
-        <p:spPr>
-          <a:xfrm>
-            <a:off x="99153" y="3573745"/>
-            <a:ext cx="6300191" cy="1404230"/>
-          </a:xfrm>
-          <a:prstGeom prst="rect">
-            <a:avLst/>
-          </a:prstGeom>
-        </p:spPr>
-      </p:pic>
-      <p:sp>
-        <p:nvSpPr>
-          <p:cNvPr id="17" name="椭圆 16">
-            <a:extLst>
-              <a:ext uri="{FF2B5EF4-FFF2-40B4-BE49-F238E27FC236}">
-                <a16:creationId xmlns:a16="http://schemas.microsoft.com/office/drawing/2014/main" id="{8F9FCB44-463D-46A6-B884-7E3BEA9676A1}"/>
+                <a16:creationId xmlns:a16="http://schemas.microsoft.com/office/drawing/2014/main" id="{90C564E6-64CF-EF10-2824-B4031AC308B2}"/>
               </a:ext>
             </a:extLst>
           </p:cNvPr>
@@ -7304,23 +8256,17 @@
         </p:nvSpPr>
         <p:spPr>
           <a:xfrm>
-            <a:off x="3851920" y="3518894"/>
-            <a:ext cx="504056" cy="958174"/>
-          </a:xfrm>
-          <a:prstGeom prst="ellipse">
-            <a:avLst/>
-          </a:prstGeom>
-          <a:noFill/>
-          <a:ln>
-            <a:solidFill>
-              <a:srgbClr val="FF0000"/>
-            </a:solidFill>
-          </a:ln>
+            <a:off x="3457600" y="3496966"/>
+            <a:ext cx="1080120" cy="307777"/>
+          </a:xfrm>
+          <a:prstGeom prst="rightArrow">
+            <a:avLst/>
+          </a:prstGeom>
         </p:spPr>
         <p:style>
           <a:lnRef idx="2">
             <a:schemeClr val="accent1">
-              <a:shade val="50000"/>
+              <a:shade val="15000"/>
             </a:schemeClr>
           </a:lnRef>
           <a:fillRef idx="1">
@@ -7342,54 +8288,10 @@
           </a:p>
         </p:txBody>
       </p:sp>
-      <p:cxnSp>
-        <p:nvCxnSpPr>
-          <p:cNvPr id="19" name="直接箭头连接符 18">
-            <a:extLst>
-              <a:ext uri="{FF2B5EF4-FFF2-40B4-BE49-F238E27FC236}">
-                <a16:creationId xmlns:a16="http://schemas.microsoft.com/office/drawing/2014/main" id="{5D8965EC-F251-434C-B2FB-E217E44254D2}"/>
-              </a:ext>
-            </a:extLst>
-          </p:cNvPr>
-          <p:cNvCxnSpPr>
-            <a:stCxn id="17" idx="0"/>
-          </p:cNvCxnSpPr>
-          <p:nvPr/>
-        </p:nvCxnSpPr>
-        <p:spPr>
-          <a:xfrm flipV="1">
-            <a:off x="4103948" y="3003798"/>
-            <a:ext cx="783385" cy="515096"/>
-          </a:xfrm>
-          <a:prstGeom prst="straightConnector1">
-            <a:avLst/>
-          </a:prstGeom>
-          <a:ln w="19050">
-            <a:solidFill>
-              <a:srgbClr val="FF0000"/>
-            </a:solidFill>
-            <a:tailEnd type="triangle"/>
-          </a:ln>
-        </p:spPr>
-        <p:style>
-          <a:lnRef idx="1">
-            <a:schemeClr val="accent1"/>
-          </a:lnRef>
-          <a:fillRef idx="0">
-            <a:schemeClr val="accent1"/>
-          </a:fillRef>
-          <a:effectRef idx="0">
-            <a:schemeClr val="accent1"/>
-          </a:effectRef>
-          <a:fontRef idx="minor">
-            <a:schemeClr val="tx1"/>
-          </a:fontRef>
-        </p:style>
-      </p:cxnSp>
     </p:spTree>
     <p:extLst>
       <p:ext uri="{BB962C8B-B14F-4D97-AF65-F5344CB8AC3E}">
-        <p14:creationId xmlns:p14="http://schemas.microsoft.com/office/powerpoint/2010/main" val="4058568381"/>
+        <p14:creationId xmlns:p14="http://schemas.microsoft.com/office/powerpoint/2010/main" val="1903889531"/>
       </p:ext>
     </p:extLst>
   </p:cSld>
@@ -7468,8 +8370,8 @@
         </p:nvSpPr>
         <p:spPr>
           <a:xfrm>
-            <a:off x="0" y="750130"/>
-            <a:ext cx="8407846" cy="276999"/>
+            <a:off x="215033" y="823311"/>
+            <a:ext cx="7788304" cy="276999"/>
           </a:xfrm>
           <a:prstGeom prst="rect">
             <a:avLst/>
@@ -7484,7 +8386,7 @@
           <a:p>
             <a:r>
               <a:rPr lang="zh-CN" altLang="en-US" sz="1200" b="1" dirty="0"/>
-              <a:t>学习巴伦原理与传输线巴伦的设计方法</a:t>
+              <a:t>变压器实现阻抗匹配</a:t>
             </a:r>
             <a:endParaRPr lang="en-US" altLang="zh-CN" sz="1200" b="1" dirty="0"/>
           </a:p>
@@ -7495,7 +8397,7 @@
           <p:cNvPr id="2" name="图片 1">
             <a:extLst>
               <a:ext uri="{FF2B5EF4-FFF2-40B4-BE49-F238E27FC236}">
-                <a16:creationId xmlns:a16="http://schemas.microsoft.com/office/drawing/2014/main" id="{911D9E8B-0445-48B5-8B8F-8171733A477B}"/>
+                <a16:creationId xmlns:a16="http://schemas.microsoft.com/office/drawing/2014/main" id="{3DF38DCD-E776-595F-2706-FE34CFF92109}"/>
               </a:ext>
             </a:extLst>
           </p:cNvPr>
@@ -7512,20 +8414,1144 @@
         </p:blipFill>
         <p:spPr>
           <a:xfrm>
-            <a:off x="3563888" y="336295"/>
-            <a:ext cx="5040180" cy="1751632"/>
+            <a:off x="251520" y="1419622"/>
+            <a:ext cx="4541491" cy="1871645"/>
           </a:xfrm>
           <a:prstGeom prst="rect">
             <a:avLst/>
           </a:prstGeom>
         </p:spPr>
       </p:pic>
-      <p:sp>
-        <p:nvSpPr>
-          <p:cNvPr id="3" name="矩形: 圆角 2">
+      <mc:AlternateContent xmlns:mc="http://schemas.openxmlformats.org/markup-compatibility/2006">
+        <mc:Choice xmlns:a14="http://schemas.microsoft.com/office/drawing/2010/main" Requires="a14">
+          <p:sp>
+            <p:nvSpPr>
+              <p:cNvPr id="3" name="文本框 2">
+                <a:extLst>
+                  <a:ext uri="{FF2B5EF4-FFF2-40B4-BE49-F238E27FC236}">
+                    <a16:creationId xmlns:a16="http://schemas.microsoft.com/office/drawing/2014/main" id="{51CAF15E-E68B-003F-B42F-0B701E7C7060}"/>
+                  </a:ext>
+                </a:extLst>
+              </p:cNvPr>
+              <p:cNvSpPr txBox="1"/>
+              <p:nvPr/>
+            </p:nvSpPr>
+            <p:spPr>
+              <a:xfrm>
+                <a:off x="5076056" y="1281122"/>
+                <a:ext cx="2520280" cy="276999"/>
+              </a:xfrm>
+              <a:prstGeom prst="rect">
+                <a:avLst/>
+              </a:prstGeom>
+              <a:noFill/>
+            </p:spPr>
+            <p:txBody>
+              <a:bodyPr wrap="square" rtlCol="0">
+                <a:spAutoFit/>
+              </a:bodyPr>
+              <a:lstStyle/>
+              <a:p>
+                <a:r>
+                  <a:rPr lang="zh-CN" altLang="en-US" sz="1200" b="1" dirty="0"/>
+                  <a:t>原边阻抗为：</a:t>
+                </a:r>
+                <a14:m>
+                  <m:oMath xmlns:m="http://schemas.openxmlformats.org/officeDocument/2006/math">
+                    <m:sSub>
+                      <m:sSubPr>
+                        <m:ctrlPr>
+                          <a:rPr lang="en-US" altLang="zh-CN" sz="1200" b="1" i="1" smtClean="0">
+                            <a:latin typeface="Cambria Math" panose="02040503050406030204" pitchFamily="18" charset="0"/>
+                          </a:rPr>
+                        </m:ctrlPr>
+                      </m:sSubPr>
+                      <m:e>
+                        <m:r>
+                          <a:rPr lang="en-US" altLang="zh-CN" sz="1200" b="1" i="1" smtClean="0">
+                            <a:latin typeface="Cambria Math" panose="02040503050406030204" pitchFamily="18" charset="0"/>
+                          </a:rPr>
+                          <m:t>𝒁</m:t>
+                        </m:r>
+                      </m:e>
+                      <m:sub>
+                        <m:r>
+                          <a:rPr lang="en-US" altLang="zh-CN" sz="1200" b="1" i="1" smtClean="0">
+                            <a:latin typeface="Cambria Math" panose="02040503050406030204" pitchFamily="18" charset="0"/>
+                          </a:rPr>
+                          <m:t>𝟏𝟏</m:t>
+                        </m:r>
+                      </m:sub>
+                    </m:sSub>
+                    <m:r>
+                      <a:rPr lang="en-US" altLang="zh-CN" sz="1200" b="1" i="1" smtClean="0">
+                        <a:latin typeface="Cambria Math" panose="02040503050406030204" pitchFamily="18" charset="0"/>
+                      </a:rPr>
+                      <m:t>=</m:t>
+                    </m:r>
+                    <m:sSub>
+                      <m:sSubPr>
+                        <m:ctrlPr>
+                          <a:rPr lang="en-US" altLang="zh-CN" sz="1200" b="1" i="1">
+                            <a:latin typeface="Cambria Math" panose="02040503050406030204" pitchFamily="18" charset="0"/>
+                          </a:rPr>
+                        </m:ctrlPr>
+                      </m:sSubPr>
+                      <m:e>
+                        <m:r>
+                          <a:rPr lang="en-US" altLang="zh-CN" sz="1200" b="1" i="1" smtClean="0">
+                            <a:latin typeface="Cambria Math" panose="02040503050406030204" pitchFamily="18" charset="0"/>
+                          </a:rPr>
+                          <m:t>𝑹</m:t>
+                        </m:r>
+                      </m:e>
+                      <m:sub>
+                        <m:r>
+                          <a:rPr lang="en-US" altLang="zh-CN" sz="1200" b="1" i="1">
+                            <a:latin typeface="Cambria Math" panose="02040503050406030204" pitchFamily="18" charset="0"/>
+                          </a:rPr>
+                          <m:t>𝟏</m:t>
+                        </m:r>
+                      </m:sub>
+                    </m:sSub>
+                    <m:r>
+                      <a:rPr lang="en-US" altLang="zh-CN" sz="1200" b="1" i="1" smtClean="0">
+                        <a:latin typeface="Cambria Math" panose="02040503050406030204" pitchFamily="18" charset="0"/>
+                      </a:rPr>
+                      <m:t>+</m:t>
+                    </m:r>
+                    <m:r>
+                      <a:rPr lang="en-US" altLang="zh-CN" sz="1200" b="1" i="1" smtClean="0">
+                        <a:latin typeface="Cambria Math" panose="02040503050406030204" pitchFamily="18" charset="0"/>
+                      </a:rPr>
+                      <m:t>𝒋</m:t>
+                    </m:r>
+                    <m:r>
+                      <a:rPr lang="zh-CN" altLang="en-US" sz="1200" b="1" i="1" smtClean="0">
+                        <a:latin typeface="Cambria Math" panose="02040503050406030204" pitchFamily="18" charset="0"/>
+                      </a:rPr>
+                      <m:t>𝝎</m:t>
+                    </m:r>
+                    <m:sSub>
+                      <m:sSubPr>
+                        <m:ctrlPr>
+                          <a:rPr lang="en-US" altLang="zh-CN" sz="1200" b="1" i="1">
+                            <a:latin typeface="Cambria Math" panose="02040503050406030204" pitchFamily="18" charset="0"/>
+                          </a:rPr>
+                        </m:ctrlPr>
+                      </m:sSubPr>
+                      <m:e>
+                        <m:r>
+                          <a:rPr lang="en-US" altLang="zh-CN" sz="1200" b="1" i="1" smtClean="0">
+                            <a:latin typeface="Cambria Math" panose="02040503050406030204" pitchFamily="18" charset="0"/>
+                          </a:rPr>
+                          <m:t>𝑳</m:t>
+                        </m:r>
+                      </m:e>
+                      <m:sub>
+                        <m:r>
+                          <a:rPr lang="en-US" altLang="zh-CN" sz="1200" b="1" i="1">
+                            <a:latin typeface="Cambria Math" panose="02040503050406030204" pitchFamily="18" charset="0"/>
+                          </a:rPr>
+                          <m:t>𝟏</m:t>
+                        </m:r>
+                      </m:sub>
+                    </m:sSub>
+                  </m:oMath>
+                </a14:m>
+                <a:endParaRPr lang="en-US" altLang="zh-CN" sz="1200" b="1" dirty="0"/>
+              </a:p>
+            </p:txBody>
+          </p:sp>
+        </mc:Choice>
+        <mc:Fallback>
+          <p:sp>
+            <p:nvSpPr>
+              <p:cNvPr id="3" name="文本框 2">
+                <a:extLst>
+                  <a:ext uri="{FF2B5EF4-FFF2-40B4-BE49-F238E27FC236}">
+                    <a16:creationId xmlns:a16="http://schemas.microsoft.com/office/drawing/2014/main" id="{51CAF15E-E68B-003F-B42F-0B701E7C7060}"/>
+                  </a:ext>
+                </a:extLst>
+              </p:cNvPr>
+              <p:cNvSpPr txBox="1">
+                <a:spLocks noRot="1" noChangeAspect="1" noMove="1" noResize="1" noEditPoints="1" noAdjustHandles="1" noChangeArrowheads="1" noChangeShapeType="1" noTextEdit="1"/>
+              </p:cNvSpPr>
+              <p:nvPr/>
+            </p:nvSpPr>
+            <p:spPr>
+              <a:xfrm>
+                <a:off x="5076056" y="1281122"/>
+                <a:ext cx="2520280" cy="276999"/>
+              </a:xfrm>
+              <a:prstGeom prst="rect">
+                <a:avLst/>
+              </a:prstGeom>
+              <a:blipFill>
+                <a:blip r:embed="rId5"/>
+                <a:stretch>
+                  <a:fillRect l="-242" t="-2174" b="-13043"/>
+                </a:stretch>
+              </a:blipFill>
+            </p:spPr>
+            <p:txBody>
+              <a:bodyPr/>
+              <a:lstStyle/>
+              <a:p>
+                <a:r>
+                  <a:rPr lang="zh-CN" altLang="en-US">
+                    <a:noFill/>
+                  </a:rPr>
+                  <a:t> </a:t>
+                </a:r>
+              </a:p>
+            </p:txBody>
+          </p:sp>
+        </mc:Fallback>
+      </mc:AlternateContent>
+      <mc:AlternateContent xmlns:mc="http://schemas.openxmlformats.org/markup-compatibility/2006">
+        <mc:Choice xmlns:a14="http://schemas.microsoft.com/office/drawing/2010/main" Requires="a14">
+          <p:sp>
+            <p:nvSpPr>
+              <p:cNvPr id="9" name="文本框 8">
+                <a:extLst>
+                  <a:ext uri="{FF2B5EF4-FFF2-40B4-BE49-F238E27FC236}">
+                    <a16:creationId xmlns:a16="http://schemas.microsoft.com/office/drawing/2014/main" id="{51C4162D-959A-156E-BDFA-1ED9937E4C3E}"/>
+                  </a:ext>
+                </a:extLst>
+              </p:cNvPr>
+              <p:cNvSpPr txBox="1"/>
+              <p:nvPr/>
+            </p:nvSpPr>
+            <p:spPr>
+              <a:xfrm>
+                <a:off x="5076056" y="1582643"/>
+                <a:ext cx="3427854" cy="276999"/>
+              </a:xfrm>
+              <a:prstGeom prst="rect">
+                <a:avLst/>
+              </a:prstGeom>
+              <a:noFill/>
+            </p:spPr>
+            <p:txBody>
+              <a:bodyPr wrap="square" rtlCol="0">
+                <a:spAutoFit/>
+              </a:bodyPr>
+              <a:lstStyle/>
+              <a:p>
+                <a:r>
+                  <a:rPr lang="zh-CN" altLang="en-US" sz="1200" b="1" dirty="0"/>
+                  <a:t>副边阻抗为：</a:t>
+                </a:r>
+                <a14:m>
+                  <m:oMath xmlns:m="http://schemas.openxmlformats.org/officeDocument/2006/math">
+                    <m:sSub>
+                      <m:sSubPr>
+                        <m:ctrlPr>
+                          <a:rPr lang="en-US" altLang="zh-CN" sz="1200" b="1" i="1" smtClean="0">
+                            <a:latin typeface="Cambria Math" panose="02040503050406030204" pitchFamily="18" charset="0"/>
+                          </a:rPr>
+                        </m:ctrlPr>
+                      </m:sSubPr>
+                      <m:e>
+                        <m:r>
+                          <a:rPr lang="en-US" altLang="zh-CN" sz="1200" b="1" i="1" smtClean="0">
+                            <a:latin typeface="Cambria Math" panose="02040503050406030204" pitchFamily="18" charset="0"/>
+                          </a:rPr>
+                          <m:t>𝒁</m:t>
+                        </m:r>
+                      </m:e>
+                      <m:sub>
+                        <m:r>
+                          <a:rPr lang="en-US" altLang="zh-CN" sz="1200" b="1" i="1" smtClean="0">
+                            <a:latin typeface="Cambria Math" panose="02040503050406030204" pitchFamily="18" charset="0"/>
+                          </a:rPr>
+                          <m:t>𝟐𝟐</m:t>
+                        </m:r>
+                      </m:sub>
+                    </m:sSub>
+                    <m:r>
+                      <a:rPr lang="en-US" altLang="zh-CN" sz="1200" b="1" i="1" smtClean="0">
+                        <a:latin typeface="Cambria Math" panose="02040503050406030204" pitchFamily="18" charset="0"/>
+                      </a:rPr>
+                      <m:t>=</m:t>
+                    </m:r>
+                    <m:sSub>
+                      <m:sSubPr>
+                        <m:ctrlPr>
+                          <a:rPr lang="en-US" altLang="zh-CN" sz="1200" b="1" i="1">
+                            <a:latin typeface="Cambria Math" panose="02040503050406030204" pitchFamily="18" charset="0"/>
+                          </a:rPr>
+                        </m:ctrlPr>
+                      </m:sSubPr>
+                      <m:e>
+                        <m:r>
+                          <a:rPr lang="en-US" altLang="zh-CN" sz="1200" b="1" i="1" smtClean="0">
+                            <a:latin typeface="Cambria Math" panose="02040503050406030204" pitchFamily="18" charset="0"/>
+                          </a:rPr>
+                          <m:t>(</m:t>
+                        </m:r>
+                        <m:r>
+                          <a:rPr lang="en-US" altLang="zh-CN" sz="1200" b="1" i="1" smtClean="0">
+                            <a:latin typeface="Cambria Math" panose="02040503050406030204" pitchFamily="18" charset="0"/>
+                          </a:rPr>
+                          <m:t>𝑹</m:t>
+                        </m:r>
+                      </m:e>
+                      <m:sub>
+                        <m:r>
+                          <a:rPr lang="en-US" altLang="zh-CN" sz="1200" b="1" i="1" smtClean="0">
+                            <a:latin typeface="Cambria Math" panose="02040503050406030204" pitchFamily="18" charset="0"/>
+                          </a:rPr>
+                          <m:t>𝟐</m:t>
+                        </m:r>
+                      </m:sub>
+                    </m:sSub>
+                    <m:r>
+                      <a:rPr lang="en-US" altLang="zh-CN" sz="1200" b="1" i="1" smtClean="0">
+                        <a:latin typeface="Cambria Math" panose="02040503050406030204" pitchFamily="18" charset="0"/>
+                      </a:rPr>
+                      <m:t>+</m:t>
+                    </m:r>
+                    <m:r>
+                      <a:rPr lang="en-US" altLang="zh-CN" sz="1200" b="1" i="1" smtClean="0">
+                        <a:latin typeface="Cambria Math" panose="02040503050406030204" pitchFamily="18" charset="0"/>
+                      </a:rPr>
+                      <m:t>𝑹</m:t>
+                    </m:r>
+                    <m:r>
+                      <a:rPr lang="en-US" altLang="zh-CN" sz="1200" b="1" i="1" smtClean="0">
+                        <a:latin typeface="Cambria Math" panose="02040503050406030204" pitchFamily="18" charset="0"/>
+                      </a:rPr>
+                      <m:t>)+</m:t>
+                    </m:r>
+                    <m:r>
+                      <a:rPr lang="en-US" altLang="zh-CN" sz="1200" b="1" i="1" smtClean="0">
+                        <a:latin typeface="Cambria Math" panose="02040503050406030204" pitchFamily="18" charset="0"/>
+                      </a:rPr>
+                      <m:t>𝒋</m:t>
+                    </m:r>
+                    <m:r>
+                      <a:rPr lang="en-US" altLang="zh-CN" sz="1200" b="1" i="1" smtClean="0">
+                        <a:latin typeface="Cambria Math" panose="02040503050406030204" pitchFamily="18" charset="0"/>
+                      </a:rPr>
+                      <m:t>(</m:t>
+                    </m:r>
+                    <m:r>
+                      <a:rPr lang="zh-CN" altLang="en-US" sz="1200" b="1" i="1" smtClean="0">
+                        <a:latin typeface="Cambria Math" panose="02040503050406030204" pitchFamily="18" charset="0"/>
+                      </a:rPr>
+                      <m:t>𝝎</m:t>
+                    </m:r>
+                    <m:sSub>
+                      <m:sSubPr>
+                        <m:ctrlPr>
+                          <a:rPr lang="en-US" altLang="zh-CN" sz="1200" b="1" i="1">
+                            <a:latin typeface="Cambria Math" panose="02040503050406030204" pitchFamily="18" charset="0"/>
+                          </a:rPr>
+                        </m:ctrlPr>
+                      </m:sSubPr>
+                      <m:e>
+                        <m:r>
+                          <a:rPr lang="en-US" altLang="zh-CN" sz="1200" b="1" i="1" smtClean="0">
+                            <a:latin typeface="Cambria Math" panose="02040503050406030204" pitchFamily="18" charset="0"/>
+                          </a:rPr>
+                          <m:t>𝑳</m:t>
+                        </m:r>
+                      </m:e>
+                      <m:sub>
+                        <m:r>
+                          <a:rPr lang="en-US" altLang="zh-CN" sz="1200" b="1" i="1" smtClean="0">
+                            <a:latin typeface="Cambria Math" panose="02040503050406030204" pitchFamily="18" charset="0"/>
+                          </a:rPr>
+                          <m:t>𝟐</m:t>
+                        </m:r>
+                      </m:sub>
+                    </m:sSub>
+                    <m:r>
+                      <a:rPr lang="en-US" altLang="zh-CN" sz="1200" b="1" i="1" smtClean="0">
+                        <a:latin typeface="Cambria Math" panose="02040503050406030204" pitchFamily="18" charset="0"/>
+                      </a:rPr>
+                      <m:t>+</m:t>
+                    </m:r>
+                    <m:r>
+                      <a:rPr lang="en-US" altLang="zh-CN" sz="1200" b="1" i="1" smtClean="0">
+                        <a:latin typeface="Cambria Math" panose="02040503050406030204" pitchFamily="18" charset="0"/>
+                      </a:rPr>
+                      <m:t>𝑿</m:t>
+                    </m:r>
+                    <m:r>
+                      <a:rPr lang="en-US" altLang="zh-CN" sz="1200" b="1" i="1" smtClean="0">
+                        <a:latin typeface="Cambria Math" panose="02040503050406030204" pitchFamily="18" charset="0"/>
+                      </a:rPr>
+                      <m:t>)</m:t>
+                    </m:r>
+                  </m:oMath>
+                </a14:m>
+                <a:endParaRPr lang="en-US" altLang="zh-CN" sz="1200" b="1" dirty="0"/>
+              </a:p>
+            </p:txBody>
+          </p:sp>
+        </mc:Choice>
+        <mc:Fallback>
+          <p:sp>
+            <p:nvSpPr>
+              <p:cNvPr id="9" name="文本框 8">
+                <a:extLst>
+                  <a:ext uri="{FF2B5EF4-FFF2-40B4-BE49-F238E27FC236}">
+                    <a16:creationId xmlns:a16="http://schemas.microsoft.com/office/drawing/2014/main" id="{51C4162D-959A-156E-BDFA-1ED9937E4C3E}"/>
+                  </a:ext>
+                </a:extLst>
+              </p:cNvPr>
+              <p:cNvSpPr txBox="1">
+                <a:spLocks noRot="1" noChangeAspect="1" noMove="1" noResize="1" noEditPoints="1" noAdjustHandles="1" noChangeArrowheads="1" noChangeShapeType="1" noTextEdit="1"/>
+              </p:cNvSpPr>
+              <p:nvPr/>
+            </p:nvSpPr>
+            <p:spPr>
+              <a:xfrm>
+                <a:off x="5076056" y="1582643"/>
+                <a:ext cx="3427854" cy="276999"/>
+              </a:xfrm>
+              <a:prstGeom prst="rect">
+                <a:avLst/>
+              </a:prstGeom>
+              <a:blipFill>
+                <a:blip r:embed="rId6"/>
+                <a:stretch>
+                  <a:fillRect l="-178" t="-4444" b="-15556"/>
+                </a:stretch>
+              </a:blipFill>
+            </p:spPr>
+            <p:txBody>
+              <a:bodyPr/>
+              <a:lstStyle/>
+              <a:p>
+                <a:r>
+                  <a:rPr lang="zh-CN" altLang="en-US">
+                    <a:noFill/>
+                  </a:rPr>
+                  <a:t> </a:t>
+                </a:r>
+              </a:p>
+            </p:txBody>
+          </p:sp>
+        </mc:Fallback>
+      </mc:AlternateContent>
+      <mc:AlternateContent xmlns:mc="http://schemas.openxmlformats.org/markup-compatibility/2006">
+        <mc:Choice xmlns:a14="http://schemas.microsoft.com/office/drawing/2010/main" Requires="a14">
+          <p:sp>
+            <p:nvSpPr>
+              <p:cNvPr id="18" name="文本框 17">
+                <a:extLst>
+                  <a:ext uri="{FF2B5EF4-FFF2-40B4-BE49-F238E27FC236}">
+                    <a16:creationId xmlns:a16="http://schemas.microsoft.com/office/drawing/2014/main" id="{537A2365-44D9-5873-810C-C883BAB45BB7}"/>
+                  </a:ext>
+                </a:extLst>
+              </p:cNvPr>
+              <p:cNvSpPr txBox="1"/>
+              <p:nvPr/>
+            </p:nvSpPr>
+            <p:spPr>
+              <a:xfrm>
+                <a:off x="6151898" y="2355444"/>
+                <a:ext cx="2714078" cy="646331"/>
+              </a:xfrm>
+              <a:prstGeom prst="rect">
+                <a:avLst/>
+              </a:prstGeom>
+              <a:noFill/>
+            </p:spPr>
+            <p:txBody>
+              <a:bodyPr wrap="square">
+                <a:spAutoFit/>
+              </a:bodyPr>
+              <a:lstStyle/>
+              <a:p>
+                <a:pPr/>
+                <a14:m>
+                  <m:oMathPara xmlns:m="http://schemas.openxmlformats.org/officeDocument/2006/math">
+                    <m:oMathParaPr>
+                      <m:jc m:val="centerGroup"/>
+                    </m:oMathParaPr>
+                    <m:oMath xmlns:m="http://schemas.openxmlformats.org/officeDocument/2006/math">
+                      <m:sSub>
+                        <m:sSubPr>
+                          <m:ctrlPr>
+                            <a:rPr lang="en-US" altLang="zh-CN" b="0" i="1" smtClean="0">
+                              <a:latin typeface="Cambria Math" panose="02040503050406030204" pitchFamily="18" charset="0"/>
+                            </a:rPr>
+                          </m:ctrlPr>
+                        </m:sSubPr>
+                        <m:e>
+                          <m:r>
+                            <a:rPr lang="en-US" altLang="zh-CN" b="0" i="1" smtClean="0">
+                              <a:latin typeface="Cambria Math" panose="02040503050406030204" pitchFamily="18" charset="0"/>
+                            </a:rPr>
+                            <m:t>𝑈</m:t>
+                          </m:r>
+                        </m:e>
+                        <m:sub>
+                          <m:r>
+                            <a:rPr lang="en-US" altLang="zh-CN" b="0" i="1" smtClean="0">
+                              <a:latin typeface="Cambria Math" panose="02040503050406030204" pitchFamily="18" charset="0"/>
+                            </a:rPr>
+                            <m:t>𝑠</m:t>
+                          </m:r>
+                        </m:sub>
+                      </m:sSub>
+                      <m:r>
+                        <a:rPr lang="en-US" altLang="zh-CN" b="0" i="1" smtClean="0">
+                          <a:latin typeface="Cambria Math" panose="02040503050406030204" pitchFamily="18" charset="0"/>
+                        </a:rPr>
+                        <m:t>=</m:t>
+                      </m:r>
+                      <m:sSub>
+                        <m:sSubPr>
+                          <m:ctrlPr>
+                            <a:rPr lang="en-US" altLang="zh-CN" b="0" i="1" smtClean="0">
+                              <a:latin typeface="Cambria Math" panose="02040503050406030204" pitchFamily="18" charset="0"/>
+                            </a:rPr>
+                          </m:ctrlPr>
+                        </m:sSubPr>
+                        <m:e>
+                          <m:r>
+                            <a:rPr lang="en-US" altLang="zh-CN" b="0" i="1" smtClean="0">
+                              <a:latin typeface="Cambria Math" panose="02040503050406030204" pitchFamily="18" charset="0"/>
+                            </a:rPr>
+                            <m:t>𝐼</m:t>
+                          </m:r>
+                        </m:e>
+                        <m:sub>
+                          <m:r>
+                            <a:rPr lang="en-US" altLang="zh-CN" b="0" i="1" smtClean="0">
+                              <a:latin typeface="Cambria Math" panose="02040503050406030204" pitchFamily="18" charset="0"/>
+                            </a:rPr>
+                            <m:t>1</m:t>
+                          </m:r>
+                        </m:sub>
+                      </m:sSub>
+                      <m:sSub>
+                        <m:sSubPr>
+                          <m:ctrlPr>
+                            <a:rPr lang="en-US" altLang="zh-CN" i="1">
+                              <a:latin typeface="Cambria Math" panose="02040503050406030204" pitchFamily="18" charset="0"/>
+                            </a:rPr>
+                          </m:ctrlPr>
+                        </m:sSubPr>
+                        <m:e>
+                          <m:r>
+                            <a:rPr lang="en-US" altLang="zh-CN" b="0" i="1" smtClean="0">
+                              <a:latin typeface="Cambria Math" panose="02040503050406030204" pitchFamily="18" charset="0"/>
+                            </a:rPr>
+                            <m:t>𝑍</m:t>
+                          </m:r>
+                        </m:e>
+                        <m:sub>
+                          <m:r>
+                            <a:rPr lang="en-US" altLang="zh-CN" i="1">
+                              <a:latin typeface="Cambria Math" panose="02040503050406030204" pitchFamily="18" charset="0"/>
+                            </a:rPr>
+                            <m:t>1</m:t>
+                          </m:r>
+                          <m:r>
+                            <a:rPr lang="en-US" altLang="zh-CN" b="0" i="1" smtClean="0">
+                              <a:latin typeface="Cambria Math" panose="02040503050406030204" pitchFamily="18" charset="0"/>
+                            </a:rPr>
+                            <m:t>1</m:t>
+                          </m:r>
+                        </m:sub>
+                      </m:sSub>
+                      <m:r>
+                        <a:rPr lang="en-US" altLang="zh-CN" b="0" i="1" smtClean="0">
+                          <a:latin typeface="Cambria Math" panose="02040503050406030204" pitchFamily="18" charset="0"/>
+                        </a:rPr>
+                        <m:t>−</m:t>
+                      </m:r>
+                      <m:r>
+                        <a:rPr lang="en-US" altLang="zh-CN" b="0" i="1" smtClean="0">
+                          <a:latin typeface="Cambria Math" panose="02040503050406030204" pitchFamily="18" charset="0"/>
+                        </a:rPr>
+                        <m:t>𝑗</m:t>
+                      </m:r>
+                      <m:r>
+                        <a:rPr lang="zh-CN" altLang="en-US" b="0" i="1" smtClean="0">
+                          <a:latin typeface="Cambria Math" panose="02040503050406030204" pitchFamily="18" charset="0"/>
+                        </a:rPr>
+                        <m:t>𝜔</m:t>
+                      </m:r>
+                      <m:r>
+                        <a:rPr lang="en-US" altLang="zh-CN" b="0" i="1" smtClean="0">
+                          <a:latin typeface="Cambria Math" panose="02040503050406030204" pitchFamily="18" charset="0"/>
+                        </a:rPr>
+                        <m:t>𝑀</m:t>
+                      </m:r>
+                      <m:sSub>
+                        <m:sSubPr>
+                          <m:ctrlPr>
+                            <a:rPr lang="en-US" altLang="zh-CN" i="1">
+                              <a:latin typeface="Cambria Math" panose="02040503050406030204" pitchFamily="18" charset="0"/>
+                            </a:rPr>
+                          </m:ctrlPr>
+                        </m:sSubPr>
+                        <m:e>
+                          <m:r>
+                            <a:rPr lang="en-US" altLang="zh-CN" i="1">
+                              <a:latin typeface="Cambria Math" panose="02040503050406030204" pitchFamily="18" charset="0"/>
+                            </a:rPr>
+                            <m:t>𝐼</m:t>
+                          </m:r>
+                        </m:e>
+                        <m:sub>
+                          <m:r>
+                            <a:rPr lang="en-US" altLang="zh-CN" b="0" i="1" smtClean="0">
+                              <a:latin typeface="Cambria Math" panose="02040503050406030204" pitchFamily="18" charset="0"/>
+                            </a:rPr>
+                            <m:t>2</m:t>
+                          </m:r>
+                        </m:sub>
+                      </m:sSub>
+                    </m:oMath>
+                  </m:oMathPara>
+                </a14:m>
+                <a:endParaRPr lang="en-US" altLang="zh-CN" dirty="0"/>
+              </a:p>
+              <a:p>
+                <a:pPr/>
+                <a14:m>
+                  <m:oMathPara xmlns:m="http://schemas.openxmlformats.org/officeDocument/2006/math">
+                    <m:oMathParaPr>
+                      <m:jc m:val="centerGroup"/>
+                    </m:oMathParaPr>
+                    <m:oMath xmlns:m="http://schemas.openxmlformats.org/officeDocument/2006/math">
+                      <m:sSub>
+                        <m:sSubPr>
+                          <m:ctrlPr>
+                            <a:rPr lang="en-US" altLang="zh-CN" i="1">
+                              <a:latin typeface="Cambria Math" panose="02040503050406030204" pitchFamily="18" charset="0"/>
+                            </a:rPr>
+                          </m:ctrlPr>
+                        </m:sSubPr>
+                        <m:e>
+                          <m:r>
+                            <a:rPr lang="en-US" altLang="zh-CN" i="1">
+                              <a:latin typeface="Cambria Math" panose="02040503050406030204" pitchFamily="18" charset="0"/>
+                            </a:rPr>
+                            <m:t>𝐼</m:t>
+                          </m:r>
+                        </m:e>
+                        <m:sub>
+                          <m:r>
+                            <a:rPr lang="en-US" altLang="zh-CN" b="0" i="1" smtClean="0">
+                              <a:latin typeface="Cambria Math" panose="02040503050406030204" pitchFamily="18" charset="0"/>
+                            </a:rPr>
+                            <m:t>2</m:t>
+                          </m:r>
+                        </m:sub>
+                      </m:sSub>
+                      <m:sSub>
+                        <m:sSubPr>
+                          <m:ctrlPr>
+                            <a:rPr lang="en-US" altLang="zh-CN" i="1">
+                              <a:latin typeface="Cambria Math" panose="02040503050406030204" pitchFamily="18" charset="0"/>
+                            </a:rPr>
+                          </m:ctrlPr>
+                        </m:sSubPr>
+                        <m:e>
+                          <m:r>
+                            <a:rPr lang="en-US" altLang="zh-CN" b="0" i="1" smtClean="0">
+                              <a:latin typeface="Cambria Math" panose="02040503050406030204" pitchFamily="18" charset="0"/>
+                            </a:rPr>
+                            <m:t>𝑍</m:t>
+                          </m:r>
+                        </m:e>
+                        <m:sub>
+                          <m:r>
+                            <a:rPr lang="en-US" altLang="zh-CN" b="0" i="1" smtClean="0">
+                              <a:latin typeface="Cambria Math" panose="02040503050406030204" pitchFamily="18" charset="0"/>
+                            </a:rPr>
+                            <m:t>22</m:t>
+                          </m:r>
+                        </m:sub>
+                      </m:sSub>
+                      <m:r>
+                        <a:rPr lang="en-US" altLang="zh-CN" b="0" i="1" smtClean="0">
+                          <a:latin typeface="Cambria Math" panose="02040503050406030204" pitchFamily="18" charset="0"/>
+                        </a:rPr>
+                        <m:t>−</m:t>
+                      </m:r>
+                      <m:r>
+                        <a:rPr lang="en-US" altLang="zh-CN" b="0" i="1" smtClean="0">
+                          <a:latin typeface="Cambria Math" panose="02040503050406030204" pitchFamily="18" charset="0"/>
+                        </a:rPr>
+                        <m:t>𝑗</m:t>
+                      </m:r>
+                      <m:r>
+                        <a:rPr lang="zh-CN" altLang="en-US" b="0" i="1" smtClean="0">
+                          <a:latin typeface="Cambria Math" panose="02040503050406030204" pitchFamily="18" charset="0"/>
+                        </a:rPr>
+                        <m:t>𝜔</m:t>
+                      </m:r>
+                      <m:r>
+                        <a:rPr lang="en-US" altLang="zh-CN" b="0" i="1" smtClean="0">
+                          <a:latin typeface="Cambria Math" panose="02040503050406030204" pitchFamily="18" charset="0"/>
+                        </a:rPr>
+                        <m:t>𝑀</m:t>
+                      </m:r>
+                      <m:sSub>
+                        <m:sSubPr>
+                          <m:ctrlPr>
+                            <a:rPr lang="en-US" altLang="zh-CN" i="1">
+                              <a:latin typeface="Cambria Math" panose="02040503050406030204" pitchFamily="18" charset="0"/>
+                            </a:rPr>
+                          </m:ctrlPr>
+                        </m:sSubPr>
+                        <m:e>
+                          <m:r>
+                            <a:rPr lang="en-US" altLang="zh-CN" i="1">
+                              <a:latin typeface="Cambria Math" panose="02040503050406030204" pitchFamily="18" charset="0"/>
+                            </a:rPr>
+                            <m:t>𝐼</m:t>
+                          </m:r>
+                        </m:e>
+                        <m:sub>
+                          <m:r>
+                            <a:rPr lang="en-US" altLang="zh-CN" i="1">
+                              <a:latin typeface="Cambria Math" panose="02040503050406030204" pitchFamily="18" charset="0"/>
+                            </a:rPr>
+                            <m:t>1</m:t>
+                          </m:r>
+                        </m:sub>
+                      </m:sSub>
+                      <m:r>
+                        <a:rPr lang="en-US" altLang="zh-CN" b="0" i="1" smtClean="0">
+                          <a:latin typeface="Cambria Math" panose="02040503050406030204" pitchFamily="18" charset="0"/>
+                        </a:rPr>
+                        <m:t>=0</m:t>
+                      </m:r>
+                    </m:oMath>
+                  </m:oMathPara>
+                </a14:m>
+                <a:endParaRPr lang="en-US" altLang="zh-CN" dirty="0"/>
+              </a:p>
+            </p:txBody>
+          </p:sp>
+        </mc:Choice>
+        <mc:Fallback>
+          <p:sp>
+            <p:nvSpPr>
+              <p:cNvPr id="18" name="文本框 17">
+                <a:extLst>
+                  <a:ext uri="{FF2B5EF4-FFF2-40B4-BE49-F238E27FC236}">
+                    <a16:creationId xmlns:a16="http://schemas.microsoft.com/office/drawing/2014/main" id="{537A2365-44D9-5873-810C-C883BAB45BB7}"/>
+                  </a:ext>
+                </a:extLst>
+              </p:cNvPr>
+              <p:cNvSpPr txBox="1">
+                <a:spLocks noRot="1" noChangeAspect="1" noMove="1" noResize="1" noEditPoints="1" noAdjustHandles="1" noChangeArrowheads="1" noChangeShapeType="1" noTextEdit="1"/>
+              </p:cNvSpPr>
+              <p:nvPr/>
+            </p:nvSpPr>
+            <p:spPr>
+              <a:xfrm>
+                <a:off x="6151898" y="2355444"/>
+                <a:ext cx="2714078" cy="646331"/>
+              </a:xfrm>
+              <a:prstGeom prst="rect">
+                <a:avLst/>
+              </a:prstGeom>
+              <a:blipFill>
+                <a:blip r:embed="rId7"/>
+                <a:stretch>
+                  <a:fillRect b="-7547"/>
+                </a:stretch>
+              </a:blipFill>
+            </p:spPr>
+            <p:txBody>
+              <a:bodyPr/>
+              <a:lstStyle/>
+              <a:p>
+                <a:r>
+                  <a:rPr lang="zh-CN" altLang="en-US">
+                    <a:noFill/>
+                  </a:rPr>
+                  <a:t> </a:t>
+                </a:r>
+              </a:p>
+            </p:txBody>
+          </p:sp>
+        </mc:Fallback>
+      </mc:AlternateContent>
+      <p:sp>
+        <p:nvSpPr>
+          <p:cNvPr id="20" name="文本框 19">
             <a:extLst>
               <a:ext uri="{FF2B5EF4-FFF2-40B4-BE49-F238E27FC236}">
-                <a16:creationId xmlns:a16="http://schemas.microsoft.com/office/drawing/2014/main" id="{9C858790-194D-4F9B-9AC2-0909D8A62D85}"/>
+                <a16:creationId xmlns:a16="http://schemas.microsoft.com/office/drawing/2014/main" id="{39D6AC7B-E493-9CAB-4742-6B57EE141E2E}"/>
+              </a:ext>
+            </a:extLst>
+          </p:cNvPr>
+          <p:cNvSpPr txBox="1"/>
+          <p:nvPr/>
+        </p:nvSpPr>
+        <p:spPr>
+          <a:xfrm>
+            <a:off x="5064671" y="2540109"/>
+            <a:ext cx="1584176" cy="276999"/>
+          </a:xfrm>
+          <a:prstGeom prst="rect">
+            <a:avLst/>
+          </a:prstGeom>
+          <a:noFill/>
+        </p:spPr>
+        <p:txBody>
+          <a:bodyPr wrap="square" rtlCol="0">
+            <a:spAutoFit/>
+          </a:bodyPr>
+          <a:lstStyle/>
+          <a:p>
+            <a:r>
+              <a:rPr lang="zh-CN" altLang="en-US" sz="1200" b="1" dirty="0"/>
+              <a:t>原副线圈</a:t>
+            </a:r>
+            <a:r>
+              <a:rPr lang="en-US" altLang="zh-CN" sz="1200" b="1" dirty="0"/>
+              <a:t>KVL</a:t>
+            </a:r>
+            <a:r>
+              <a:rPr lang="zh-CN" altLang="en-US" sz="1200" b="1" dirty="0"/>
+              <a:t>方程：</a:t>
+            </a:r>
+            <a:endParaRPr lang="en-US" altLang="zh-CN" sz="1200" b="1" dirty="0"/>
+          </a:p>
+        </p:txBody>
+      </p:sp>
+      <mc:AlternateContent xmlns:mc="http://schemas.openxmlformats.org/markup-compatibility/2006">
+        <mc:Choice xmlns:a14="http://schemas.microsoft.com/office/drawing/2010/main" Requires="a14">
+          <p:sp>
+            <p:nvSpPr>
+              <p:cNvPr id="21" name="文本框 20">
+                <a:extLst>
+                  <a:ext uri="{FF2B5EF4-FFF2-40B4-BE49-F238E27FC236}">
+                    <a16:creationId xmlns:a16="http://schemas.microsoft.com/office/drawing/2014/main" id="{05588877-F964-D4EB-89A2-4ED0FA8F91CA}"/>
+                  </a:ext>
+                </a:extLst>
+              </p:cNvPr>
+              <p:cNvSpPr txBox="1"/>
+              <p:nvPr/>
+            </p:nvSpPr>
+            <p:spPr>
+              <a:xfrm>
+                <a:off x="1475656" y="3592789"/>
+                <a:ext cx="2714078" cy="899926"/>
+              </a:xfrm>
+              <a:prstGeom prst="rect">
+                <a:avLst/>
+              </a:prstGeom>
+              <a:noFill/>
+            </p:spPr>
+            <p:txBody>
+              <a:bodyPr wrap="square">
+                <a:spAutoFit/>
+              </a:bodyPr>
+              <a:lstStyle/>
+              <a:p>
+                <a:pPr/>
+                <a14:m>
+                  <m:oMathPara xmlns:m="http://schemas.openxmlformats.org/officeDocument/2006/math">
+                    <m:oMathParaPr>
+                      <m:jc m:val="centerGroup"/>
+                    </m:oMathParaPr>
+                    <m:oMath xmlns:m="http://schemas.openxmlformats.org/officeDocument/2006/math">
+                      <m:sSub>
+                        <m:sSubPr>
+                          <m:ctrlPr>
+                            <a:rPr lang="en-US" altLang="zh-CN" i="1" smtClean="0">
+                              <a:latin typeface="Cambria Math" panose="02040503050406030204" pitchFamily="18" charset="0"/>
+                            </a:rPr>
+                          </m:ctrlPr>
+                        </m:sSubPr>
+                        <m:e>
+                          <m:r>
+                            <a:rPr lang="en-US" altLang="zh-CN" i="1">
+                              <a:latin typeface="Cambria Math" panose="02040503050406030204" pitchFamily="18" charset="0"/>
+                            </a:rPr>
+                            <m:t>𝐼</m:t>
+                          </m:r>
+                        </m:e>
+                        <m:sub>
+                          <m:r>
+                            <a:rPr lang="en-US" altLang="zh-CN" b="0" i="1" smtClean="0">
+                              <a:latin typeface="Cambria Math" panose="02040503050406030204" pitchFamily="18" charset="0"/>
+                            </a:rPr>
+                            <m:t>1</m:t>
+                          </m:r>
+                        </m:sub>
+                      </m:sSub>
+                      <m:r>
+                        <a:rPr lang="en-US" altLang="zh-CN" b="0" i="1" smtClean="0">
+                          <a:latin typeface="Cambria Math" panose="02040503050406030204" pitchFamily="18" charset="0"/>
+                        </a:rPr>
+                        <m:t>=</m:t>
+                      </m:r>
+                      <m:f>
+                        <m:fPr>
+                          <m:ctrlPr>
+                            <a:rPr lang="en-US" altLang="zh-CN" b="0" i="1" smtClean="0">
+                              <a:latin typeface="Cambria Math" panose="02040503050406030204" pitchFamily="18" charset="0"/>
+                            </a:rPr>
+                          </m:ctrlPr>
+                        </m:fPr>
+                        <m:num>
+                          <m:sSub>
+                            <m:sSubPr>
+                              <m:ctrlPr>
+                                <a:rPr lang="en-US" altLang="zh-CN" i="1">
+                                  <a:latin typeface="Cambria Math" panose="02040503050406030204" pitchFamily="18" charset="0"/>
+                                </a:rPr>
+                              </m:ctrlPr>
+                            </m:sSubPr>
+                            <m:e>
+                              <m:r>
+                                <a:rPr lang="en-US" altLang="zh-CN" i="1">
+                                  <a:latin typeface="Cambria Math" panose="02040503050406030204" pitchFamily="18" charset="0"/>
+                                </a:rPr>
+                                <m:t>𝑈</m:t>
+                              </m:r>
+                            </m:e>
+                            <m:sub>
+                              <m:r>
+                                <a:rPr lang="en-US" altLang="zh-CN" i="1">
+                                  <a:latin typeface="Cambria Math" panose="02040503050406030204" pitchFamily="18" charset="0"/>
+                                </a:rPr>
+                                <m:t>𝑠</m:t>
+                              </m:r>
+                            </m:sub>
+                          </m:sSub>
+                        </m:num>
+                        <m:den>
+                          <m:sSub>
+                            <m:sSubPr>
+                              <m:ctrlPr>
+                                <a:rPr lang="en-US" altLang="zh-CN" i="1">
+                                  <a:latin typeface="Cambria Math" panose="02040503050406030204" pitchFamily="18" charset="0"/>
+                                </a:rPr>
+                              </m:ctrlPr>
+                            </m:sSubPr>
+                            <m:e>
+                              <m:r>
+                                <a:rPr lang="en-US" altLang="zh-CN" i="1">
+                                  <a:latin typeface="Cambria Math" panose="02040503050406030204" pitchFamily="18" charset="0"/>
+                                </a:rPr>
+                                <m:t>𝑍</m:t>
+                              </m:r>
+                            </m:e>
+                            <m:sub>
+                              <m:r>
+                                <a:rPr lang="en-US" altLang="zh-CN" i="1">
+                                  <a:latin typeface="Cambria Math" panose="02040503050406030204" pitchFamily="18" charset="0"/>
+                                </a:rPr>
+                                <m:t>1</m:t>
+                              </m:r>
+                              <m:r>
+                                <a:rPr lang="en-US" altLang="zh-CN" i="1">
+                                  <a:latin typeface="Cambria Math" panose="02040503050406030204" pitchFamily="18" charset="0"/>
+                                </a:rPr>
+                                <m:t>1</m:t>
+                              </m:r>
+                            </m:sub>
+                          </m:sSub>
+                          <m:r>
+                            <a:rPr lang="en-US" altLang="zh-CN" b="0" i="1" smtClean="0">
+                              <a:latin typeface="Cambria Math" panose="02040503050406030204" pitchFamily="18" charset="0"/>
+                            </a:rPr>
+                            <m:t>+</m:t>
+                          </m:r>
+                          <m:f>
+                            <m:fPr>
+                              <m:ctrlPr>
+                                <a:rPr lang="en-US" altLang="zh-CN" b="0" i="1" smtClean="0">
+                                  <a:latin typeface="Cambria Math" panose="02040503050406030204" pitchFamily="18" charset="0"/>
+                                </a:rPr>
+                              </m:ctrlPr>
+                            </m:fPr>
+                            <m:num>
+                              <m:sSup>
+                                <m:sSupPr>
+                                  <m:ctrlPr>
+                                    <a:rPr lang="en-US" altLang="zh-CN" b="0" i="1" smtClean="0">
+                                      <a:latin typeface="Cambria Math" panose="02040503050406030204" pitchFamily="18" charset="0"/>
+                                    </a:rPr>
+                                  </m:ctrlPr>
+                                </m:sSupPr>
+                                <m:e>
+                                  <m:r>
+                                    <a:rPr lang="zh-CN" altLang="en-US" b="0" i="1" smtClean="0">
+                                      <a:latin typeface="Cambria Math" panose="02040503050406030204" pitchFamily="18" charset="0"/>
+                                    </a:rPr>
+                                    <m:t>𝜔</m:t>
+                                  </m:r>
+                                </m:e>
+                                <m:sup>
+                                  <m:r>
+                                    <a:rPr lang="en-US" altLang="zh-CN" b="0" i="1" smtClean="0">
+                                      <a:latin typeface="Cambria Math" panose="02040503050406030204" pitchFamily="18" charset="0"/>
+                                    </a:rPr>
+                                    <m:t>2</m:t>
+                                  </m:r>
+                                </m:sup>
+                              </m:sSup>
+                              <m:sSup>
+                                <m:sSupPr>
+                                  <m:ctrlPr>
+                                    <a:rPr lang="en-US" altLang="zh-CN" i="1">
+                                      <a:latin typeface="Cambria Math" panose="02040503050406030204" pitchFamily="18" charset="0"/>
+                                    </a:rPr>
+                                  </m:ctrlPr>
+                                </m:sSupPr>
+                                <m:e>
+                                  <m:r>
+                                    <a:rPr lang="en-US" altLang="zh-CN" b="0" i="1" smtClean="0">
+                                      <a:latin typeface="Cambria Math" panose="02040503050406030204" pitchFamily="18" charset="0"/>
+                                    </a:rPr>
+                                    <m:t>𝑀</m:t>
+                                  </m:r>
+                                </m:e>
+                                <m:sup>
+                                  <m:r>
+                                    <a:rPr lang="en-US" altLang="zh-CN" i="1">
+                                      <a:latin typeface="Cambria Math" panose="02040503050406030204" pitchFamily="18" charset="0"/>
+                                    </a:rPr>
+                                    <m:t>2</m:t>
+                                  </m:r>
+                                </m:sup>
+                              </m:sSup>
+                            </m:num>
+                            <m:den>
+                              <m:sSub>
+                                <m:sSubPr>
+                                  <m:ctrlPr>
+                                    <a:rPr lang="en-US" altLang="zh-CN" i="1">
+                                      <a:latin typeface="Cambria Math" panose="02040503050406030204" pitchFamily="18" charset="0"/>
+                                    </a:rPr>
+                                  </m:ctrlPr>
+                                </m:sSubPr>
+                                <m:e>
+                                  <m:r>
+                                    <a:rPr lang="en-US" altLang="zh-CN" i="1">
+                                      <a:latin typeface="Cambria Math" panose="02040503050406030204" pitchFamily="18" charset="0"/>
+                                    </a:rPr>
+                                    <m:t>𝑍</m:t>
+                                  </m:r>
+                                </m:e>
+                                <m:sub>
+                                  <m:r>
+                                    <a:rPr lang="en-US" altLang="zh-CN" b="0" i="1" smtClean="0">
+                                      <a:latin typeface="Cambria Math" panose="02040503050406030204" pitchFamily="18" charset="0"/>
+                                    </a:rPr>
+                                    <m:t>22</m:t>
+                                  </m:r>
+                                </m:sub>
+                              </m:sSub>
+                            </m:den>
+                          </m:f>
+                        </m:den>
+                      </m:f>
+                    </m:oMath>
+                  </m:oMathPara>
+                </a14:m>
+                <a:endParaRPr lang="en-US" altLang="zh-CN" dirty="0"/>
+              </a:p>
+            </p:txBody>
+          </p:sp>
+        </mc:Choice>
+        <mc:Fallback>
+          <p:sp>
+            <p:nvSpPr>
+              <p:cNvPr id="21" name="文本框 20">
+                <a:extLst>
+                  <a:ext uri="{FF2B5EF4-FFF2-40B4-BE49-F238E27FC236}">
+                    <a16:creationId xmlns:a16="http://schemas.microsoft.com/office/drawing/2014/main" id="{05588877-F964-D4EB-89A2-4ED0FA8F91CA}"/>
+                  </a:ext>
+                </a:extLst>
+              </p:cNvPr>
+              <p:cNvSpPr txBox="1">
+                <a:spLocks noRot="1" noChangeAspect="1" noMove="1" noResize="1" noEditPoints="1" noAdjustHandles="1" noChangeArrowheads="1" noChangeShapeType="1" noTextEdit="1"/>
+              </p:cNvSpPr>
+              <p:nvPr/>
+            </p:nvSpPr>
+            <p:spPr>
+              <a:xfrm>
+                <a:off x="1475656" y="3592789"/>
+                <a:ext cx="2714078" cy="899926"/>
+              </a:xfrm>
+              <a:prstGeom prst="rect">
+                <a:avLst/>
+              </a:prstGeom>
+              <a:blipFill>
+                <a:blip r:embed="rId8"/>
+                <a:stretch>
+                  <a:fillRect/>
+                </a:stretch>
+              </a:blipFill>
+            </p:spPr>
+            <p:txBody>
+              <a:bodyPr/>
+              <a:lstStyle/>
+              <a:p>
+                <a:r>
+                  <a:rPr lang="zh-CN" altLang="en-US">
+                    <a:noFill/>
+                  </a:rPr>
+                  <a:t> </a:t>
+                </a:r>
+              </a:p>
+            </p:txBody>
+          </p:sp>
+        </mc:Fallback>
+      </mc:AlternateContent>
+      <p:sp>
+        <p:nvSpPr>
+          <p:cNvPr id="22" name="文本框 21">
+            <a:extLst>
+              <a:ext uri="{FF2B5EF4-FFF2-40B4-BE49-F238E27FC236}">
+                <a16:creationId xmlns:a16="http://schemas.microsoft.com/office/drawing/2014/main" id="{93DC092E-75A3-3728-F2FB-E1222CE2B275}"/>
+              </a:ext>
+            </a:extLst>
+          </p:cNvPr>
+          <p:cNvSpPr txBox="1"/>
+          <p:nvPr/>
+        </p:nvSpPr>
+        <p:spPr>
+          <a:xfrm>
+            <a:off x="238225" y="3904252"/>
+            <a:ext cx="1834505" cy="276999"/>
+          </a:xfrm>
+          <a:prstGeom prst="rect">
+            <a:avLst/>
+          </a:prstGeom>
+          <a:noFill/>
+        </p:spPr>
+        <p:txBody>
+          <a:bodyPr wrap="square" rtlCol="0">
+            <a:spAutoFit/>
+          </a:bodyPr>
+          <a:lstStyle/>
+          <a:p>
+            <a:r>
+              <a:rPr lang="zh-CN" altLang="en-US" sz="1200" b="1" dirty="0"/>
+              <a:t>得到初级线圈电流公式</a:t>
+            </a:r>
+            <a:endParaRPr lang="en-US" altLang="zh-CN" sz="1200" b="1" dirty="0"/>
+          </a:p>
+        </p:txBody>
+      </p:sp>
+      <p:sp>
+        <p:nvSpPr>
+          <p:cNvPr id="23" name="椭圆 22">
+            <a:extLst>
+              <a:ext uri="{FF2B5EF4-FFF2-40B4-BE49-F238E27FC236}">
+                <a16:creationId xmlns:a16="http://schemas.microsoft.com/office/drawing/2014/main" id="{E8601E64-2272-662B-5650-9B58D5CA4E4C}"/>
               </a:ext>
             </a:extLst>
           </p:cNvPr>
@@ -7534,21 +9560,23 @@
         </p:nvSpPr>
         <p:spPr>
           <a:xfrm>
-            <a:off x="3420252" y="271763"/>
-            <a:ext cx="5400220" cy="1944216"/>
-          </a:xfrm>
-          <a:prstGeom prst="roundRect">
+            <a:off x="2987824" y="3904252"/>
+            <a:ext cx="792088" cy="588463"/>
+          </a:xfrm>
+          <a:prstGeom prst="ellipse">
             <a:avLst/>
           </a:prstGeom>
           <a:noFill/>
           <a:ln>
-            <a:prstDash val="sysDash"/>
+            <a:solidFill>
+              <a:srgbClr val="FF0000"/>
+            </a:solidFill>
           </a:ln>
         </p:spPr>
         <p:style>
           <a:lnRef idx="2">
             <a:schemeClr val="accent1">
-              <a:shade val="50000"/>
+              <a:shade val="15000"/>
             </a:schemeClr>
           </a:lnRef>
           <a:fillRef idx="1">
@@ -7570,42 +9598,579 @@
           </a:p>
         </p:txBody>
       </p:sp>
-      <p:pic>
-        <p:nvPicPr>
-          <p:cNvPr id="4" name="图片 3">
+      <mc:AlternateContent xmlns:mc="http://schemas.openxmlformats.org/markup-compatibility/2006">
+        <mc:Choice xmlns:a14="http://schemas.microsoft.com/office/drawing/2010/main" Requires="a14">
+          <p:sp>
+            <p:nvSpPr>
+              <p:cNvPr id="24" name="文本框 23">
+                <a:extLst>
+                  <a:ext uri="{FF2B5EF4-FFF2-40B4-BE49-F238E27FC236}">
+                    <a16:creationId xmlns:a16="http://schemas.microsoft.com/office/drawing/2014/main" id="{7EE857EE-DD47-8DD6-9181-218D449199C5}"/>
+                  </a:ext>
+                </a:extLst>
+              </p:cNvPr>
+              <p:cNvSpPr txBox="1"/>
+              <p:nvPr/>
+            </p:nvSpPr>
+            <p:spPr>
+              <a:xfrm>
+                <a:off x="4256881" y="3884896"/>
+                <a:ext cx="3384376" cy="430824"/>
+              </a:xfrm>
+              <a:prstGeom prst="rect">
+                <a:avLst/>
+              </a:prstGeom>
+              <a:noFill/>
+            </p:spPr>
+            <p:txBody>
+              <a:bodyPr wrap="square" rtlCol="0">
+                <a:spAutoFit/>
+              </a:bodyPr>
+              <a:lstStyle/>
+              <a:p>
+                <a:r>
+                  <a:rPr lang="zh-CN" altLang="en-US" sz="1200" b="1" dirty="0"/>
+                  <a:t>引入阻抗：</a:t>
+                </a:r>
+                <a14:m>
+                  <m:oMath xmlns:m="http://schemas.openxmlformats.org/officeDocument/2006/math">
+                    <m:sSub>
+                      <m:sSubPr>
+                        <m:ctrlPr>
+                          <a:rPr lang="en-US" altLang="zh-CN" sz="1200" b="1" i="1" smtClean="0">
+                            <a:latin typeface="Cambria Math" panose="02040503050406030204" pitchFamily="18" charset="0"/>
+                          </a:rPr>
+                        </m:ctrlPr>
+                      </m:sSubPr>
+                      <m:e>
+                        <m:r>
+                          <a:rPr lang="en-US" altLang="zh-CN" sz="1200" b="1" i="1" smtClean="0">
+                            <a:latin typeface="Cambria Math" panose="02040503050406030204" pitchFamily="18" charset="0"/>
+                          </a:rPr>
+                          <m:t>𝒁</m:t>
+                        </m:r>
+                      </m:e>
+                      <m:sub>
+                        <m:r>
+                          <a:rPr lang="zh-CN" altLang="en-US" sz="1200" b="1" i="1" smtClean="0">
+                            <a:latin typeface="Cambria Math" panose="02040503050406030204" pitchFamily="18" charset="0"/>
+                          </a:rPr>
+                          <m:t>𝝓</m:t>
+                        </m:r>
+                      </m:sub>
+                    </m:sSub>
+                    <m:r>
+                      <a:rPr lang="en-US" altLang="zh-CN" sz="1200" b="1" i="1" smtClean="0">
+                        <a:latin typeface="Cambria Math" panose="02040503050406030204" pitchFamily="18" charset="0"/>
+                      </a:rPr>
+                      <m:t>=</m:t>
+                    </m:r>
+                    <m:f>
+                      <m:fPr>
+                        <m:ctrlPr>
+                          <a:rPr lang="en-US" altLang="zh-CN" sz="1200" i="1">
+                            <a:latin typeface="Cambria Math" panose="02040503050406030204" pitchFamily="18" charset="0"/>
+                          </a:rPr>
+                        </m:ctrlPr>
+                      </m:fPr>
+                      <m:num>
+                        <m:sSup>
+                          <m:sSupPr>
+                            <m:ctrlPr>
+                              <a:rPr lang="en-US" altLang="zh-CN" sz="1200" i="1">
+                                <a:latin typeface="Cambria Math" panose="02040503050406030204" pitchFamily="18" charset="0"/>
+                              </a:rPr>
+                            </m:ctrlPr>
+                          </m:sSupPr>
+                          <m:e>
+                            <m:r>
+                              <a:rPr lang="zh-CN" altLang="en-US" sz="1200" i="1">
+                                <a:latin typeface="Cambria Math" panose="02040503050406030204" pitchFamily="18" charset="0"/>
+                              </a:rPr>
+                              <m:t>𝜔</m:t>
+                            </m:r>
+                          </m:e>
+                          <m:sup>
+                            <m:r>
+                              <a:rPr lang="en-US" altLang="zh-CN" sz="1200" i="1">
+                                <a:latin typeface="Cambria Math" panose="02040503050406030204" pitchFamily="18" charset="0"/>
+                              </a:rPr>
+                              <m:t>2</m:t>
+                            </m:r>
+                          </m:sup>
+                        </m:sSup>
+                        <m:sSup>
+                          <m:sSupPr>
+                            <m:ctrlPr>
+                              <a:rPr lang="en-US" altLang="zh-CN" sz="1200" i="1">
+                                <a:latin typeface="Cambria Math" panose="02040503050406030204" pitchFamily="18" charset="0"/>
+                              </a:rPr>
+                            </m:ctrlPr>
+                          </m:sSupPr>
+                          <m:e>
+                            <m:r>
+                              <a:rPr lang="en-US" altLang="zh-CN" sz="1200" i="1">
+                                <a:latin typeface="Cambria Math" panose="02040503050406030204" pitchFamily="18" charset="0"/>
+                              </a:rPr>
+                              <m:t>𝑀</m:t>
+                            </m:r>
+                          </m:e>
+                          <m:sup>
+                            <m:r>
+                              <a:rPr lang="en-US" altLang="zh-CN" sz="1200" i="1">
+                                <a:latin typeface="Cambria Math" panose="02040503050406030204" pitchFamily="18" charset="0"/>
+                              </a:rPr>
+                              <m:t>2</m:t>
+                            </m:r>
+                          </m:sup>
+                        </m:sSup>
+                      </m:num>
+                      <m:den>
+                        <m:sSub>
+                          <m:sSubPr>
+                            <m:ctrlPr>
+                              <a:rPr lang="en-US" altLang="zh-CN" sz="1200" i="1">
+                                <a:latin typeface="Cambria Math" panose="02040503050406030204" pitchFamily="18" charset="0"/>
+                              </a:rPr>
+                            </m:ctrlPr>
+                          </m:sSubPr>
+                          <m:e>
+                            <m:r>
+                              <a:rPr lang="en-US" altLang="zh-CN" sz="1200" i="1">
+                                <a:latin typeface="Cambria Math" panose="02040503050406030204" pitchFamily="18" charset="0"/>
+                              </a:rPr>
+                              <m:t>𝑍</m:t>
+                            </m:r>
+                          </m:e>
+                          <m:sub>
+                            <m:r>
+                              <a:rPr lang="en-US" altLang="zh-CN" sz="1200" i="1">
+                                <a:latin typeface="Cambria Math" panose="02040503050406030204" pitchFamily="18" charset="0"/>
+                              </a:rPr>
+                              <m:t>22</m:t>
+                            </m:r>
+                          </m:sub>
+                        </m:sSub>
+                      </m:den>
+                    </m:f>
+                    <m:r>
+                      <a:rPr lang="en-US" altLang="zh-CN" sz="1200" b="1" i="0" smtClean="0">
+                        <a:latin typeface="Cambria Math" panose="02040503050406030204" pitchFamily="18" charset="0"/>
+                      </a:rPr>
+                      <m:t>=</m:t>
+                    </m:r>
+                    <m:f>
+                      <m:fPr>
+                        <m:ctrlPr>
+                          <a:rPr lang="en-US" altLang="zh-CN" sz="1200" i="1">
+                            <a:latin typeface="Cambria Math" panose="02040503050406030204" pitchFamily="18" charset="0"/>
+                          </a:rPr>
+                        </m:ctrlPr>
+                      </m:fPr>
+                      <m:num>
+                        <m:d>
+                          <m:dPr>
+                            <m:ctrlPr>
+                              <a:rPr lang="en-US" altLang="zh-CN" sz="1200" i="1">
+                                <a:latin typeface="Cambria Math" panose="02040503050406030204" pitchFamily="18" charset="0"/>
+                              </a:rPr>
+                            </m:ctrlPr>
+                          </m:dPr>
+                          <m:e>
+                            <m:sSup>
+                              <m:sSupPr>
+                                <m:ctrlPr>
+                                  <a:rPr lang="en-US" altLang="zh-CN" sz="1200" i="1">
+                                    <a:latin typeface="Cambria Math" panose="02040503050406030204" pitchFamily="18" charset="0"/>
+                                  </a:rPr>
+                                </m:ctrlPr>
+                              </m:sSupPr>
+                              <m:e>
+                                <m:r>
+                                  <a:rPr lang="zh-CN" altLang="en-US" sz="1200" i="1">
+                                    <a:latin typeface="Cambria Math" panose="02040503050406030204" pitchFamily="18" charset="0"/>
+                                  </a:rPr>
+                                  <m:t>𝜔</m:t>
+                                </m:r>
+                              </m:e>
+                              <m:sup>
+                                <m:r>
+                                  <a:rPr lang="en-US" altLang="zh-CN" sz="1200" i="1">
+                                    <a:latin typeface="Cambria Math" panose="02040503050406030204" pitchFamily="18" charset="0"/>
+                                  </a:rPr>
+                                  <m:t>2</m:t>
+                                </m:r>
+                              </m:sup>
+                            </m:sSup>
+                            <m:sSup>
+                              <m:sSupPr>
+                                <m:ctrlPr>
+                                  <a:rPr lang="en-US" altLang="zh-CN" sz="1200" i="1">
+                                    <a:latin typeface="Cambria Math" panose="02040503050406030204" pitchFamily="18" charset="0"/>
+                                  </a:rPr>
+                                </m:ctrlPr>
+                              </m:sSupPr>
+                              <m:e>
+                                <m:r>
+                                  <a:rPr lang="en-US" altLang="zh-CN" sz="1200" i="1">
+                                    <a:latin typeface="Cambria Math" panose="02040503050406030204" pitchFamily="18" charset="0"/>
+                                  </a:rPr>
+                                  <m:t>𝑀</m:t>
+                                </m:r>
+                              </m:e>
+                              <m:sup>
+                                <m:r>
+                                  <a:rPr lang="en-US" altLang="zh-CN" sz="1200" i="1">
+                                    <a:latin typeface="Cambria Math" panose="02040503050406030204" pitchFamily="18" charset="0"/>
+                                  </a:rPr>
+                                  <m:t>2</m:t>
+                                </m:r>
+                              </m:sup>
+                            </m:sSup>
+                          </m:e>
+                        </m:d>
+                        <m:sSub>
+                          <m:sSubPr>
+                            <m:ctrlPr>
+                              <a:rPr lang="en-US" altLang="zh-CN" sz="1200" i="1" smtClean="0">
+                                <a:latin typeface="Cambria Math" panose="02040503050406030204" pitchFamily="18" charset="0"/>
+                              </a:rPr>
+                            </m:ctrlPr>
+                          </m:sSubPr>
+                          <m:e>
+                            <m:r>
+                              <a:rPr lang="en-US" altLang="zh-CN" sz="1200" b="0" i="1" smtClean="0">
+                                <a:latin typeface="Cambria Math" panose="02040503050406030204" pitchFamily="18" charset="0"/>
+                              </a:rPr>
+                              <m:t>𝑅</m:t>
+                            </m:r>
+                          </m:e>
+                          <m:sub>
+                            <m:r>
+                              <a:rPr lang="en-US" altLang="zh-CN" sz="1200" i="1">
+                                <a:latin typeface="Cambria Math" panose="02040503050406030204" pitchFamily="18" charset="0"/>
+                              </a:rPr>
+                              <m:t>22</m:t>
+                            </m:r>
+                          </m:sub>
+                        </m:sSub>
+                      </m:num>
+                      <m:den>
+                        <m:sSubSup>
+                          <m:sSubSupPr>
+                            <m:ctrlPr>
+                              <a:rPr lang="en-US" altLang="zh-CN" sz="1200" i="1" smtClean="0">
+                                <a:latin typeface="Cambria Math" panose="02040503050406030204" pitchFamily="18" charset="0"/>
+                              </a:rPr>
+                            </m:ctrlPr>
+                          </m:sSubSupPr>
+                          <m:e>
+                            <m:r>
+                              <a:rPr lang="en-US" altLang="zh-CN" sz="1200" i="1">
+                                <a:latin typeface="Cambria Math" panose="02040503050406030204" pitchFamily="18" charset="0"/>
+                              </a:rPr>
+                              <m:t>𝑅</m:t>
+                            </m:r>
+                          </m:e>
+                          <m:sub>
+                            <m:r>
+                              <a:rPr lang="en-US" altLang="zh-CN" sz="1200" b="0" i="1" smtClean="0">
+                                <a:latin typeface="Cambria Math" panose="02040503050406030204" pitchFamily="18" charset="0"/>
+                              </a:rPr>
+                              <m:t>22</m:t>
+                            </m:r>
+                          </m:sub>
+                          <m:sup>
+                            <m:r>
+                              <a:rPr lang="en-US" altLang="zh-CN" sz="1200" b="0" i="1" smtClean="0">
+                                <a:latin typeface="Cambria Math" panose="02040503050406030204" pitchFamily="18" charset="0"/>
+                              </a:rPr>
+                              <m:t>2</m:t>
+                            </m:r>
+                          </m:sup>
+                        </m:sSubSup>
+                        <m:r>
+                          <a:rPr lang="en-US" altLang="zh-CN" sz="1200" b="0" i="1" smtClean="0">
+                            <a:latin typeface="Cambria Math" panose="02040503050406030204" pitchFamily="18" charset="0"/>
+                          </a:rPr>
+                          <m:t>+</m:t>
+                        </m:r>
+                        <m:sSubSup>
+                          <m:sSubSupPr>
+                            <m:ctrlPr>
+                              <a:rPr lang="en-US" altLang="zh-CN" sz="1200" i="1">
+                                <a:latin typeface="Cambria Math" panose="02040503050406030204" pitchFamily="18" charset="0"/>
+                              </a:rPr>
+                            </m:ctrlPr>
+                          </m:sSubSupPr>
+                          <m:e>
+                            <m:r>
+                              <a:rPr lang="en-US" altLang="zh-CN" sz="1200" b="0" i="1" smtClean="0">
+                                <a:latin typeface="Cambria Math" panose="02040503050406030204" pitchFamily="18" charset="0"/>
+                              </a:rPr>
+                              <m:t>𝑋</m:t>
+                            </m:r>
+                          </m:e>
+                          <m:sub>
+                            <m:r>
+                              <a:rPr lang="en-US" altLang="zh-CN" sz="1200" i="1">
+                                <a:latin typeface="Cambria Math" panose="02040503050406030204" pitchFamily="18" charset="0"/>
+                              </a:rPr>
+                              <m:t>22</m:t>
+                            </m:r>
+                          </m:sub>
+                          <m:sup>
+                            <m:r>
+                              <a:rPr lang="en-US" altLang="zh-CN" sz="1200" i="1">
+                                <a:latin typeface="Cambria Math" panose="02040503050406030204" pitchFamily="18" charset="0"/>
+                              </a:rPr>
+                              <m:t>2</m:t>
+                            </m:r>
+                          </m:sup>
+                        </m:sSubSup>
+                      </m:den>
+                    </m:f>
+                    <m:r>
+                      <a:rPr lang="en-US" altLang="zh-CN" sz="1200" b="1" i="0" smtClean="0">
+                        <a:latin typeface="Cambria Math" panose="02040503050406030204" pitchFamily="18" charset="0"/>
+                      </a:rPr>
+                      <m:t>−</m:t>
+                    </m:r>
+                    <m:r>
+                      <a:rPr lang="en-US" altLang="zh-CN" sz="1200" b="1" i="0" smtClean="0">
+                        <a:latin typeface="Cambria Math" panose="02040503050406030204" pitchFamily="18" charset="0"/>
+                      </a:rPr>
+                      <m:t>𝐣</m:t>
+                    </m:r>
+                    <m:f>
+                      <m:fPr>
+                        <m:ctrlPr>
+                          <a:rPr lang="en-US" altLang="zh-CN" sz="1200" i="1">
+                            <a:latin typeface="Cambria Math" panose="02040503050406030204" pitchFamily="18" charset="0"/>
+                          </a:rPr>
+                        </m:ctrlPr>
+                      </m:fPr>
+                      <m:num>
+                        <m:d>
+                          <m:dPr>
+                            <m:ctrlPr>
+                              <a:rPr lang="en-US" altLang="zh-CN" sz="1200" b="0" i="1" smtClean="0">
+                                <a:latin typeface="Cambria Math" panose="02040503050406030204" pitchFamily="18" charset="0"/>
+                              </a:rPr>
+                            </m:ctrlPr>
+                          </m:dPr>
+                          <m:e>
+                            <m:sSup>
+                              <m:sSupPr>
+                                <m:ctrlPr>
+                                  <a:rPr lang="en-US" altLang="zh-CN" sz="1200" i="1">
+                                    <a:latin typeface="Cambria Math" panose="02040503050406030204" pitchFamily="18" charset="0"/>
+                                  </a:rPr>
+                                </m:ctrlPr>
+                              </m:sSupPr>
+                              <m:e>
+                                <m:r>
+                                  <a:rPr lang="zh-CN" altLang="en-US" sz="1200" i="1">
+                                    <a:latin typeface="Cambria Math" panose="02040503050406030204" pitchFamily="18" charset="0"/>
+                                  </a:rPr>
+                                  <m:t>𝜔</m:t>
+                                </m:r>
+                              </m:e>
+                              <m:sup>
+                                <m:r>
+                                  <a:rPr lang="en-US" altLang="zh-CN" sz="1200" i="1">
+                                    <a:latin typeface="Cambria Math" panose="02040503050406030204" pitchFamily="18" charset="0"/>
+                                  </a:rPr>
+                                  <m:t>2</m:t>
+                                </m:r>
+                              </m:sup>
+                            </m:sSup>
+                            <m:sSup>
+                              <m:sSupPr>
+                                <m:ctrlPr>
+                                  <a:rPr lang="en-US" altLang="zh-CN" sz="1200" i="1">
+                                    <a:latin typeface="Cambria Math" panose="02040503050406030204" pitchFamily="18" charset="0"/>
+                                  </a:rPr>
+                                </m:ctrlPr>
+                              </m:sSupPr>
+                              <m:e>
+                                <m:r>
+                                  <a:rPr lang="en-US" altLang="zh-CN" sz="1200" i="1">
+                                    <a:latin typeface="Cambria Math" panose="02040503050406030204" pitchFamily="18" charset="0"/>
+                                  </a:rPr>
+                                  <m:t>𝑀</m:t>
+                                </m:r>
+                              </m:e>
+                              <m:sup>
+                                <m:r>
+                                  <a:rPr lang="en-US" altLang="zh-CN" sz="1200" i="1">
+                                    <a:latin typeface="Cambria Math" panose="02040503050406030204" pitchFamily="18" charset="0"/>
+                                  </a:rPr>
+                                  <m:t>2</m:t>
+                                </m:r>
+                              </m:sup>
+                            </m:sSup>
+                          </m:e>
+                        </m:d>
+                        <m:sSub>
+                          <m:sSubPr>
+                            <m:ctrlPr>
+                              <a:rPr lang="en-US" altLang="zh-CN" sz="1200" i="1" smtClean="0">
+                                <a:latin typeface="Cambria Math" panose="02040503050406030204" pitchFamily="18" charset="0"/>
+                              </a:rPr>
+                            </m:ctrlPr>
+                          </m:sSubPr>
+                          <m:e>
+                            <m:r>
+                              <a:rPr lang="en-US" altLang="zh-CN" sz="1200" b="0" i="1" smtClean="0">
+                                <a:latin typeface="Cambria Math" panose="02040503050406030204" pitchFamily="18" charset="0"/>
+                              </a:rPr>
+                              <m:t>𝑋</m:t>
+                            </m:r>
+                          </m:e>
+                          <m:sub>
+                            <m:r>
+                              <a:rPr lang="en-US" altLang="zh-CN" sz="1200" i="1">
+                                <a:latin typeface="Cambria Math" panose="02040503050406030204" pitchFamily="18" charset="0"/>
+                              </a:rPr>
+                              <m:t>22</m:t>
+                            </m:r>
+                          </m:sub>
+                        </m:sSub>
+                      </m:num>
+                      <m:den>
+                        <m:sSubSup>
+                          <m:sSubSupPr>
+                            <m:ctrlPr>
+                              <a:rPr lang="en-US" altLang="zh-CN" sz="1200" i="1">
+                                <a:latin typeface="Cambria Math" panose="02040503050406030204" pitchFamily="18" charset="0"/>
+                              </a:rPr>
+                            </m:ctrlPr>
+                          </m:sSubSupPr>
+                          <m:e>
+                            <m:r>
+                              <a:rPr lang="en-US" altLang="zh-CN" sz="1200" i="1">
+                                <a:latin typeface="Cambria Math" panose="02040503050406030204" pitchFamily="18" charset="0"/>
+                              </a:rPr>
+                              <m:t>𝑅</m:t>
+                            </m:r>
+                          </m:e>
+                          <m:sub>
+                            <m:r>
+                              <a:rPr lang="en-US" altLang="zh-CN" sz="1200" i="1">
+                                <a:latin typeface="Cambria Math" panose="02040503050406030204" pitchFamily="18" charset="0"/>
+                              </a:rPr>
+                              <m:t>22</m:t>
+                            </m:r>
+                          </m:sub>
+                          <m:sup>
+                            <m:r>
+                              <a:rPr lang="en-US" altLang="zh-CN" sz="1200" i="1">
+                                <a:latin typeface="Cambria Math" panose="02040503050406030204" pitchFamily="18" charset="0"/>
+                              </a:rPr>
+                              <m:t>2</m:t>
+                            </m:r>
+                          </m:sup>
+                        </m:sSubSup>
+                        <m:r>
+                          <a:rPr lang="en-US" altLang="zh-CN" sz="1200" i="1">
+                            <a:latin typeface="Cambria Math" panose="02040503050406030204" pitchFamily="18" charset="0"/>
+                          </a:rPr>
+                          <m:t>+</m:t>
+                        </m:r>
+                        <m:sSubSup>
+                          <m:sSubSupPr>
+                            <m:ctrlPr>
+                              <a:rPr lang="en-US" altLang="zh-CN" sz="1200" i="1">
+                                <a:latin typeface="Cambria Math" panose="02040503050406030204" pitchFamily="18" charset="0"/>
+                              </a:rPr>
+                            </m:ctrlPr>
+                          </m:sSubSupPr>
+                          <m:e>
+                            <m:r>
+                              <a:rPr lang="en-US" altLang="zh-CN" sz="1200" i="1">
+                                <a:latin typeface="Cambria Math" panose="02040503050406030204" pitchFamily="18" charset="0"/>
+                              </a:rPr>
+                              <m:t>𝑋</m:t>
+                            </m:r>
+                          </m:e>
+                          <m:sub>
+                            <m:r>
+                              <a:rPr lang="en-US" altLang="zh-CN" sz="1200" i="1">
+                                <a:latin typeface="Cambria Math" panose="02040503050406030204" pitchFamily="18" charset="0"/>
+                              </a:rPr>
+                              <m:t>22</m:t>
+                            </m:r>
+                          </m:sub>
+                          <m:sup>
+                            <m:r>
+                              <a:rPr lang="en-US" altLang="zh-CN" sz="1200" i="1">
+                                <a:latin typeface="Cambria Math" panose="02040503050406030204" pitchFamily="18" charset="0"/>
+                              </a:rPr>
+                              <m:t>2</m:t>
+                            </m:r>
+                          </m:sup>
+                        </m:sSubSup>
+                      </m:den>
+                    </m:f>
+                  </m:oMath>
+                </a14:m>
+                <a:endParaRPr lang="en-US" altLang="zh-CN" sz="1200" b="1" dirty="0"/>
+              </a:p>
+            </p:txBody>
+          </p:sp>
+        </mc:Choice>
+        <mc:Fallback>
+          <p:sp>
+            <p:nvSpPr>
+              <p:cNvPr id="24" name="文本框 23">
+                <a:extLst>
+                  <a:ext uri="{FF2B5EF4-FFF2-40B4-BE49-F238E27FC236}">
+                    <a16:creationId xmlns:a16="http://schemas.microsoft.com/office/drawing/2014/main" id="{7EE857EE-DD47-8DD6-9181-218D449199C5}"/>
+                  </a:ext>
+                </a:extLst>
+              </p:cNvPr>
+              <p:cNvSpPr txBox="1">
+                <a:spLocks noRot="1" noChangeAspect="1" noMove="1" noResize="1" noEditPoints="1" noAdjustHandles="1" noChangeArrowheads="1" noChangeShapeType="1" noTextEdit="1"/>
+              </p:cNvSpPr>
+              <p:nvPr/>
+            </p:nvSpPr>
+            <p:spPr>
+              <a:xfrm>
+                <a:off x="4256881" y="3884896"/>
+                <a:ext cx="3384376" cy="430824"/>
+              </a:xfrm>
+              <a:prstGeom prst="rect">
+                <a:avLst/>
+              </a:prstGeom>
+              <a:blipFill>
+                <a:blip r:embed="rId9"/>
+                <a:stretch>
+                  <a:fillRect/>
+                </a:stretch>
+              </a:blipFill>
+            </p:spPr>
+            <p:txBody>
+              <a:bodyPr/>
+              <a:lstStyle/>
+              <a:p>
+                <a:r>
+                  <a:rPr lang="zh-CN" altLang="en-US">
+                    <a:noFill/>
+                  </a:rPr>
+                  <a:t> </a:t>
+                </a:r>
+              </a:p>
+            </p:txBody>
+          </p:sp>
+        </mc:Fallback>
+      </mc:AlternateContent>
+      <p:sp>
+        <p:nvSpPr>
+          <p:cNvPr id="25" name="椭圆 24">
             <a:extLst>
               <a:ext uri="{FF2B5EF4-FFF2-40B4-BE49-F238E27FC236}">
-                <a16:creationId xmlns:a16="http://schemas.microsoft.com/office/drawing/2014/main" id="{69B37D23-4196-4D80-9868-85109F4F0FFA}"/>
-              </a:ext>
-            </a:extLst>
-          </p:cNvPr>
-          <p:cNvPicPr>
-            <a:picLocks noChangeAspect="1"/>
-          </p:cNvPicPr>
-          <p:nvPr/>
-        </p:nvPicPr>
-        <p:blipFill>
-          <a:blip r:embed="rId5"/>
-          <a:stretch>
-            <a:fillRect/>
-          </a:stretch>
-        </p:blipFill>
-        <p:spPr>
-          <a:xfrm>
-            <a:off x="3635896" y="2501762"/>
-            <a:ext cx="4680520" cy="2215076"/>
-          </a:xfrm>
-          <a:prstGeom prst="rect">
-            <a:avLst/>
-          </a:prstGeom>
-        </p:spPr>
-      </p:pic>
-      <p:sp>
-        <p:nvSpPr>
-          <p:cNvPr id="18" name="矩形: 圆角 17">
-            <a:extLst>
-              <a:ext uri="{FF2B5EF4-FFF2-40B4-BE49-F238E27FC236}">
-                <a16:creationId xmlns:a16="http://schemas.microsoft.com/office/drawing/2014/main" id="{C4B5F0AF-FA4C-4086-B07E-D0B2FDB130B0}"/>
+                <a16:creationId xmlns:a16="http://schemas.microsoft.com/office/drawing/2014/main" id="{649D6240-3F37-DDCD-ED35-F20359CE4C6A}"/>
               </a:ext>
             </a:extLst>
           </p:cNvPr>
@@ -7614,21 +10179,23 @@
         </p:nvSpPr>
         <p:spPr>
           <a:xfrm>
-            <a:off x="3551456" y="2438147"/>
-            <a:ext cx="5125000" cy="2433590"/>
-          </a:xfrm>
-          <a:prstGeom prst="roundRect">
+            <a:off x="6600180" y="3806076"/>
+            <a:ext cx="996155" cy="617708"/>
+          </a:xfrm>
+          <a:prstGeom prst="ellipse">
             <a:avLst/>
           </a:prstGeom>
           <a:noFill/>
           <a:ln>
-            <a:prstDash val="sysDash"/>
+            <a:solidFill>
+              <a:srgbClr val="FF0000"/>
+            </a:solidFill>
           </a:ln>
         </p:spPr>
         <p:style>
           <a:lnRef idx="2">
             <a:schemeClr val="accent1">
-              <a:shade val="50000"/>
+              <a:shade val="15000"/>
             </a:schemeClr>
           </a:lnRef>
           <a:fillRef idx="1">
@@ -7650,10 +10217,150 @@
           </a:p>
         </p:txBody>
       </p:sp>
+      <p:sp>
+        <p:nvSpPr>
+          <p:cNvPr id="26" name="椭圆 25">
+            <a:extLst>
+              <a:ext uri="{FF2B5EF4-FFF2-40B4-BE49-F238E27FC236}">
+                <a16:creationId xmlns:a16="http://schemas.microsoft.com/office/drawing/2014/main" id="{BC701309-B236-9E8A-A407-4F70F7D8A6D0}"/>
+              </a:ext>
+            </a:extLst>
+          </p:cNvPr>
+          <p:cNvSpPr/>
+          <p:nvPr/>
+        </p:nvSpPr>
+        <p:spPr>
+          <a:xfrm>
+            <a:off x="4386487" y="2355444"/>
+            <a:ext cx="437035" cy="430824"/>
+          </a:xfrm>
+          <a:prstGeom prst="ellipse">
+            <a:avLst/>
+          </a:prstGeom>
+          <a:noFill/>
+          <a:ln>
+            <a:solidFill>
+              <a:srgbClr val="FF0000"/>
+            </a:solidFill>
+          </a:ln>
+        </p:spPr>
+        <p:style>
+          <a:lnRef idx="2">
+            <a:schemeClr val="accent1">
+              <a:shade val="15000"/>
+            </a:schemeClr>
+          </a:lnRef>
+          <a:fillRef idx="1">
+            <a:schemeClr val="accent1"/>
+          </a:fillRef>
+          <a:effectRef idx="0">
+            <a:schemeClr val="accent1"/>
+          </a:effectRef>
+          <a:fontRef idx="minor">
+            <a:schemeClr val="lt1"/>
+          </a:fontRef>
+        </p:style>
+        <p:txBody>
+          <a:bodyPr rtlCol="0" anchor="ctr"/>
+          <a:lstStyle/>
+          <a:p>
+            <a:pPr algn="ctr"/>
+            <a:endParaRPr lang="zh-CN" altLang="en-US"/>
+          </a:p>
+        </p:txBody>
+      </p:sp>
+      <p:cxnSp>
+        <p:nvCxnSpPr>
+          <p:cNvPr id="28" name="直接箭头连接符 27">
+            <a:extLst>
+              <a:ext uri="{FF2B5EF4-FFF2-40B4-BE49-F238E27FC236}">
+                <a16:creationId xmlns:a16="http://schemas.microsoft.com/office/drawing/2014/main" id="{5A7FEB46-5709-8EC0-49F0-779C70143499}"/>
+              </a:ext>
+            </a:extLst>
+          </p:cNvPr>
+          <p:cNvCxnSpPr/>
+          <p:nvPr/>
+        </p:nvCxnSpPr>
+        <p:spPr>
+          <a:xfrm>
+            <a:off x="4793011" y="2786268"/>
+            <a:ext cx="1996972" cy="1019808"/>
+          </a:xfrm>
+          <a:prstGeom prst="straightConnector1">
+            <a:avLst/>
+          </a:prstGeom>
+          <a:ln>
+            <a:solidFill>
+              <a:srgbClr val="FF0000"/>
+            </a:solidFill>
+            <a:tailEnd type="triangle"/>
+          </a:ln>
+        </p:spPr>
+        <p:style>
+          <a:lnRef idx="1">
+            <a:schemeClr val="accent1"/>
+          </a:lnRef>
+          <a:fillRef idx="0">
+            <a:schemeClr val="accent1"/>
+          </a:fillRef>
+          <a:effectRef idx="0">
+            <a:schemeClr val="accent1"/>
+          </a:effectRef>
+          <a:fontRef idx="minor">
+            <a:schemeClr val="tx1"/>
+          </a:fontRef>
+        </p:style>
+      </p:cxnSp>
+      <p:sp>
+        <p:nvSpPr>
+          <p:cNvPr id="29" name="文本框 28">
+            <a:extLst>
+              <a:ext uri="{FF2B5EF4-FFF2-40B4-BE49-F238E27FC236}">
+                <a16:creationId xmlns:a16="http://schemas.microsoft.com/office/drawing/2014/main" id="{BA767171-D875-3721-C38B-FFAE1437FFE9}"/>
+              </a:ext>
+            </a:extLst>
+          </p:cNvPr>
+          <p:cNvSpPr txBox="1"/>
+          <p:nvPr/>
+        </p:nvSpPr>
+        <p:spPr>
+          <a:xfrm>
+            <a:off x="2411760" y="4544434"/>
+            <a:ext cx="6696744" cy="461665"/>
+          </a:xfrm>
+          <a:prstGeom prst="rect">
+            <a:avLst/>
+          </a:prstGeom>
+          <a:noFill/>
+        </p:spPr>
+        <p:txBody>
+          <a:bodyPr wrap="square" rtlCol="0">
+            <a:spAutoFit/>
+          </a:bodyPr>
+          <a:lstStyle/>
+          <a:p>
+            <a:r>
+              <a:rPr lang="zh-CN" altLang="en-US" sz="1200" b="1" dirty="0"/>
+              <a:t>副边等效到原边</a:t>
+            </a:r>
+            <a:r>
+              <a:rPr lang="zh-CN" altLang="en-US" sz="1200" b="1" i="0" dirty="0">
+                <a:effectLst/>
+                <a:highlight>
+                  <a:srgbClr val="FFFFFF"/>
+                </a:highlight>
+                <a:latin typeface="-apple-system"/>
+              </a:rPr>
+              <a:t>的引入阻抗会使副边的电抗变性，即感性变容性，容性变感性。这在理论上表示，可以利用变压器副边到原边的关系来匹配阻抗，实现最大功率传输。</a:t>
+            </a:r>
+            <a:endParaRPr lang="en-US" altLang="zh-CN" sz="1200" b="1" dirty="0"/>
+          </a:p>
+        </p:txBody>
+      </p:sp>
     </p:spTree>
     <p:extLst>
       <p:ext uri="{BB962C8B-B14F-4D97-AF65-F5344CB8AC3E}">
-        <p14:creationId xmlns:p14="http://schemas.microsoft.com/office/powerpoint/2010/main" val="1514289381"/>
+        <p14:creationId xmlns:p14="http://schemas.microsoft.com/office/powerpoint/2010/main" val="2262727910"/>
       </p:ext>
     </p:extLst>
   </p:cSld>
@@ -7730,6 +10437,30 @@
 </file>
 
 <file path=ppt/tags/tag2.xml><?xml version="1.0" encoding="utf-8"?>
+<p:tagLst xmlns:a="http://schemas.openxmlformats.org/drawingml/2006/main" xmlns:r="http://schemas.openxmlformats.org/officeDocument/2006/relationships" xmlns:p="http://schemas.openxmlformats.org/presentationml/2006/main">
+  <p:tag name="KSO_WM_BEAUTIFY_FLAG" val=""/>
+</p:tagLst>
+</file>
+
+<file path=ppt/tags/tag20.xml><?xml version="1.0" encoding="utf-8"?>
+<p:tagLst xmlns:a="http://schemas.openxmlformats.org/drawingml/2006/main" xmlns:r="http://schemas.openxmlformats.org/officeDocument/2006/relationships" xmlns:p="http://schemas.openxmlformats.org/presentationml/2006/main">
+  <p:tag name="KSO_WM_BEAUTIFY_FLAG" val=""/>
+</p:tagLst>
+</file>
+
+<file path=ppt/tags/tag21.xml><?xml version="1.0" encoding="utf-8"?>
+<p:tagLst xmlns:a="http://schemas.openxmlformats.org/drawingml/2006/main" xmlns:r="http://schemas.openxmlformats.org/officeDocument/2006/relationships" xmlns:p="http://schemas.openxmlformats.org/presentationml/2006/main">
+  <p:tag name="KSO_WM_BEAUTIFY_FLAG" val=""/>
+</p:tagLst>
+</file>
+
+<file path=ppt/tags/tag22.xml><?xml version="1.0" encoding="utf-8"?>
+<p:tagLst xmlns:a="http://schemas.openxmlformats.org/drawingml/2006/main" xmlns:r="http://schemas.openxmlformats.org/officeDocument/2006/relationships" xmlns:p="http://schemas.openxmlformats.org/presentationml/2006/main">
+  <p:tag name="KSO_WM_BEAUTIFY_FLAG" val=""/>
+</p:tagLst>
+</file>
+
+<file path=ppt/tags/tag23.xml><?xml version="1.0" encoding="utf-8"?>
 <p:tagLst xmlns:a="http://schemas.openxmlformats.org/drawingml/2006/main" xmlns:r="http://schemas.openxmlformats.org/officeDocument/2006/relationships" xmlns:p="http://schemas.openxmlformats.org/presentationml/2006/main">
   <p:tag name="KSO_WM_BEAUTIFY_FLAG" val=""/>
 </p:tagLst>
